--- a/Oral Discussion/Software Engineering.pptx
+++ b/Oral Discussion/Software Engineering.pptx
@@ -1,29 +1,28 @@
 
 <file path=ppt/presentation.xml><?xml version="1.0" encoding="utf-8"?>
-<p:presentation xmlns:a="http://schemas.openxmlformats.org/drawingml/2006/main" xmlns:r="http://schemas.openxmlformats.org/officeDocument/2006/relationships" xmlns:p="http://schemas.openxmlformats.org/presentationml/2006/main" saveSubsetFonts="1">
+<p:presentation xmlns:a="http://schemas.openxmlformats.org/drawingml/2006/main" xmlns:r="http://schemas.openxmlformats.org/officeDocument/2006/relationships" xmlns:p="http://schemas.openxmlformats.org/presentationml/2006/main" showSpecialPlsOnTitleSld="0" saveSubsetFonts="1">
   <p:sldMasterIdLst>
     <p:sldMasterId id="2147483660" r:id="rId1"/>
   </p:sldMasterIdLst>
   <p:notesMasterIdLst>
-    <p:notesMasterId r:id="rId18"/>
+    <p:notesMasterId r:id="rId17"/>
   </p:notesMasterIdLst>
   <p:sldIdLst>
     <p:sldId id="256" r:id="rId2"/>
-    <p:sldId id="257" r:id="rId3"/>
-    <p:sldId id="259" r:id="rId4"/>
-    <p:sldId id="258" r:id="rId5"/>
-    <p:sldId id="260" r:id="rId6"/>
-    <p:sldId id="261" r:id="rId7"/>
-    <p:sldId id="263" r:id="rId8"/>
-    <p:sldId id="262" r:id="rId9"/>
-    <p:sldId id="264" r:id="rId10"/>
-    <p:sldId id="265" r:id="rId11"/>
-    <p:sldId id="268" r:id="rId12"/>
-    <p:sldId id="270" r:id="rId13"/>
-    <p:sldId id="271" r:id="rId14"/>
-    <p:sldId id="266" r:id="rId15"/>
-    <p:sldId id="269" r:id="rId16"/>
-    <p:sldId id="272" r:id="rId17"/>
+    <p:sldId id="259" r:id="rId3"/>
+    <p:sldId id="258" r:id="rId4"/>
+    <p:sldId id="260" r:id="rId5"/>
+    <p:sldId id="261" r:id="rId6"/>
+    <p:sldId id="263" r:id="rId7"/>
+    <p:sldId id="262" r:id="rId8"/>
+    <p:sldId id="264" r:id="rId9"/>
+    <p:sldId id="265" r:id="rId10"/>
+    <p:sldId id="268" r:id="rId11"/>
+    <p:sldId id="270" r:id="rId12"/>
+    <p:sldId id="271" r:id="rId13"/>
+    <p:sldId id="266" r:id="rId14"/>
+    <p:sldId id="269" r:id="rId15"/>
+    <p:sldId id="272" r:id="rId16"/>
   </p:sldIdLst>
   <p:sldSz cx="9144000" cy="6858000" type="screen4x3"/>
   <p:notesSz cx="6858000" cy="9144000"/>
@@ -122,6 +121,11 @@
       </a:defRPr>
     </a:lvl9pPr>
   </p:defaultTextStyle>
+  <p:extLst>
+    <p:ext uri="{EFAFB233-063F-42B5-8137-9DF3F51BA10A}">
+      <p15:sldGuideLst xmlns:p15="http://schemas.microsoft.com/office/powerpoint/2012/main"/>
+    </p:ext>
+  </p:extLst>
 </p:presentation>
 </file>
 
@@ -219,7 +223,7 @@
           <a:p>
             <a:fld id="{7A0C14A2-DB84-4486-A5FE-99FD760822F0}" type="datetimeFigureOut">
               <a:rPr lang="fr-FR" smtClean="0"/>
-              <a:t>08/02/2017</a:t>
+              <a:t>09/02/2017</a:t>
             </a:fld>
             <a:endParaRPr lang="fr-FR"/>
           </a:p>
@@ -314,7 +318,6 @@
               <a:rPr lang="fr-FR"/>
               <a:t>Cinquième niveau</a:t>
             </a:r>
-            <a:endParaRPr lang="fr-FR"/>
           </a:p>
         </p:txBody>
       </p:sp>
@@ -536,32 +539,6 @@
               <a:t>Rémi</a:t>
             </a:r>
           </a:p>
-          <a:p>
-            <a:endParaRPr lang="fr-FR" dirty="0"/>
-          </a:p>
-          <a:p>
-            <a:r>
-              <a:rPr lang="fr-FR" dirty="0" err="1"/>
-              <a:t>Press</a:t>
-            </a:r>
-            <a:r>
-              <a:rPr lang="fr-FR" dirty="0"/>
-              <a:t> the </a:t>
-            </a:r>
-            <a:r>
-              <a:rPr lang="fr-FR" dirty="0" err="1"/>
-              <a:t>space</a:t>
-            </a:r>
-            <a:r>
-              <a:rPr lang="fr-FR" dirty="0"/>
-              <a:t> bar </a:t>
-            </a:r>
-            <a:r>
-              <a:rPr lang="fr-FR" dirty="0" err="1"/>
-              <a:t>gently</a:t>
-            </a:r>
-            <a:endParaRPr lang="fr-FR" dirty="0"/>
-          </a:p>
         </p:txBody>
       </p:sp>
       <p:sp>
@@ -646,7 +623,32 @@
           <a:p>
             <a:r>
               <a:rPr lang="fr-FR" dirty="0"/>
-              <a:t>Rémi</a:t>
+              <a:t>Vianney</a:t>
+            </a:r>
+          </a:p>
+          <a:p>
+            <a:endParaRPr lang="fr-FR" dirty="0"/>
+          </a:p>
+          <a:p>
+            <a:r>
+              <a:rPr lang="fr-FR" dirty="0"/>
+              <a:t>Noëlie: </a:t>
+            </a:r>
+            <a:r>
+              <a:rPr lang="fr-FR" dirty="0" err="1"/>
+              <a:t>Used</a:t>
+            </a:r>
+            <a:r>
+              <a:rPr lang="fr-FR" dirty="0"/>
+              <a:t> Tools </a:t>
+            </a:r>
+            <a:r>
+              <a:rPr lang="fr-FR" dirty="0" err="1"/>
+              <a:t>presentation</a:t>
+            </a:r>
+            <a:r>
+              <a:rPr lang="fr-FR" dirty="0"/>
+              <a:t> ?</a:t>
             </a:r>
           </a:p>
         </p:txBody>
@@ -677,7 +679,7 @@
     </p:spTree>
     <p:extLst>
       <p:ext uri="{BB962C8B-B14F-4D97-AF65-F5344CB8AC3E}">
-        <p14:creationId xmlns:p14="http://schemas.microsoft.com/office/powerpoint/2010/main" val="805237367"/>
+        <p14:creationId xmlns:p14="http://schemas.microsoft.com/office/powerpoint/2010/main" val="1002483388"/>
       </p:ext>
     </p:extLst>
   </p:cSld>
@@ -736,35 +738,6 @@
               <a:t>Vianney</a:t>
             </a:r>
           </a:p>
-          <a:p>
-            <a:endParaRPr lang="fr-FR" dirty="0"/>
-          </a:p>
-          <a:p>
-            <a:r>
-              <a:rPr lang="fr-FR" dirty="0" err="1"/>
-              <a:t>Noëlie</a:t>
-            </a:r>
-            <a:r>
-              <a:rPr lang="fr-FR" dirty="0"/>
-              <a:t>: </a:t>
-            </a:r>
-            <a:r>
-              <a:rPr lang="fr-FR" dirty="0" err="1"/>
-              <a:t>Used</a:t>
-            </a:r>
-            <a:r>
-              <a:rPr lang="fr-FR" dirty="0"/>
-              <a:t> Tools </a:t>
-            </a:r>
-            <a:r>
-              <a:rPr lang="fr-FR" dirty="0" err="1"/>
-              <a:t>presentation</a:t>
-            </a:r>
-            <a:r>
-              <a:rPr lang="fr-FR" dirty="0"/>
-              <a:t> ?</a:t>
-            </a:r>
-          </a:p>
         </p:txBody>
       </p:sp>
       <p:sp>
@@ -793,7 +766,7 @@
     </p:spTree>
     <p:extLst>
       <p:ext uri="{BB962C8B-B14F-4D97-AF65-F5344CB8AC3E}">
-        <p14:creationId xmlns:p14="http://schemas.microsoft.com/office/powerpoint/2010/main" val="1002483388"/>
+        <p14:creationId xmlns:p14="http://schemas.microsoft.com/office/powerpoint/2010/main" val="2220500218"/>
       </p:ext>
     </p:extLst>
   </p:cSld>
@@ -880,7 +853,7 @@
     </p:spTree>
     <p:extLst>
       <p:ext uri="{BB962C8B-B14F-4D97-AF65-F5344CB8AC3E}">
-        <p14:creationId xmlns:p14="http://schemas.microsoft.com/office/powerpoint/2010/main" val="2220500218"/>
+        <p14:creationId xmlns:p14="http://schemas.microsoft.com/office/powerpoint/2010/main" val="2110370376"/>
       </p:ext>
     </p:extLst>
   </p:cSld>
@@ -936,7 +909,7 @@
           <a:p>
             <a:r>
               <a:rPr lang="fr-FR" dirty="0"/>
-              <a:t>Vianney</a:t>
+              <a:t>Noëlie</a:t>
             </a:r>
           </a:p>
         </p:txBody>
@@ -967,7 +940,7 @@
     </p:spTree>
     <p:extLst>
       <p:ext uri="{BB962C8B-B14F-4D97-AF65-F5344CB8AC3E}">
-        <p14:creationId xmlns:p14="http://schemas.microsoft.com/office/powerpoint/2010/main" val="2110370376"/>
+        <p14:creationId xmlns:p14="http://schemas.microsoft.com/office/powerpoint/2010/main" val="2711577627"/>
       </p:ext>
     </p:extLst>
   </p:cSld>
@@ -1022,10 +995,9 @@
           <a:lstStyle/>
           <a:p>
             <a:r>
-              <a:rPr lang="fr-FR" dirty="0" err="1"/>
+              <a:rPr lang="fr-FR" dirty="0"/>
               <a:t>Noëlie</a:t>
             </a:r>
-            <a:endParaRPr lang="fr-FR" dirty="0"/>
           </a:p>
         </p:txBody>
       </p:sp>
@@ -1055,7 +1027,7 @@
     </p:spTree>
     <p:extLst>
       <p:ext uri="{BB962C8B-B14F-4D97-AF65-F5344CB8AC3E}">
-        <p14:creationId xmlns:p14="http://schemas.microsoft.com/office/powerpoint/2010/main" val="2711577627"/>
+        <p14:creationId xmlns:p14="http://schemas.microsoft.com/office/powerpoint/2010/main" val="3363480095"/>
       </p:ext>
     </p:extLst>
   </p:cSld>
@@ -1110,10 +1082,9 @@
           <a:lstStyle/>
           <a:p>
             <a:r>
-              <a:rPr lang="fr-FR" dirty="0" err="1"/>
+              <a:rPr lang="fr-FR" dirty="0"/>
               <a:t>Noëlie</a:t>
             </a:r>
-            <a:endParaRPr lang="fr-FR" dirty="0"/>
           </a:p>
         </p:txBody>
       </p:sp>
@@ -1135,94 +1106,6 @@
             <a:fld id="{2FA38157-9ADF-4AAF-BDCE-B0CEB6B45955}" type="slidenum">
               <a:rPr lang="fr-FR" smtClean="0"/>
               <a:t>15</a:t>
-            </a:fld>
-            <a:endParaRPr lang="fr-FR"/>
-          </a:p>
-        </p:txBody>
-      </p:sp>
-    </p:spTree>
-    <p:extLst>
-      <p:ext uri="{BB962C8B-B14F-4D97-AF65-F5344CB8AC3E}">
-        <p14:creationId xmlns:p14="http://schemas.microsoft.com/office/powerpoint/2010/main" val="3363480095"/>
-      </p:ext>
-    </p:extLst>
-  </p:cSld>
-  <p:clrMapOvr>
-    <a:masterClrMapping/>
-  </p:clrMapOvr>
-</p:notes>
-</file>
-
-<file path=ppt/notesSlides/notesSlide16.xml><?xml version="1.0" encoding="utf-8"?>
-<p:notes xmlns:a="http://schemas.openxmlformats.org/drawingml/2006/main" xmlns:r="http://schemas.openxmlformats.org/officeDocument/2006/relationships" xmlns:p="http://schemas.openxmlformats.org/presentationml/2006/main">
-  <p:cSld>
-    <p:spTree>
-      <p:nvGrpSpPr>
-        <p:cNvPr id="1" name=""/>
-        <p:cNvGrpSpPr/>
-        <p:nvPr/>
-      </p:nvGrpSpPr>
-      <p:grpSpPr>
-        <a:xfrm>
-          <a:off x="0" y="0"/>
-          <a:ext cx="0" cy="0"/>
-          <a:chOff x="0" y="0"/>
-          <a:chExt cx="0" cy="0"/>
-        </a:xfrm>
-      </p:grpSpPr>
-      <p:sp>
-        <p:nvSpPr>
-          <p:cNvPr id="2" name="Espace réservé de l'image des diapositives 1"/>
-          <p:cNvSpPr>
-            <a:spLocks noGrp="1" noRot="1" noChangeAspect="1"/>
-          </p:cNvSpPr>
-          <p:nvPr>
-            <p:ph type="sldImg"/>
-          </p:nvPr>
-        </p:nvSpPr>
-        <p:spPr/>
-      </p:sp>
-      <p:sp>
-        <p:nvSpPr>
-          <p:cNvPr id="3" name="Espace réservé des notes 2"/>
-          <p:cNvSpPr>
-            <a:spLocks noGrp="1"/>
-          </p:cNvSpPr>
-          <p:nvPr>
-            <p:ph type="body" idx="1"/>
-          </p:nvPr>
-        </p:nvSpPr>
-        <p:spPr/>
-        <p:txBody>
-          <a:bodyPr/>
-          <a:lstStyle/>
-          <a:p>
-            <a:r>
-              <a:rPr lang="fr-FR" dirty="0" err="1"/>
-              <a:t>Noëlie</a:t>
-            </a:r>
-            <a:endParaRPr lang="fr-FR" dirty="0"/>
-          </a:p>
-        </p:txBody>
-      </p:sp>
-      <p:sp>
-        <p:nvSpPr>
-          <p:cNvPr id="4" name="Espace réservé du numéro de diapositive 3"/>
-          <p:cNvSpPr>
-            <a:spLocks noGrp="1"/>
-          </p:cNvSpPr>
-          <p:nvPr>
-            <p:ph type="sldNum" sz="quarter" idx="10"/>
-          </p:nvPr>
-        </p:nvSpPr>
-        <p:spPr/>
-        <p:txBody>
-          <a:bodyPr/>
-          <a:lstStyle/>
-          <a:p>
-            <a:fld id="{2FA38157-9ADF-4AAF-BDCE-B0CEB6B45955}" type="slidenum">
-              <a:rPr lang="fr-FR" smtClean="0"/>
-              <a:t>16</a:t>
             </a:fld>
             <a:endParaRPr lang="fr-FR"/>
           </a:p>
@@ -1287,7 +1170,7 @@
           <a:p>
             <a:r>
               <a:rPr lang="fr-FR" dirty="0"/>
-              <a:t>Rémi</a:t>
+              <a:t>Noëlie</a:t>
             </a:r>
           </a:p>
         </p:txBody>
@@ -1318,7 +1201,7 @@
     </p:spTree>
     <p:extLst>
       <p:ext uri="{BB962C8B-B14F-4D97-AF65-F5344CB8AC3E}">
-        <p14:creationId xmlns:p14="http://schemas.microsoft.com/office/powerpoint/2010/main" val="1365808048"/>
+        <p14:creationId xmlns:p14="http://schemas.microsoft.com/office/powerpoint/2010/main" val="2212985197"/>
       </p:ext>
     </p:extLst>
   </p:cSld>
@@ -1373,10 +1256,9 @@
           <a:lstStyle/>
           <a:p>
             <a:r>
-              <a:rPr lang="fr-FR" dirty="0" err="1"/>
-              <a:t>Noëlie</a:t>
-            </a:r>
-            <a:endParaRPr lang="fr-FR" dirty="0"/>
+              <a:rPr lang="fr-FR" dirty="0"/>
+              <a:t>Vianney</a:t>
+            </a:r>
           </a:p>
         </p:txBody>
       </p:sp>
@@ -1399,14 +1281,14 @@
               <a:rPr lang="fr-FR" smtClean="0"/>
               <a:t>3</a:t>
             </a:fld>
-            <a:endParaRPr lang="fr-FR"/>
+            <a:endParaRPr lang="fr-FR" dirty="0"/>
           </a:p>
         </p:txBody>
       </p:sp>
     </p:spTree>
     <p:extLst>
       <p:ext uri="{BB962C8B-B14F-4D97-AF65-F5344CB8AC3E}">
-        <p14:creationId xmlns:p14="http://schemas.microsoft.com/office/powerpoint/2010/main" val="2212985197"/>
+        <p14:creationId xmlns:p14="http://schemas.microsoft.com/office/powerpoint/2010/main" val="1662306040"/>
       </p:ext>
     </p:extLst>
   </p:cSld>
@@ -1493,7 +1375,7 @@
     </p:spTree>
     <p:extLst>
       <p:ext uri="{BB962C8B-B14F-4D97-AF65-F5344CB8AC3E}">
-        <p14:creationId xmlns:p14="http://schemas.microsoft.com/office/powerpoint/2010/main" val="1662306040"/>
+        <p14:creationId xmlns:p14="http://schemas.microsoft.com/office/powerpoint/2010/main" val="1008195403"/>
       </p:ext>
     </p:extLst>
   </p:cSld>
@@ -1549,7 +1431,7 @@
           <a:p>
             <a:r>
               <a:rPr lang="fr-FR" dirty="0"/>
-              <a:t>Vianney</a:t>
+              <a:t>Rémi</a:t>
             </a:r>
           </a:p>
         </p:txBody>
@@ -1580,7 +1462,7 @@
     </p:spTree>
     <p:extLst>
       <p:ext uri="{BB962C8B-B14F-4D97-AF65-F5344CB8AC3E}">
-        <p14:creationId xmlns:p14="http://schemas.microsoft.com/office/powerpoint/2010/main" val="1008195403"/>
+        <p14:creationId xmlns:p14="http://schemas.microsoft.com/office/powerpoint/2010/main" val="964720368"/>
       </p:ext>
     </p:extLst>
   </p:cSld>
@@ -1667,7 +1549,7 @@
     </p:spTree>
     <p:extLst>
       <p:ext uri="{BB962C8B-B14F-4D97-AF65-F5344CB8AC3E}">
-        <p14:creationId xmlns:p14="http://schemas.microsoft.com/office/powerpoint/2010/main" val="964720368"/>
+        <p14:creationId xmlns:p14="http://schemas.microsoft.com/office/powerpoint/2010/main" val="2170273285"/>
       </p:ext>
     </p:extLst>
   </p:cSld>
@@ -1723,7 +1605,7 @@
           <a:p>
             <a:r>
               <a:rPr lang="fr-FR" dirty="0"/>
-              <a:t>Rémi</a:t>
+              <a:t>Noëlie</a:t>
             </a:r>
           </a:p>
         </p:txBody>
@@ -1754,7 +1636,7 @@
     </p:spTree>
     <p:extLst>
       <p:ext uri="{BB962C8B-B14F-4D97-AF65-F5344CB8AC3E}">
-        <p14:creationId xmlns:p14="http://schemas.microsoft.com/office/powerpoint/2010/main" val="2170273285"/>
+        <p14:creationId xmlns:p14="http://schemas.microsoft.com/office/powerpoint/2010/main" val="3813711533"/>
       </p:ext>
     </p:extLst>
   </p:cSld>
@@ -1809,8 +1691,18 @@
           <a:lstStyle/>
           <a:p>
             <a:r>
+              <a:rPr lang="fr-FR" dirty="0"/>
+              <a:t>Noëlie</a:t>
+            </a:r>
+          </a:p>
+          <a:p>
+            <a:r>
+              <a:rPr lang="fr-FR" dirty="0"/>
+              <a:t>Transition DD -&gt; </a:t>
+            </a:r>
+            <a:r>
               <a:rPr lang="fr-FR" dirty="0" err="1"/>
-              <a:t>Noëlie</a:t>
+              <a:t>Integration</a:t>
             </a:r>
             <a:endParaRPr lang="fr-FR" dirty="0"/>
           </a:p>
@@ -1842,7 +1734,7 @@
     </p:spTree>
     <p:extLst>
       <p:ext uri="{BB962C8B-B14F-4D97-AF65-F5344CB8AC3E}">
-        <p14:creationId xmlns:p14="http://schemas.microsoft.com/office/powerpoint/2010/main" val="3813711533"/>
+        <p14:creationId xmlns:p14="http://schemas.microsoft.com/office/powerpoint/2010/main" val="2137319054"/>
       </p:ext>
     </p:extLst>
   </p:cSld>
@@ -1897,21 +1789,9 @@
           <a:lstStyle/>
           <a:p>
             <a:r>
-              <a:rPr lang="fr-FR" dirty="0" err="1"/>
-              <a:t>Noëlie</a:t>
-            </a:r>
-            <a:endParaRPr lang="fr-FR" dirty="0"/>
-          </a:p>
-          <a:p>
-            <a:r>
               <a:rPr lang="fr-FR" dirty="0"/>
-              <a:t>Transition DD -&gt; </a:t>
-            </a:r>
-            <a:r>
-              <a:rPr lang="fr-FR" dirty="0" err="1"/>
-              <a:t>Integration</a:t>
-            </a:r>
-            <a:endParaRPr lang="fr-FR" dirty="0"/>
+              <a:t>Rémi</a:t>
+            </a:r>
           </a:p>
         </p:txBody>
       </p:sp>
@@ -1941,7 +1821,7 @@
     </p:spTree>
     <p:extLst>
       <p:ext uri="{BB962C8B-B14F-4D97-AF65-F5344CB8AC3E}">
-        <p14:creationId xmlns:p14="http://schemas.microsoft.com/office/powerpoint/2010/main" val="2137319054"/>
+        <p14:creationId xmlns:p14="http://schemas.microsoft.com/office/powerpoint/2010/main" val="805237367"/>
       </p:ext>
     </p:extLst>
   </p:cSld>
@@ -1985,15 +1865,21 @@
           </a:xfrm>
         </p:spPr>
         <p:txBody>
-          <a:bodyPr anchor="b"/>
+          <a:bodyPr anchor="b">
+            <a:normAutofit/>
+          </a:bodyPr>
           <a:lstStyle>
             <a:lvl1pPr algn="ctr">
-              <a:defRPr sz="6000"/>
+              <a:defRPr sz="7200" b="1">
+                <a:solidFill>
+                  <a:srgbClr val="C43639"/>
+                </a:solidFill>
+              </a:defRPr>
             </a:lvl1pPr>
           </a:lstStyle>
           <a:p>
             <a:r>
-              <a:rPr lang="fr-FR"/>
+              <a:rPr lang="fr-FR" dirty="0"/>
               <a:t>Modifiez le style du titre</a:t>
             </a:r>
             <a:endParaRPr lang="en-US" dirty="0"/>
@@ -2017,11 +1903,13 @@
           </a:xfrm>
         </p:spPr>
         <p:txBody>
-          <a:bodyPr/>
+          <a:bodyPr>
+            <a:normAutofit/>
+          </a:bodyPr>
           <a:lstStyle>
             <a:lvl1pPr marL="0" indent="0" algn="ctr">
               <a:buNone/>
-              <a:defRPr sz="2400"/>
+              <a:defRPr sz="3200"/>
             </a:lvl1pPr>
             <a:lvl2pPr marL="457200" indent="0" algn="ctr">
               <a:buNone/>
@@ -2058,21 +1946,43 @@
           </a:lstStyle>
           <a:p>
             <a:r>
+              <a:rPr lang="fr-FR" dirty="0"/>
+              <a:t>Modifier le style des sous-titres du masque</a:t>
+            </a:r>
+            <a:endParaRPr lang="en-US" dirty="0"/>
+          </a:p>
+        </p:txBody>
+      </p:sp>
+      <p:sp>
+        <p:nvSpPr>
+          <p:cNvPr id="4" name="Date Placeholder 3"/>
+          <p:cNvSpPr>
+            <a:spLocks noGrp="1"/>
+          </p:cNvSpPr>
+          <p:nvPr>
+            <p:ph type="dt" sz="half" idx="10"/>
+          </p:nvPr>
+        </p:nvSpPr>
+        <p:spPr/>
+        <p:txBody>
+          <a:bodyPr/>
+          <a:lstStyle/>
+          <a:p>
+            <a:r>
               <a:rPr lang="fr-FR"/>
-              <a:t>Modifier le style des sous-titres du masque</a:t>
-            </a:r>
-            <a:endParaRPr lang="en-US" dirty="0"/>
-          </a:p>
-        </p:txBody>
-      </p:sp>
-      <p:sp>
-        <p:nvSpPr>
-          <p:cNvPr id="4" name="Date Placeholder 3"/>
-          <p:cNvSpPr>
-            <a:spLocks noGrp="1"/>
-          </p:cNvSpPr>
-          <p:nvPr>
-            <p:ph type="dt" sz="half" idx="10"/>
+              <a:t>09/02/2017</a:t>
+            </a:r>
+          </a:p>
+        </p:txBody>
+      </p:sp>
+      <p:sp>
+        <p:nvSpPr>
+          <p:cNvPr id="5" name="Footer Placeholder 4"/>
+          <p:cNvSpPr>
+            <a:spLocks noGrp="1"/>
+          </p:cNvSpPr>
+          <p:nvPr>
+            <p:ph type="ftr" sz="quarter" idx="11"/>
           </p:nvPr>
         </p:nvSpPr>
         <p:spPr/>
@@ -2080,30 +1990,10 @@
           <a:bodyPr/>
           <a:lstStyle/>
           <a:p>
-            <a:fld id="{163D7EDC-389B-4E52-8A49-191C8350879A}" type="datetimeFigureOut">
-              <a:rPr lang="fr-FR" smtClean="0"/>
-              <a:t>08/02/2017</a:t>
-            </a:fld>
-            <a:endParaRPr lang="fr-FR"/>
-          </a:p>
-        </p:txBody>
-      </p:sp>
-      <p:sp>
-        <p:nvSpPr>
-          <p:cNvPr id="5" name="Footer Placeholder 4"/>
-          <p:cNvSpPr>
-            <a:spLocks noGrp="1"/>
-          </p:cNvSpPr>
-          <p:nvPr>
-            <p:ph type="ftr" sz="quarter" idx="11"/>
-          </p:nvPr>
-        </p:nvSpPr>
-        <p:spPr/>
-        <p:txBody>
-          <a:bodyPr/>
-          <a:lstStyle/>
-          <a:p>
-            <a:endParaRPr lang="fr-FR"/>
+            <a:r>
+              <a:rPr lang="fr-FR" dirty="0"/>
+              <a:t>Ramuzat Noëlie - Payelle Vianney - Rigal Rémi</a:t>
+            </a:r>
           </a:p>
         </p:txBody>
       </p:sp>
@@ -2250,11 +2140,10 @@
           <a:bodyPr/>
           <a:lstStyle/>
           <a:p>
-            <a:fld id="{163D7EDC-389B-4E52-8A49-191C8350879A}" type="datetimeFigureOut">
-              <a:rPr lang="fr-FR" smtClean="0"/>
-              <a:t>08/02/2017</a:t>
-            </a:fld>
-            <a:endParaRPr lang="fr-FR"/>
+            <a:r>
+              <a:rPr lang="fr-FR"/>
+              <a:t>09/02/2017</a:t>
+            </a:r>
           </a:p>
         </p:txBody>
       </p:sp>
@@ -2273,7 +2162,10 @@
           <a:bodyPr/>
           <a:lstStyle/>
           <a:p>
-            <a:endParaRPr lang="fr-FR"/>
+            <a:r>
+              <a:rPr lang="fr-FR" dirty="0"/>
+              <a:t>Ramuzat Noëlie - Payelle Vianney - Rigal Rémi</a:t>
+            </a:r>
           </a:p>
         </p:txBody>
       </p:sp>
@@ -2430,11 +2322,10 @@
           <a:bodyPr/>
           <a:lstStyle/>
           <a:p>
-            <a:fld id="{163D7EDC-389B-4E52-8A49-191C8350879A}" type="datetimeFigureOut">
-              <a:rPr lang="fr-FR" smtClean="0"/>
-              <a:t>08/02/2017</a:t>
-            </a:fld>
-            <a:endParaRPr lang="fr-FR"/>
+            <a:r>
+              <a:rPr lang="fr-FR"/>
+              <a:t>09/02/2017</a:t>
+            </a:r>
           </a:p>
         </p:txBody>
       </p:sp>
@@ -2453,7 +2344,10 @@
           <a:bodyPr/>
           <a:lstStyle/>
           <a:p>
-            <a:endParaRPr lang="fr-FR"/>
+            <a:r>
+              <a:rPr lang="fr-FR" dirty="0"/>
+              <a:t>Ramuzat Noëlie - Payelle Vianney - Rigal Rémi</a:t>
+            </a:r>
           </a:p>
         </p:txBody>
       </p:sp>
@@ -2520,27 +2414,119 @@
             <p:ph type="title"/>
           </p:nvPr>
         </p:nvSpPr>
-        <p:spPr/>
+        <p:spPr>
+          <a:xfrm>
+            <a:off x="1346200" y="232123"/>
+            <a:ext cx="6293196" cy="587028"/>
+          </a:xfrm>
+        </p:spPr>
         <p:txBody>
           <a:bodyPr/>
+          <a:lstStyle>
+            <a:lvl1pPr>
+              <a:defRPr b="1">
+                <a:solidFill>
+                  <a:srgbClr val="C00000"/>
+                </a:solidFill>
+              </a:defRPr>
+            </a:lvl1pPr>
+          </a:lstStyle>
+          <a:p>
+            <a:r>
+              <a:rPr lang="fr-FR" dirty="0"/>
+              <a:t>Modifiez le style du titre</a:t>
+            </a:r>
+            <a:endParaRPr lang="en-US" dirty="0"/>
+          </a:p>
+        </p:txBody>
+      </p:sp>
+      <p:sp>
+        <p:nvSpPr>
+          <p:cNvPr id="3" name="Content Placeholder 2"/>
+          <p:cNvSpPr>
+            <a:spLocks noGrp="1"/>
+          </p:cNvSpPr>
+          <p:nvPr>
+            <p:ph idx="1"/>
+          </p:nvPr>
+        </p:nvSpPr>
+        <p:spPr>
+          <a:xfrm>
+            <a:off x="628650" y="1213024"/>
+            <a:ext cx="7886700" cy="4963939"/>
+          </a:xfrm>
+        </p:spPr>
+        <p:txBody>
+          <a:bodyPr/>
+          <a:lstStyle/>
+          <a:p>
+            <a:pPr lvl="0"/>
+            <a:r>
+              <a:rPr lang="fr-FR" dirty="0"/>
+              <a:t>Modifier les styles du texte du masque</a:t>
+            </a:r>
+          </a:p>
+          <a:p>
+            <a:pPr lvl="1"/>
+            <a:r>
+              <a:rPr lang="fr-FR" dirty="0"/>
+              <a:t>Deuxième niveau</a:t>
+            </a:r>
+          </a:p>
+          <a:p>
+            <a:pPr lvl="2"/>
+            <a:r>
+              <a:rPr lang="fr-FR" dirty="0"/>
+              <a:t>Troisième niveau</a:t>
+            </a:r>
+          </a:p>
+          <a:p>
+            <a:pPr lvl="3"/>
+            <a:r>
+              <a:rPr lang="fr-FR" dirty="0"/>
+              <a:t>Quatrième niveau</a:t>
+            </a:r>
+          </a:p>
+          <a:p>
+            <a:pPr lvl="4"/>
+            <a:r>
+              <a:rPr lang="fr-FR" dirty="0"/>
+              <a:t>Cinquième niveau</a:t>
+            </a:r>
+            <a:endParaRPr lang="en-US" dirty="0"/>
+          </a:p>
+        </p:txBody>
+      </p:sp>
+      <p:sp>
+        <p:nvSpPr>
+          <p:cNvPr id="4" name="Date Placeholder 3"/>
+          <p:cNvSpPr>
+            <a:spLocks noGrp="1"/>
+          </p:cNvSpPr>
+          <p:nvPr>
+            <p:ph type="dt" sz="half" idx="10"/>
+          </p:nvPr>
+        </p:nvSpPr>
+        <p:spPr/>
+        <p:txBody>
+          <a:bodyPr/>
           <a:lstStyle/>
           <a:p>
             <a:r>
               <a:rPr lang="fr-FR"/>
-              <a:t>Modifiez le style du titre</a:t>
-            </a:r>
-            <a:endParaRPr lang="en-US" dirty="0"/>
-          </a:p>
-        </p:txBody>
-      </p:sp>
-      <p:sp>
-        <p:nvSpPr>
-          <p:cNvPr id="3" name="Content Placeholder 2"/>
-          <p:cNvSpPr>
-            <a:spLocks noGrp="1"/>
-          </p:cNvSpPr>
-          <p:nvPr>
-            <p:ph idx="1"/>
+              <a:t>09/02/2017</a:t>
+            </a:r>
+          </a:p>
+        </p:txBody>
+      </p:sp>
+      <p:sp>
+        <p:nvSpPr>
+          <p:cNvPr id="5" name="Footer Placeholder 4"/>
+          <p:cNvSpPr>
+            <a:spLocks noGrp="1"/>
+          </p:cNvSpPr>
+          <p:nvPr>
+            <p:ph type="ftr" sz="quarter" idx="11"/>
           </p:nvPr>
         </p:nvSpPr>
         <p:spPr/>
@@ -2548,82 +2534,10 @@
           <a:bodyPr/>
           <a:lstStyle/>
           <a:p>
-            <a:pPr lvl="0"/>
-            <a:r>
-              <a:rPr lang="fr-FR"/>
-              <a:t>Modifier les styles du texte du masque</a:t>
-            </a:r>
-          </a:p>
-          <a:p>
-            <a:pPr lvl="1"/>
-            <a:r>
-              <a:rPr lang="fr-FR"/>
-              <a:t>Deuxième niveau</a:t>
-            </a:r>
-          </a:p>
-          <a:p>
-            <a:pPr lvl="2"/>
-            <a:r>
-              <a:rPr lang="fr-FR"/>
-              <a:t>Troisième niveau</a:t>
-            </a:r>
-          </a:p>
-          <a:p>
-            <a:pPr lvl="3"/>
-            <a:r>
-              <a:rPr lang="fr-FR"/>
-              <a:t>Quatrième niveau</a:t>
-            </a:r>
-          </a:p>
-          <a:p>
-            <a:pPr lvl="4"/>
-            <a:r>
-              <a:rPr lang="fr-FR"/>
-              <a:t>Cinquième niveau</a:t>
-            </a:r>
-            <a:endParaRPr lang="en-US" dirty="0"/>
-          </a:p>
-        </p:txBody>
-      </p:sp>
-      <p:sp>
-        <p:nvSpPr>
-          <p:cNvPr id="4" name="Date Placeholder 3"/>
-          <p:cNvSpPr>
-            <a:spLocks noGrp="1"/>
-          </p:cNvSpPr>
-          <p:nvPr>
-            <p:ph type="dt" sz="half" idx="10"/>
-          </p:nvPr>
-        </p:nvSpPr>
-        <p:spPr/>
-        <p:txBody>
-          <a:bodyPr/>
-          <a:lstStyle/>
-          <a:p>
-            <a:fld id="{163D7EDC-389B-4E52-8A49-191C8350879A}" type="datetimeFigureOut">
-              <a:rPr lang="fr-FR" smtClean="0"/>
-              <a:t>08/02/2017</a:t>
-            </a:fld>
-            <a:endParaRPr lang="fr-FR"/>
-          </a:p>
-        </p:txBody>
-      </p:sp>
-      <p:sp>
-        <p:nvSpPr>
-          <p:cNvPr id="5" name="Footer Placeholder 4"/>
-          <p:cNvSpPr>
-            <a:spLocks noGrp="1"/>
-          </p:cNvSpPr>
-          <p:nvPr>
-            <p:ph type="ftr" sz="quarter" idx="11"/>
-          </p:nvPr>
-        </p:nvSpPr>
-        <p:spPr/>
-        <p:txBody>
-          <a:bodyPr/>
-          <a:lstStyle/>
-          <a:p>
-            <a:endParaRPr lang="fr-FR"/>
+            <a:r>
+              <a:rPr lang="fr-FR" dirty="0"/>
+              <a:t>Ramuzat Noëlie - Payelle Vianney - Rigal Rémi</a:t>
+            </a:r>
           </a:p>
         </p:txBody>
       </p:sp>
@@ -2646,6 +2560,466 @@
               <a:rPr lang="fr-FR" smtClean="0"/>
               <a:t>‹N°›</a:t>
             </a:fld>
+            <a:endParaRPr lang="fr-FR"/>
+          </a:p>
+        </p:txBody>
+      </p:sp>
+      <p:sp>
+        <p:nvSpPr>
+          <p:cNvPr id="7" name="Rectangle 6"/>
+          <p:cNvSpPr/>
+          <p:nvPr userDrawn="1"/>
+        </p:nvSpPr>
+        <p:spPr>
+          <a:xfrm>
+            <a:off x="9000000" y="6714000"/>
+            <a:ext cx="144000" cy="144000"/>
+          </a:xfrm>
+          <a:prstGeom prst="rect">
+            <a:avLst/>
+          </a:prstGeom>
+          <a:solidFill>
+            <a:srgbClr val="C00000"/>
+          </a:solidFill>
+          <a:ln>
+            <a:noFill/>
+          </a:ln>
+        </p:spPr>
+        <p:style>
+          <a:lnRef idx="2">
+            <a:schemeClr val="accent1">
+              <a:shade val="50000"/>
+            </a:schemeClr>
+          </a:lnRef>
+          <a:fillRef idx="1">
+            <a:schemeClr val="accent1"/>
+          </a:fillRef>
+          <a:effectRef idx="0">
+            <a:schemeClr val="accent1"/>
+          </a:effectRef>
+          <a:fontRef idx="minor">
+            <a:schemeClr val="lt1"/>
+          </a:fontRef>
+        </p:style>
+        <p:txBody>
+          <a:bodyPr rtlCol="0" anchor="ctr"/>
+          <a:lstStyle/>
+          <a:p>
+            <a:pPr algn="ctr"/>
+            <a:endParaRPr lang="fr-FR"/>
+          </a:p>
+        </p:txBody>
+      </p:sp>
+      <p:sp>
+        <p:nvSpPr>
+          <p:cNvPr id="8" name="Rectangle 7"/>
+          <p:cNvSpPr/>
+          <p:nvPr userDrawn="1"/>
+        </p:nvSpPr>
+        <p:spPr>
+          <a:xfrm>
+            <a:off x="9000000" y="6538913"/>
+            <a:ext cx="144000" cy="144000"/>
+          </a:xfrm>
+          <a:prstGeom prst="rect">
+            <a:avLst/>
+          </a:prstGeom>
+          <a:solidFill>
+            <a:srgbClr val="C00000"/>
+          </a:solidFill>
+          <a:ln>
+            <a:noFill/>
+          </a:ln>
+        </p:spPr>
+        <p:style>
+          <a:lnRef idx="2">
+            <a:schemeClr val="accent1">
+              <a:shade val="50000"/>
+            </a:schemeClr>
+          </a:lnRef>
+          <a:fillRef idx="1">
+            <a:schemeClr val="accent1"/>
+          </a:fillRef>
+          <a:effectRef idx="0">
+            <a:schemeClr val="accent1"/>
+          </a:effectRef>
+          <a:fontRef idx="minor">
+            <a:schemeClr val="lt1"/>
+          </a:fontRef>
+        </p:style>
+        <p:txBody>
+          <a:bodyPr rtlCol="0" anchor="ctr"/>
+          <a:lstStyle/>
+          <a:p>
+            <a:pPr algn="ctr"/>
+            <a:endParaRPr lang="fr-FR"/>
+          </a:p>
+        </p:txBody>
+      </p:sp>
+      <p:sp>
+        <p:nvSpPr>
+          <p:cNvPr id="9" name="Rectangle 8"/>
+          <p:cNvSpPr/>
+          <p:nvPr userDrawn="1"/>
+        </p:nvSpPr>
+        <p:spPr>
+          <a:xfrm>
+            <a:off x="8786250" y="6714000"/>
+            <a:ext cx="144000" cy="144000"/>
+          </a:xfrm>
+          <a:prstGeom prst="rect">
+            <a:avLst/>
+          </a:prstGeom>
+          <a:solidFill>
+            <a:srgbClr val="C00000"/>
+          </a:solidFill>
+          <a:ln>
+            <a:noFill/>
+          </a:ln>
+        </p:spPr>
+        <p:style>
+          <a:lnRef idx="2">
+            <a:schemeClr val="accent1">
+              <a:shade val="50000"/>
+            </a:schemeClr>
+          </a:lnRef>
+          <a:fillRef idx="1">
+            <a:schemeClr val="accent1"/>
+          </a:fillRef>
+          <a:effectRef idx="0">
+            <a:schemeClr val="accent1"/>
+          </a:effectRef>
+          <a:fontRef idx="minor">
+            <a:schemeClr val="lt1"/>
+          </a:fontRef>
+        </p:style>
+        <p:txBody>
+          <a:bodyPr rtlCol="0" anchor="ctr"/>
+          <a:lstStyle/>
+          <a:p>
+            <a:pPr algn="ctr"/>
+            <a:endParaRPr lang="fr-FR"/>
+          </a:p>
+        </p:txBody>
+      </p:sp>
+      <p:sp>
+        <p:nvSpPr>
+          <p:cNvPr id="10" name="Rectangle 9"/>
+          <p:cNvSpPr/>
+          <p:nvPr userDrawn="1"/>
+        </p:nvSpPr>
+        <p:spPr>
+          <a:xfrm>
+            <a:off x="8786250" y="6538913"/>
+            <a:ext cx="144000" cy="144000"/>
+          </a:xfrm>
+          <a:prstGeom prst="rect">
+            <a:avLst/>
+          </a:prstGeom>
+          <a:solidFill>
+            <a:srgbClr val="C00000"/>
+          </a:solidFill>
+          <a:ln>
+            <a:noFill/>
+          </a:ln>
+        </p:spPr>
+        <p:style>
+          <a:lnRef idx="2">
+            <a:schemeClr val="accent1">
+              <a:shade val="50000"/>
+            </a:schemeClr>
+          </a:lnRef>
+          <a:fillRef idx="1">
+            <a:schemeClr val="accent1"/>
+          </a:fillRef>
+          <a:effectRef idx="0">
+            <a:schemeClr val="accent1"/>
+          </a:effectRef>
+          <a:fontRef idx="minor">
+            <a:schemeClr val="lt1"/>
+          </a:fontRef>
+        </p:style>
+        <p:txBody>
+          <a:bodyPr rtlCol="0" anchor="ctr"/>
+          <a:lstStyle/>
+          <a:p>
+            <a:pPr algn="ctr"/>
+            <a:endParaRPr lang="fr-FR"/>
+          </a:p>
+        </p:txBody>
+      </p:sp>
+      <p:sp>
+        <p:nvSpPr>
+          <p:cNvPr id="11" name="Rectangle 10"/>
+          <p:cNvSpPr/>
+          <p:nvPr userDrawn="1"/>
+        </p:nvSpPr>
+        <p:spPr>
+          <a:xfrm>
+            <a:off x="8578800" y="6714000"/>
+            <a:ext cx="144000" cy="144000"/>
+          </a:xfrm>
+          <a:prstGeom prst="rect">
+            <a:avLst/>
+          </a:prstGeom>
+          <a:solidFill>
+            <a:srgbClr val="C00000"/>
+          </a:solidFill>
+          <a:ln>
+            <a:noFill/>
+          </a:ln>
+        </p:spPr>
+        <p:style>
+          <a:lnRef idx="2">
+            <a:schemeClr val="accent1">
+              <a:shade val="50000"/>
+            </a:schemeClr>
+          </a:lnRef>
+          <a:fillRef idx="1">
+            <a:schemeClr val="accent1"/>
+          </a:fillRef>
+          <a:effectRef idx="0">
+            <a:schemeClr val="accent1"/>
+          </a:effectRef>
+          <a:fontRef idx="minor">
+            <a:schemeClr val="lt1"/>
+          </a:fontRef>
+        </p:style>
+        <p:txBody>
+          <a:bodyPr rtlCol="0" anchor="ctr"/>
+          <a:lstStyle/>
+          <a:p>
+            <a:pPr algn="ctr"/>
+            <a:endParaRPr lang="fr-FR"/>
+          </a:p>
+        </p:txBody>
+      </p:sp>
+      <p:sp>
+        <p:nvSpPr>
+          <p:cNvPr id="12" name="Rectangle 11"/>
+          <p:cNvSpPr/>
+          <p:nvPr userDrawn="1"/>
+        </p:nvSpPr>
+        <p:spPr>
+          <a:xfrm>
+            <a:off x="8578800" y="6538913"/>
+            <a:ext cx="144000" cy="144000"/>
+          </a:xfrm>
+          <a:prstGeom prst="rect">
+            <a:avLst/>
+          </a:prstGeom>
+          <a:solidFill>
+            <a:srgbClr val="FFD636"/>
+          </a:solidFill>
+          <a:ln>
+            <a:noFill/>
+          </a:ln>
+        </p:spPr>
+        <p:style>
+          <a:lnRef idx="2">
+            <a:schemeClr val="accent1">
+              <a:shade val="50000"/>
+            </a:schemeClr>
+          </a:lnRef>
+          <a:fillRef idx="1">
+            <a:schemeClr val="accent1"/>
+          </a:fillRef>
+          <a:effectRef idx="0">
+            <a:schemeClr val="accent1"/>
+          </a:effectRef>
+          <a:fontRef idx="minor">
+            <a:schemeClr val="lt1"/>
+          </a:fontRef>
+        </p:style>
+        <p:txBody>
+          <a:bodyPr rtlCol="0" anchor="ctr"/>
+          <a:lstStyle/>
+          <a:p>
+            <a:pPr algn="ctr"/>
+            <a:endParaRPr lang="fr-FR"/>
+          </a:p>
+        </p:txBody>
+      </p:sp>
+      <p:sp>
+        <p:nvSpPr>
+          <p:cNvPr id="13" name="Rectangle 12"/>
+          <p:cNvSpPr/>
+          <p:nvPr userDrawn="1"/>
+        </p:nvSpPr>
+        <p:spPr>
+          <a:xfrm>
+            <a:off x="8365050" y="6721476"/>
+            <a:ext cx="144000" cy="144000"/>
+          </a:xfrm>
+          <a:prstGeom prst="rect">
+            <a:avLst/>
+          </a:prstGeom>
+          <a:solidFill>
+            <a:srgbClr val="C00000"/>
+          </a:solidFill>
+          <a:ln>
+            <a:noFill/>
+          </a:ln>
+        </p:spPr>
+        <p:style>
+          <a:lnRef idx="2">
+            <a:schemeClr val="accent1">
+              <a:shade val="50000"/>
+            </a:schemeClr>
+          </a:lnRef>
+          <a:fillRef idx="1">
+            <a:schemeClr val="accent1"/>
+          </a:fillRef>
+          <a:effectRef idx="0">
+            <a:schemeClr val="accent1"/>
+          </a:effectRef>
+          <a:fontRef idx="minor">
+            <a:schemeClr val="lt1"/>
+          </a:fontRef>
+        </p:style>
+        <p:txBody>
+          <a:bodyPr rtlCol="0" anchor="ctr"/>
+          <a:lstStyle/>
+          <a:p>
+            <a:pPr algn="ctr"/>
+            <a:endParaRPr lang="fr-FR"/>
+          </a:p>
+        </p:txBody>
+      </p:sp>
+      <p:sp>
+        <p:nvSpPr>
+          <p:cNvPr id="16" name="Rectangle 15"/>
+          <p:cNvSpPr/>
+          <p:nvPr userDrawn="1"/>
+        </p:nvSpPr>
+        <p:spPr>
+          <a:xfrm>
+            <a:off x="202406" y="819151"/>
+            <a:ext cx="7436990" cy="45719"/>
+          </a:xfrm>
+          <a:prstGeom prst="rect">
+            <a:avLst/>
+          </a:prstGeom>
+          <a:solidFill>
+            <a:srgbClr val="C43639"/>
+          </a:solidFill>
+          <a:ln>
+            <a:noFill/>
+          </a:ln>
+        </p:spPr>
+        <p:style>
+          <a:lnRef idx="2">
+            <a:schemeClr val="accent1">
+              <a:shade val="50000"/>
+            </a:schemeClr>
+          </a:lnRef>
+          <a:fillRef idx="1">
+            <a:schemeClr val="accent1"/>
+          </a:fillRef>
+          <a:effectRef idx="0">
+            <a:schemeClr val="accent1"/>
+          </a:effectRef>
+          <a:fontRef idx="minor">
+            <a:schemeClr val="lt1"/>
+          </a:fontRef>
+        </p:style>
+        <p:txBody>
+          <a:bodyPr rtlCol="0" anchor="ctr"/>
+          <a:lstStyle/>
+          <a:p>
+            <a:pPr algn="ctr"/>
+            <a:endParaRPr lang="fr-FR"/>
+          </a:p>
+        </p:txBody>
+      </p:sp>
+      <p:sp>
+        <p:nvSpPr>
+          <p:cNvPr id="17" name="Rectangle 16"/>
+          <p:cNvSpPr/>
+          <p:nvPr userDrawn="1"/>
+        </p:nvSpPr>
+        <p:spPr>
+          <a:xfrm>
+            <a:off x="9000000" y="6359989"/>
+            <a:ext cx="144000" cy="144000"/>
+          </a:xfrm>
+          <a:prstGeom prst="rect">
+            <a:avLst/>
+          </a:prstGeom>
+          <a:solidFill>
+            <a:srgbClr val="C00000"/>
+          </a:solidFill>
+          <a:ln>
+            <a:noFill/>
+          </a:ln>
+        </p:spPr>
+        <p:style>
+          <a:lnRef idx="2">
+            <a:schemeClr val="accent1">
+              <a:shade val="50000"/>
+            </a:schemeClr>
+          </a:lnRef>
+          <a:fillRef idx="1">
+            <a:schemeClr val="accent1"/>
+          </a:fillRef>
+          <a:effectRef idx="0">
+            <a:schemeClr val="accent1"/>
+          </a:effectRef>
+          <a:fontRef idx="minor">
+            <a:schemeClr val="lt1"/>
+          </a:fontRef>
+        </p:style>
+        <p:txBody>
+          <a:bodyPr rtlCol="0" anchor="ctr"/>
+          <a:lstStyle/>
+          <a:p>
+            <a:pPr algn="ctr"/>
+            <a:endParaRPr lang="fr-FR"/>
+          </a:p>
+        </p:txBody>
+      </p:sp>
+      <p:sp>
+        <p:nvSpPr>
+          <p:cNvPr id="19" name="Rectangle 18"/>
+          <p:cNvSpPr/>
+          <p:nvPr userDrawn="1"/>
+        </p:nvSpPr>
+        <p:spPr>
+          <a:xfrm>
+            <a:off x="8784100" y="6359989"/>
+            <a:ext cx="144000" cy="144000"/>
+          </a:xfrm>
+          <a:prstGeom prst="rect">
+            <a:avLst/>
+          </a:prstGeom>
+          <a:solidFill>
+            <a:srgbClr val="FFD636"/>
+          </a:solidFill>
+          <a:ln>
+            <a:noFill/>
+          </a:ln>
+        </p:spPr>
+        <p:style>
+          <a:lnRef idx="2">
+            <a:schemeClr val="accent1">
+              <a:shade val="50000"/>
+            </a:schemeClr>
+          </a:lnRef>
+          <a:fillRef idx="1">
+            <a:schemeClr val="accent1"/>
+          </a:fillRef>
+          <a:effectRef idx="0">
+            <a:schemeClr val="accent1"/>
+          </a:effectRef>
+          <a:fontRef idx="minor">
+            <a:schemeClr val="lt1"/>
+          </a:fontRef>
+        </p:style>
+        <p:txBody>
+          <a:bodyPr rtlCol="0" anchor="ctr"/>
+          <a:lstStyle/>
+          <a:p>
+            <a:pPr algn="ctr"/>
             <a:endParaRPr lang="fr-FR"/>
           </a:p>
         </p:txBody>
@@ -2844,11 +3218,10 @@
           <a:bodyPr/>
           <a:lstStyle/>
           <a:p>
-            <a:fld id="{163D7EDC-389B-4E52-8A49-191C8350879A}" type="datetimeFigureOut">
-              <a:rPr lang="fr-FR" smtClean="0"/>
-              <a:t>08/02/2017</a:t>
-            </a:fld>
-            <a:endParaRPr lang="fr-FR"/>
+            <a:r>
+              <a:rPr lang="fr-FR"/>
+              <a:t>09/02/2017</a:t>
+            </a:r>
           </a:p>
         </p:txBody>
       </p:sp>
@@ -2867,7 +3240,10 @@
           <a:bodyPr/>
           <a:lstStyle/>
           <a:p>
-            <a:endParaRPr lang="fr-FR"/>
+            <a:r>
+              <a:rPr lang="fr-FR" dirty="0"/>
+              <a:t>Ramuzat Noëlie - Payelle Vianney - Rigal Rémi</a:t>
+            </a:r>
           </a:p>
         </p:txBody>
       </p:sp>
@@ -3076,11 +3452,10 @@
           <a:bodyPr/>
           <a:lstStyle/>
           <a:p>
-            <a:fld id="{163D7EDC-389B-4E52-8A49-191C8350879A}" type="datetimeFigureOut">
-              <a:rPr lang="fr-FR" smtClean="0"/>
-              <a:t>08/02/2017</a:t>
-            </a:fld>
-            <a:endParaRPr lang="fr-FR"/>
+            <a:r>
+              <a:rPr lang="fr-FR"/>
+              <a:t>09/02/2017</a:t>
+            </a:r>
           </a:p>
         </p:txBody>
       </p:sp>
@@ -3099,7 +3474,10 @@
           <a:bodyPr/>
           <a:lstStyle/>
           <a:p>
-            <a:endParaRPr lang="fr-FR"/>
+            <a:r>
+              <a:rPr lang="fr-FR" dirty="0"/>
+              <a:t>Ramuzat Noëlie - Payelle Vianney - Rigal Rémi</a:t>
+            </a:r>
           </a:p>
         </p:txBody>
       </p:sp>
@@ -3443,11 +3821,10 @@
           <a:bodyPr/>
           <a:lstStyle/>
           <a:p>
-            <a:fld id="{163D7EDC-389B-4E52-8A49-191C8350879A}" type="datetimeFigureOut">
-              <a:rPr lang="fr-FR" smtClean="0"/>
-              <a:t>08/02/2017</a:t>
-            </a:fld>
-            <a:endParaRPr lang="fr-FR"/>
+            <a:r>
+              <a:rPr lang="fr-FR"/>
+              <a:t>09/02/2017</a:t>
+            </a:r>
           </a:p>
         </p:txBody>
       </p:sp>
@@ -3466,7 +3843,10 @@
           <a:bodyPr/>
           <a:lstStyle/>
           <a:p>
-            <a:endParaRPr lang="fr-FR"/>
+            <a:r>
+              <a:rPr lang="fr-FR" dirty="0"/>
+              <a:t>Ramuzat Noëlie - Payelle Vianney - Rigal Rémi</a:t>
+            </a:r>
           </a:p>
         </p:txBody>
       </p:sp>
@@ -3561,11 +3941,10 @@
           <a:bodyPr/>
           <a:lstStyle/>
           <a:p>
-            <a:fld id="{163D7EDC-389B-4E52-8A49-191C8350879A}" type="datetimeFigureOut">
-              <a:rPr lang="fr-FR" smtClean="0"/>
-              <a:t>08/02/2017</a:t>
-            </a:fld>
-            <a:endParaRPr lang="fr-FR"/>
+            <a:r>
+              <a:rPr lang="fr-FR"/>
+              <a:t>09/02/2017</a:t>
+            </a:r>
           </a:p>
         </p:txBody>
       </p:sp>
@@ -3584,7 +3963,10 @@
           <a:bodyPr/>
           <a:lstStyle/>
           <a:p>
-            <a:endParaRPr lang="fr-FR"/>
+            <a:r>
+              <a:rPr lang="fr-FR" dirty="0"/>
+              <a:t>Ramuzat Noëlie - Payelle Vianney - Rigal Rémi</a:t>
+            </a:r>
           </a:p>
         </p:txBody>
       </p:sp>
@@ -3656,11 +4038,10 @@
           <a:bodyPr/>
           <a:lstStyle/>
           <a:p>
-            <a:fld id="{163D7EDC-389B-4E52-8A49-191C8350879A}" type="datetimeFigureOut">
-              <a:rPr lang="fr-FR" smtClean="0"/>
-              <a:t>08/02/2017</a:t>
-            </a:fld>
-            <a:endParaRPr lang="fr-FR"/>
+            <a:r>
+              <a:rPr lang="fr-FR"/>
+              <a:t>09/02/2017</a:t>
+            </a:r>
           </a:p>
         </p:txBody>
       </p:sp>
@@ -3679,7 +4060,10 @@
           <a:bodyPr/>
           <a:lstStyle/>
           <a:p>
-            <a:endParaRPr lang="fr-FR"/>
+            <a:r>
+              <a:rPr lang="fr-FR" dirty="0"/>
+              <a:t>Ramuzat Noëlie - Payelle Vianney - Rigal Rémi</a:t>
+            </a:r>
           </a:p>
         </p:txBody>
       </p:sp>
@@ -3933,11 +4317,10 @@
           <a:bodyPr/>
           <a:lstStyle/>
           <a:p>
-            <a:fld id="{163D7EDC-389B-4E52-8A49-191C8350879A}" type="datetimeFigureOut">
-              <a:rPr lang="fr-FR" smtClean="0"/>
-              <a:t>08/02/2017</a:t>
-            </a:fld>
-            <a:endParaRPr lang="fr-FR"/>
+            <a:r>
+              <a:rPr lang="fr-FR"/>
+              <a:t>09/02/2017</a:t>
+            </a:r>
           </a:p>
         </p:txBody>
       </p:sp>
@@ -3956,7 +4339,10 @@
           <a:bodyPr/>
           <a:lstStyle/>
           <a:p>
-            <a:endParaRPr lang="fr-FR"/>
+            <a:r>
+              <a:rPr lang="fr-FR" dirty="0"/>
+              <a:t>Ramuzat Noëlie - Payelle Vianney - Rigal Rémi</a:t>
+            </a:r>
           </a:p>
         </p:txBody>
       </p:sp>
@@ -4190,11 +4576,10 @@
           <a:bodyPr/>
           <a:lstStyle/>
           <a:p>
-            <a:fld id="{163D7EDC-389B-4E52-8A49-191C8350879A}" type="datetimeFigureOut">
-              <a:rPr lang="fr-FR" smtClean="0"/>
-              <a:t>08/02/2017</a:t>
-            </a:fld>
-            <a:endParaRPr lang="fr-FR"/>
+            <a:r>
+              <a:rPr lang="fr-FR"/>
+              <a:t>09/02/2017</a:t>
+            </a:r>
           </a:p>
         </p:txBody>
       </p:sp>
@@ -4213,7 +4598,10 @@
           <a:bodyPr/>
           <a:lstStyle/>
           <a:p>
-            <a:endParaRPr lang="fr-FR"/>
+            <a:r>
+              <a:rPr lang="fr-FR" dirty="0"/>
+              <a:t>Ramuzat Noëlie - Payelle Vianney - Rigal Rémi</a:t>
+            </a:r>
           </a:p>
         </p:txBody>
       </p:sp>
@@ -4403,11 +4791,10 @@
             </a:lvl1pPr>
           </a:lstStyle>
           <a:p>
-            <a:fld id="{163D7EDC-389B-4E52-8A49-191C8350879A}" type="datetimeFigureOut">
-              <a:rPr lang="fr-FR" smtClean="0"/>
-              <a:t>08/02/2017</a:t>
-            </a:fld>
-            <a:endParaRPr lang="fr-FR"/>
+            <a:r>
+              <a:rPr lang="fr-FR"/>
+              <a:t>09/02/2017</a:t>
+            </a:r>
           </a:p>
         </p:txBody>
       </p:sp>
@@ -4444,7 +4831,10 @@
             </a:lvl1pPr>
           </a:lstStyle>
           <a:p>
-            <a:endParaRPr lang="fr-FR"/>
+            <a:r>
+              <a:rPr lang="fr-FR" dirty="0"/>
+              <a:t>Ramuzat Noëlie - Payelle Vianney - Rigal Rémi</a:t>
+            </a:r>
           </a:p>
         </p:txBody>
       </p:sp>
@@ -4489,6 +4879,53 @@
           </a:p>
         </p:txBody>
       </p:sp>
+      <p:pic>
+        <p:nvPicPr>
+          <p:cNvPr id="7" name="Image 6"/>
+          <p:cNvPicPr>
+            <a:picLocks noChangeAspect="1"/>
+          </p:cNvPicPr>
+          <p:nvPr userDrawn="1"/>
+        </p:nvPicPr>
+        <p:blipFill>
+          <a:blip r:embed="rId13"/>
+          <a:stretch>
+            <a:fillRect/>
+          </a:stretch>
+        </p:blipFill>
+        <p:spPr>
+          <a:xfrm>
+            <a:off x="194431" y="185738"/>
+            <a:ext cx="992775" cy="684210"/>
+          </a:xfrm>
+          <a:prstGeom prst="rect">
+            <a:avLst/>
+          </a:prstGeom>
+        </p:spPr>
+      </p:pic>
+      <p:pic>
+        <p:nvPicPr>
+          <p:cNvPr id="8" name="Picture 2"/>
+          <p:cNvPicPr/>
+          <p:nvPr userDrawn="1"/>
+        </p:nvPicPr>
+        <p:blipFill>
+          <a:blip r:embed="rId14"/>
+          <a:stretch/>
+        </p:blipFill>
+        <p:spPr>
+          <a:xfrm>
+            <a:off x="8013469" y="127549"/>
+            <a:ext cx="936100" cy="944793"/>
+          </a:xfrm>
+          <a:prstGeom prst="rect">
+            <a:avLst/>
+          </a:prstGeom>
+          <a:ln>
+            <a:noFill/>
+          </a:ln>
+        </p:spPr>
+      </p:pic>
     </p:spTree>
     <p:extLst>
       <p:ext uri="{BB962C8B-B14F-4D97-AF65-F5344CB8AC3E}">
@@ -4510,6 +4947,7 @@
     <p:sldLayoutId id="2147483670" r:id="rId10"/>
     <p:sldLayoutId id="2147483671" r:id="rId11"/>
   </p:sldLayoutIdLst>
+  <p:hf hdr="0"/>
   <p:txStyles>
     <p:titleStyle>
       <a:lvl1pPr algn="l" defTabSz="914400" rtl="0" eaLnBrk="1" latinLnBrk="0" hangingPunct="1">
@@ -4822,40 +5260,48 @@
         </p:nvSpPr>
         <p:spPr/>
         <p:txBody>
+          <a:bodyPr>
+            <a:normAutofit/>
+          </a:bodyPr>
+          <a:lstStyle/>
+          <a:p>
+            <a:r>
+              <a:rPr lang="fr-FR" sz="8800" dirty="0"/>
+              <a:t>Power </a:t>
+            </a:r>
+            <a:r>
+              <a:rPr lang="fr-FR" sz="8800" dirty="0" err="1"/>
+              <a:t>Enjoy</a:t>
+            </a:r>
+            <a:endParaRPr lang="fr-FR" sz="8800" dirty="0"/>
+          </a:p>
+        </p:txBody>
+      </p:sp>
+      <p:sp>
+        <p:nvSpPr>
+          <p:cNvPr id="3" name="Sous-titre 2"/>
+          <p:cNvSpPr>
+            <a:spLocks noGrp="1"/>
+          </p:cNvSpPr>
+          <p:nvPr>
+            <p:ph type="subTitle" idx="1"/>
+          </p:nvPr>
+        </p:nvSpPr>
+        <p:spPr/>
+        <p:txBody>
           <a:bodyPr/>
           <a:lstStyle/>
           <a:p>
             <a:r>
               <a:rPr lang="fr-FR" dirty="0"/>
-              <a:t>Software Engineering</a:t>
-            </a:r>
-          </a:p>
-        </p:txBody>
-      </p:sp>
-      <p:sp>
-        <p:nvSpPr>
-          <p:cNvPr id="3" name="Sous-titre 2"/>
-          <p:cNvSpPr>
-            <a:spLocks noGrp="1"/>
-          </p:cNvSpPr>
-          <p:nvPr>
-            <p:ph type="subTitle" idx="1"/>
-          </p:nvPr>
-        </p:nvSpPr>
-        <p:spPr/>
-        <p:txBody>
-          <a:bodyPr/>
-          <a:lstStyle/>
+              <a:t>Software Engineering Project</a:t>
+            </a:r>
+          </a:p>
           <a:p>
             <a:r>
               <a:rPr lang="fr-FR" dirty="0"/>
-              <a:t>Power </a:t>
-            </a:r>
-            <a:r>
-              <a:rPr lang="fr-FR" dirty="0" err="1"/>
-              <a:t>Enjoy</a:t>
-            </a:r>
-            <a:endParaRPr lang="fr-FR" dirty="0"/>
+              <a:t>Oral Discussion</a:t>
+            </a:r>
           </a:p>
         </p:txBody>
       </p:sp>
@@ -4901,16 +5347,18 @@
         </p:nvSpPr>
         <p:spPr/>
         <p:txBody>
-          <a:bodyPr/>
+          <a:bodyPr>
+            <a:normAutofit fontScale="90000"/>
+          </a:bodyPr>
           <a:lstStyle/>
           <a:p>
             <a:r>
               <a:rPr lang="fr-FR" dirty="0"/>
-              <a:t>Component </a:t>
+              <a:t>Test Case/</a:t>
             </a:r>
             <a:r>
               <a:rPr lang="fr-FR" dirty="0" err="1"/>
-              <a:t>Integration</a:t>
+              <a:t>Procedure</a:t>
             </a:r>
             <a:r>
               <a:rPr lang="fr-FR" dirty="0"/>
@@ -4918,46 +5366,1263 @@
             </a:r>
             <a:r>
               <a:rPr lang="fr-FR" dirty="0" err="1"/>
-              <a:t>Diagram</a:t>
+              <a:t>Examples</a:t>
             </a:r>
             <a:endParaRPr lang="fr-FR" dirty="0"/>
           </a:p>
         </p:txBody>
       </p:sp>
-      <p:pic>
-        <p:nvPicPr>
-          <p:cNvPr id="6" name="Image 5"/>
-          <p:cNvPicPr>
-            <a:picLocks noChangeAspect="1"/>
-          </p:cNvPicPr>
-          <p:nvPr/>
-        </p:nvPicPr>
-        <p:blipFill>
-          <a:blip r:embed="rId3">
-            <a:extLst>
-              <a:ext uri="{28A0092B-C50C-407E-A947-70E740481C1C}">
-                <a14:useLocalDpi xmlns:a14="http://schemas.microsoft.com/office/drawing/2010/main" val="0"/>
-              </a:ext>
-            </a:extLst>
-          </a:blip>
-          <a:stretch>
-            <a:fillRect/>
-          </a:stretch>
-        </p:blipFill>
-        <p:spPr>
-          <a:xfrm>
-            <a:off x="0" y="1418995"/>
-            <a:ext cx="9144000" cy="5244803"/>
-          </a:xfrm>
-          <a:prstGeom prst="rect">
-            <a:avLst/>
-          </a:prstGeom>
-        </p:spPr>
-      </p:pic>
+      <p:graphicFrame>
+        <p:nvGraphicFramePr>
+          <p:cNvPr id="3" name="Tableau 2"/>
+          <p:cNvGraphicFramePr>
+            <a:graphicFrameLocks noGrp="1"/>
+          </p:cNvGraphicFramePr>
+          <p:nvPr>
+            <p:extLst>
+              <p:ext uri="{D42A27DB-BD31-4B8C-83A1-F6EECF244321}">
+                <p14:modId xmlns:p14="http://schemas.microsoft.com/office/powerpoint/2010/main" val="3568160820"/>
+              </p:ext>
+            </p:extLst>
+          </p:nvPr>
+        </p:nvGraphicFramePr>
+        <p:xfrm>
+          <a:off x="628650" y="1384181"/>
+          <a:ext cx="7886700" cy="2233798"/>
+        </p:xfrm>
+        <a:graphic>
+          <a:graphicData uri="http://schemas.openxmlformats.org/drawingml/2006/table">
+            <a:tbl>
+              <a:tblPr firstRow="1" firstCol="1" bandRow="1">
+                <a:tableStyleId>{B301B821-A1FF-4177-AEE7-76D212191A09}</a:tableStyleId>
+              </a:tblPr>
+              <a:tblGrid>
+                <a:gridCol w="1963548">
+                  <a:extLst>
+                    <a:ext uri="{9D8B030D-6E8A-4147-A177-3AD203B41FA5}">
+                      <a16:colId xmlns:a16="http://schemas.microsoft.com/office/drawing/2014/main" val="2188645712"/>
+                    </a:ext>
+                  </a:extLst>
+                </a:gridCol>
+                <a:gridCol w="5923152">
+                  <a:extLst>
+                    <a:ext uri="{9D8B030D-6E8A-4147-A177-3AD203B41FA5}">
+                      <a16:colId xmlns:a16="http://schemas.microsoft.com/office/drawing/2014/main" val="3498948020"/>
+                    </a:ext>
+                  </a:extLst>
+                </a:gridCol>
+              </a:tblGrid>
+              <a:tr h="249010">
+                <a:tc>
+                  <a:txBody>
+                    <a:bodyPr/>
+                    <a:lstStyle/>
+                    <a:p>
+                      <a:pPr algn="l">
+                        <a:lnSpc>
+                          <a:spcPct val="115000"/>
+                        </a:lnSpc>
+                        <a:spcAft>
+                          <a:spcPts val="0"/>
+                        </a:spcAft>
+                      </a:pPr>
+                      <a:r>
+                        <a:rPr lang="en-GB" sz="1400" dirty="0">
+                          <a:effectLst/>
+                        </a:rPr>
+                        <a:t>Test Case identifier</a:t>
+                      </a:r>
+                      <a:endParaRPr lang="fr-FR" sz="1600" dirty="0">
+                        <a:solidFill>
+                          <a:srgbClr val="000000"/>
+                        </a:solidFill>
+                        <a:effectLst/>
+                        <a:latin typeface="Calibri" panose="020F0502020204030204" pitchFamily="34" charset="0"/>
+                        <a:ea typeface="Calibri" panose="020F0502020204030204" pitchFamily="34" charset="0"/>
+                        <a:cs typeface="Times New Roman" panose="02020603050405020304" pitchFamily="18" charset="0"/>
+                      </a:endParaRPr>
+                    </a:p>
+                  </a:txBody>
+                  <a:tcPr marL="68580" marR="68580" marT="0" marB="0" anchor="ctr"/>
+                </a:tc>
+                <a:tc>
+                  <a:txBody>
+                    <a:bodyPr/>
+                    <a:lstStyle/>
+                    <a:p>
+                      <a:pPr algn="l">
+                        <a:lnSpc>
+                          <a:spcPct val="115000"/>
+                        </a:lnSpc>
+                        <a:spcAft>
+                          <a:spcPts val="0"/>
+                        </a:spcAft>
+                      </a:pPr>
+                      <a:r>
+                        <a:rPr lang="en-GB" sz="1400">
+                          <a:effectLst/>
+                        </a:rPr>
+                        <a:t>I1T1</a:t>
+                      </a:r>
+                      <a:endParaRPr lang="fr-FR" sz="1600">
+                        <a:solidFill>
+                          <a:srgbClr val="000000"/>
+                        </a:solidFill>
+                        <a:effectLst/>
+                        <a:latin typeface="Calibri" panose="020F0502020204030204" pitchFamily="34" charset="0"/>
+                        <a:ea typeface="Calibri" panose="020F0502020204030204" pitchFamily="34" charset="0"/>
+                        <a:cs typeface="Times New Roman" panose="02020603050405020304" pitchFamily="18" charset="0"/>
+                      </a:endParaRPr>
+                    </a:p>
+                  </a:txBody>
+                  <a:tcPr marL="68580" marR="68580" marT="0" marB="0" anchor="ctr"/>
+                </a:tc>
+                <a:extLst>
+                  <a:ext uri="{0D108BD9-81ED-4DB2-BD59-A6C34878D82A}">
+                    <a16:rowId xmlns:a16="http://schemas.microsoft.com/office/drawing/2014/main" val="744492573"/>
+                  </a:ext>
+                </a:extLst>
+              </a:tr>
+              <a:tr h="249010">
+                <a:tc>
+                  <a:txBody>
+                    <a:bodyPr/>
+                    <a:lstStyle/>
+                    <a:p>
+                      <a:pPr algn="l">
+                        <a:lnSpc>
+                          <a:spcPct val="115000"/>
+                        </a:lnSpc>
+                        <a:spcAft>
+                          <a:spcPts val="0"/>
+                        </a:spcAft>
+                      </a:pPr>
+                      <a:r>
+                        <a:rPr lang="en-GB" sz="1400" dirty="0">
+                          <a:effectLst/>
+                        </a:rPr>
+                        <a:t>Items tested</a:t>
+                      </a:r>
+                      <a:endParaRPr lang="fr-FR" sz="1600" dirty="0">
+                        <a:solidFill>
+                          <a:srgbClr val="000000"/>
+                        </a:solidFill>
+                        <a:effectLst/>
+                        <a:latin typeface="Calibri" panose="020F0502020204030204" pitchFamily="34" charset="0"/>
+                        <a:ea typeface="Calibri" panose="020F0502020204030204" pitchFamily="34" charset="0"/>
+                        <a:cs typeface="Times New Roman" panose="02020603050405020304" pitchFamily="18" charset="0"/>
+                      </a:endParaRPr>
+                    </a:p>
+                  </a:txBody>
+                  <a:tcPr marL="68580" marR="68580" marT="0" marB="0" anchor="ctr"/>
+                </a:tc>
+                <a:tc>
+                  <a:txBody>
+                    <a:bodyPr/>
+                    <a:lstStyle/>
+                    <a:p>
+                      <a:pPr algn="l">
+                        <a:lnSpc>
+                          <a:spcPct val="115000"/>
+                        </a:lnSpc>
+                        <a:spcAft>
+                          <a:spcPts val="0"/>
+                        </a:spcAft>
+                      </a:pPr>
+                      <a:r>
+                        <a:rPr lang="en-GB" sz="1400">
+                          <a:effectLst/>
+                        </a:rPr>
+                        <a:t>DBMS → DataAccess Manager</a:t>
+                      </a:r>
+                      <a:endParaRPr lang="fr-FR" sz="1600">
+                        <a:solidFill>
+                          <a:srgbClr val="000000"/>
+                        </a:solidFill>
+                        <a:effectLst/>
+                        <a:latin typeface="Calibri" panose="020F0502020204030204" pitchFamily="34" charset="0"/>
+                        <a:ea typeface="Calibri" panose="020F0502020204030204" pitchFamily="34" charset="0"/>
+                        <a:cs typeface="Times New Roman" panose="02020603050405020304" pitchFamily="18" charset="0"/>
+                      </a:endParaRPr>
+                    </a:p>
+                  </a:txBody>
+                  <a:tcPr marL="68580" marR="68580" marT="0" marB="0" anchor="ctr"/>
+                </a:tc>
+                <a:extLst>
+                  <a:ext uri="{0D108BD9-81ED-4DB2-BD59-A6C34878D82A}">
+                    <a16:rowId xmlns:a16="http://schemas.microsoft.com/office/drawing/2014/main" val="1152691130"/>
+                  </a:ext>
+                </a:extLst>
+              </a:tr>
+              <a:tr h="249010">
+                <a:tc>
+                  <a:txBody>
+                    <a:bodyPr/>
+                    <a:lstStyle/>
+                    <a:p>
+                      <a:pPr algn="l">
+                        <a:lnSpc>
+                          <a:spcPct val="115000"/>
+                        </a:lnSpc>
+                        <a:spcAft>
+                          <a:spcPts val="0"/>
+                        </a:spcAft>
+                      </a:pPr>
+                      <a:r>
+                        <a:rPr lang="en-GB" sz="1400" dirty="0">
+                          <a:effectLst/>
+                        </a:rPr>
+                        <a:t>Input specifications</a:t>
+                      </a:r>
+                      <a:endParaRPr lang="fr-FR" sz="1600" dirty="0">
+                        <a:solidFill>
+                          <a:srgbClr val="000000"/>
+                        </a:solidFill>
+                        <a:effectLst/>
+                        <a:latin typeface="Calibri" panose="020F0502020204030204" pitchFamily="34" charset="0"/>
+                        <a:ea typeface="Calibri" panose="020F0502020204030204" pitchFamily="34" charset="0"/>
+                        <a:cs typeface="Times New Roman" panose="02020603050405020304" pitchFamily="18" charset="0"/>
+                      </a:endParaRPr>
+                    </a:p>
+                  </a:txBody>
+                  <a:tcPr marL="68580" marR="68580" marT="0" marB="0" anchor="ctr"/>
+                </a:tc>
+                <a:tc>
+                  <a:txBody>
+                    <a:bodyPr/>
+                    <a:lstStyle/>
+                    <a:p>
+                      <a:pPr algn="l">
+                        <a:lnSpc>
+                          <a:spcPct val="115000"/>
+                        </a:lnSpc>
+                        <a:spcAft>
+                          <a:spcPts val="0"/>
+                        </a:spcAft>
+                      </a:pPr>
+                      <a:r>
+                        <a:rPr lang="en-GB" sz="1400" dirty="0">
+                          <a:effectLst/>
+                        </a:rPr>
+                        <a:t>DBMS output</a:t>
+                      </a:r>
+                      <a:endParaRPr lang="fr-FR" sz="1600" dirty="0">
+                        <a:solidFill>
+                          <a:srgbClr val="000000"/>
+                        </a:solidFill>
+                        <a:effectLst/>
+                        <a:latin typeface="Calibri" panose="020F0502020204030204" pitchFamily="34" charset="0"/>
+                        <a:ea typeface="Calibri" panose="020F0502020204030204" pitchFamily="34" charset="0"/>
+                        <a:cs typeface="Times New Roman" panose="02020603050405020304" pitchFamily="18" charset="0"/>
+                      </a:endParaRPr>
+                    </a:p>
+                  </a:txBody>
+                  <a:tcPr marL="68580" marR="68580" marT="0" marB="0" anchor="ctr"/>
+                </a:tc>
+                <a:extLst>
+                  <a:ext uri="{0D108BD9-81ED-4DB2-BD59-A6C34878D82A}">
+                    <a16:rowId xmlns:a16="http://schemas.microsoft.com/office/drawing/2014/main" val="3447366171"/>
+                  </a:ext>
+                </a:extLst>
+              </a:tr>
+              <a:tr h="249010">
+                <a:tc>
+                  <a:txBody>
+                    <a:bodyPr/>
+                    <a:lstStyle/>
+                    <a:p>
+                      <a:pPr algn="l">
+                        <a:lnSpc>
+                          <a:spcPct val="115000"/>
+                        </a:lnSpc>
+                        <a:spcAft>
+                          <a:spcPts val="0"/>
+                        </a:spcAft>
+                      </a:pPr>
+                      <a:r>
+                        <a:rPr lang="en-GB" sz="1400" dirty="0">
+                          <a:effectLst/>
+                        </a:rPr>
+                        <a:t>Pass criteria</a:t>
+                      </a:r>
+                      <a:endParaRPr lang="fr-FR" sz="1600" dirty="0">
+                        <a:solidFill>
+                          <a:srgbClr val="000000"/>
+                        </a:solidFill>
+                        <a:effectLst/>
+                        <a:latin typeface="Calibri" panose="020F0502020204030204" pitchFamily="34" charset="0"/>
+                        <a:ea typeface="Calibri" panose="020F0502020204030204" pitchFamily="34" charset="0"/>
+                        <a:cs typeface="Times New Roman" panose="02020603050405020304" pitchFamily="18" charset="0"/>
+                      </a:endParaRPr>
+                    </a:p>
+                  </a:txBody>
+                  <a:tcPr marL="68580" marR="68580" marT="0" marB="0" anchor="ctr"/>
+                </a:tc>
+                <a:tc>
+                  <a:txBody>
+                    <a:bodyPr/>
+                    <a:lstStyle/>
+                    <a:p>
+                      <a:pPr algn="l">
+                        <a:lnSpc>
+                          <a:spcPct val="115000"/>
+                        </a:lnSpc>
+                        <a:spcAft>
+                          <a:spcPts val="0"/>
+                        </a:spcAft>
+                      </a:pPr>
+                      <a:r>
+                        <a:rPr lang="en-GB" sz="1400" dirty="0">
+                          <a:effectLst/>
+                        </a:rPr>
+                        <a:t>- The </a:t>
+                      </a:r>
+                      <a:r>
+                        <a:rPr lang="en-GB" sz="1400" dirty="0" err="1">
+                          <a:effectLst/>
+                        </a:rPr>
+                        <a:t>DataAccess</a:t>
+                      </a:r>
+                      <a:r>
+                        <a:rPr lang="en-GB" sz="1400" dirty="0">
+                          <a:effectLst/>
+                        </a:rPr>
+                        <a:t> Manager check that the data coming in and out are valid</a:t>
+                      </a:r>
+                      <a:endParaRPr lang="fr-FR" sz="1600" dirty="0">
+                        <a:solidFill>
+                          <a:srgbClr val="000000"/>
+                        </a:solidFill>
+                        <a:effectLst/>
+                        <a:latin typeface="Calibri" panose="020F0502020204030204" pitchFamily="34" charset="0"/>
+                        <a:ea typeface="Calibri" panose="020F0502020204030204" pitchFamily="34" charset="0"/>
+                        <a:cs typeface="Times New Roman" panose="02020603050405020304" pitchFamily="18" charset="0"/>
+                      </a:endParaRPr>
+                    </a:p>
+                  </a:txBody>
+                  <a:tcPr marL="68580" marR="68580" marT="0" marB="0" anchor="ctr"/>
+                </a:tc>
+                <a:extLst>
+                  <a:ext uri="{0D108BD9-81ED-4DB2-BD59-A6C34878D82A}">
+                    <a16:rowId xmlns:a16="http://schemas.microsoft.com/office/drawing/2014/main" val="1469429736"/>
+                  </a:ext>
+                </a:extLst>
+              </a:tr>
+              <a:tr h="249010">
+                <a:tc>
+                  <a:txBody>
+                    <a:bodyPr/>
+                    <a:lstStyle/>
+                    <a:p>
+                      <a:pPr algn="l">
+                        <a:lnSpc>
+                          <a:spcPct val="115000"/>
+                        </a:lnSpc>
+                        <a:spcAft>
+                          <a:spcPts val="0"/>
+                        </a:spcAft>
+                      </a:pPr>
+                      <a:r>
+                        <a:rPr lang="en-GB" sz="1400">
+                          <a:effectLst/>
+                        </a:rPr>
+                        <a:t> </a:t>
+                      </a:r>
+                      <a:endParaRPr lang="fr-FR" sz="1600">
+                        <a:solidFill>
+                          <a:srgbClr val="000000"/>
+                        </a:solidFill>
+                        <a:effectLst/>
+                        <a:latin typeface="Calibri" panose="020F0502020204030204" pitchFamily="34" charset="0"/>
+                        <a:ea typeface="Calibri" panose="020F0502020204030204" pitchFamily="34" charset="0"/>
+                        <a:cs typeface="Times New Roman" panose="02020603050405020304" pitchFamily="18" charset="0"/>
+                      </a:endParaRPr>
+                    </a:p>
+                  </a:txBody>
+                  <a:tcPr marL="68580" marR="68580" marT="0" marB="0" anchor="ctr"/>
+                </a:tc>
+                <a:tc>
+                  <a:txBody>
+                    <a:bodyPr/>
+                    <a:lstStyle/>
+                    <a:p>
+                      <a:pPr algn="l">
+                        <a:lnSpc>
+                          <a:spcPct val="115000"/>
+                        </a:lnSpc>
+                        <a:spcAft>
+                          <a:spcPts val="0"/>
+                        </a:spcAft>
+                      </a:pPr>
+                      <a:r>
+                        <a:rPr lang="en-GB" sz="1400" dirty="0">
+                          <a:effectLst/>
+                        </a:rPr>
+                        <a:t>- If the data coming in are valid, check that it calls the right methods</a:t>
+                      </a:r>
+                      <a:endParaRPr lang="fr-FR" sz="1600" dirty="0">
+                        <a:solidFill>
+                          <a:srgbClr val="000000"/>
+                        </a:solidFill>
+                        <a:effectLst/>
+                        <a:latin typeface="Calibri" panose="020F0502020204030204" pitchFamily="34" charset="0"/>
+                        <a:ea typeface="Calibri" panose="020F0502020204030204" pitchFamily="34" charset="0"/>
+                        <a:cs typeface="Times New Roman" panose="02020603050405020304" pitchFamily="18" charset="0"/>
+                      </a:endParaRPr>
+                    </a:p>
+                  </a:txBody>
+                  <a:tcPr marL="68580" marR="68580" marT="0" marB="0" anchor="ctr"/>
+                </a:tc>
+                <a:extLst>
+                  <a:ext uri="{0D108BD9-81ED-4DB2-BD59-A6C34878D82A}">
+                    <a16:rowId xmlns:a16="http://schemas.microsoft.com/office/drawing/2014/main" val="230526802"/>
+                  </a:ext>
+                </a:extLst>
+              </a:tr>
+              <a:tr h="249010">
+                <a:tc>
+                  <a:txBody>
+                    <a:bodyPr/>
+                    <a:lstStyle/>
+                    <a:p>
+                      <a:pPr algn="l">
+                        <a:lnSpc>
+                          <a:spcPct val="115000"/>
+                        </a:lnSpc>
+                        <a:spcAft>
+                          <a:spcPts val="0"/>
+                        </a:spcAft>
+                      </a:pPr>
+                      <a:r>
+                        <a:rPr lang="en-GB" sz="1400">
+                          <a:effectLst/>
+                        </a:rPr>
+                        <a:t> </a:t>
+                      </a:r>
+                      <a:endParaRPr lang="fr-FR" sz="1600">
+                        <a:solidFill>
+                          <a:srgbClr val="000000"/>
+                        </a:solidFill>
+                        <a:effectLst/>
+                        <a:latin typeface="Calibri" panose="020F0502020204030204" pitchFamily="34" charset="0"/>
+                        <a:ea typeface="Calibri" panose="020F0502020204030204" pitchFamily="34" charset="0"/>
+                        <a:cs typeface="Times New Roman" panose="02020603050405020304" pitchFamily="18" charset="0"/>
+                      </a:endParaRPr>
+                    </a:p>
+                  </a:txBody>
+                  <a:tcPr marL="68580" marR="68580" marT="0" marB="0" anchor="ctr"/>
+                </a:tc>
+                <a:tc>
+                  <a:txBody>
+                    <a:bodyPr/>
+                    <a:lstStyle/>
+                    <a:p>
+                      <a:pPr algn="l">
+                        <a:lnSpc>
+                          <a:spcPct val="115000"/>
+                        </a:lnSpc>
+                        <a:spcAft>
+                          <a:spcPts val="0"/>
+                        </a:spcAft>
+                      </a:pPr>
+                      <a:r>
+                        <a:rPr lang="en-GB" sz="1400" dirty="0">
+                          <a:effectLst/>
+                        </a:rPr>
+                        <a:t>- If the data are not valid, signal an error in the process and check that the error has been caught</a:t>
+                      </a:r>
+                      <a:endParaRPr lang="fr-FR" sz="1600" dirty="0">
+                        <a:solidFill>
+                          <a:srgbClr val="000000"/>
+                        </a:solidFill>
+                        <a:effectLst/>
+                        <a:latin typeface="Calibri" panose="020F0502020204030204" pitchFamily="34" charset="0"/>
+                        <a:ea typeface="Calibri" panose="020F0502020204030204" pitchFamily="34" charset="0"/>
+                        <a:cs typeface="Times New Roman" panose="02020603050405020304" pitchFamily="18" charset="0"/>
+                      </a:endParaRPr>
+                    </a:p>
+                  </a:txBody>
+                  <a:tcPr marL="68580" marR="68580" marT="0" marB="0" anchor="ctr"/>
+                </a:tc>
+                <a:extLst>
+                  <a:ext uri="{0D108BD9-81ED-4DB2-BD59-A6C34878D82A}">
+                    <a16:rowId xmlns:a16="http://schemas.microsoft.com/office/drawing/2014/main" val="3083836444"/>
+                  </a:ext>
+                </a:extLst>
+              </a:tr>
+              <a:tr h="249010">
+                <a:tc>
+                  <a:txBody>
+                    <a:bodyPr/>
+                    <a:lstStyle/>
+                    <a:p>
+                      <a:pPr algn="l">
+                        <a:lnSpc>
+                          <a:spcPct val="115000"/>
+                        </a:lnSpc>
+                        <a:spcAft>
+                          <a:spcPts val="0"/>
+                        </a:spcAft>
+                      </a:pPr>
+                      <a:r>
+                        <a:rPr lang="en-GB" sz="1400">
+                          <a:effectLst/>
+                        </a:rPr>
+                        <a:t>Environmental needs</a:t>
+                      </a:r>
+                      <a:endParaRPr lang="fr-FR" sz="1600">
+                        <a:solidFill>
+                          <a:srgbClr val="000000"/>
+                        </a:solidFill>
+                        <a:effectLst/>
+                        <a:latin typeface="Calibri" panose="020F0502020204030204" pitchFamily="34" charset="0"/>
+                        <a:ea typeface="Calibri" panose="020F0502020204030204" pitchFamily="34" charset="0"/>
+                        <a:cs typeface="Times New Roman" panose="02020603050405020304" pitchFamily="18" charset="0"/>
+                      </a:endParaRPr>
+                    </a:p>
+                  </a:txBody>
+                  <a:tcPr marL="68580" marR="68580" marT="0" marB="0" anchor="ctr"/>
+                </a:tc>
+                <a:tc>
+                  <a:txBody>
+                    <a:bodyPr/>
+                    <a:lstStyle/>
+                    <a:p>
+                      <a:pPr algn="l">
+                        <a:lnSpc>
+                          <a:spcPct val="115000"/>
+                        </a:lnSpc>
+                        <a:spcAft>
+                          <a:spcPts val="0"/>
+                        </a:spcAft>
+                      </a:pPr>
+                      <a:r>
+                        <a:rPr lang="en-GB" sz="1400" dirty="0">
+                          <a:effectLst/>
+                        </a:rPr>
+                        <a:t>DBMS driver</a:t>
+                      </a:r>
+                      <a:endParaRPr lang="fr-FR" sz="1600" dirty="0">
+                        <a:solidFill>
+                          <a:srgbClr val="000000"/>
+                        </a:solidFill>
+                        <a:effectLst/>
+                        <a:latin typeface="Calibri" panose="020F0502020204030204" pitchFamily="34" charset="0"/>
+                        <a:ea typeface="Calibri" panose="020F0502020204030204" pitchFamily="34" charset="0"/>
+                        <a:cs typeface="Times New Roman" panose="02020603050405020304" pitchFamily="18" charset="0"/>
+                      </a:endParaRPr>
+                    </a:p>
+                  </a:txBody>
+                  <a:tcPr marL="68580" marR="68580" marT="0" marB="0" anchor="ctr"/>
+                </a:tc>
+                <a:extLst>
+                  <a:ext uri="{0D108BD9-81ED-4DB2-BD59-A6C34878D82A}">
+                    <a16:rowId xmlns:a16="http://schemas.microsoft.com/office/drawing/2014/main" val="2015915334"/>
+                  </a:ext>
+                </a:extLst>
+              </a:tr>
+              <a:tr h="249010">
+                <a:tc>
+                  <a:txBody>
+                    <a:bodyPr/>
+                    <a:lstStyle/>
+                    <a:p>
+                      <a:pPr algn="l">
+                        <a:lnSpc>
+                          <a:spcPct val="115000"/>
+                        </a:lnSpc>
+                        <a:spcAft>
+                          <a:spcPts val="0"/>
+                        </a:spcAft>
+                      </a:pPr>
+                      <a:r>
+                        <a:rPr lang="en-GB" sz="1400">
+                          <a:effectLst/>
+                        </a:rPr>
+                        <a:t>Test Case identifier</a:t>
+                      </a:r>
+                      <a:endParaRPr lang="fr-FR" sz="1600">
+                        <a:solidFill>
+                          <a:srgbClr val="000000"/>
+                        </a:solidFill>
+                        <a:effectLst/>
+                        <a:latin typeface="Calibri" panose="020F0502020204030204" pitchFamily="34" charset="0"/>
+                        <a:ea typeface="Calibri" panose="020F0502020204030204" pitchFamily="34" charset="0"/>
+                        <a:cs typeface="Times New Roman" panose="02020603050405020304" pitchFamily="18" charset="0"/>
+                      </a:endParaRPr>
+                    </a:p>
+                  </a:txBody>
+                  <a:tcPr marL="68580" marR="68580" marT="0" marB="0" anchor="ctr"/>
+                </a:tc>
+                <a:tc>
+                  <a:txBody>
+                    <a:bodyPr/>
+                    <a:lstStyle/>
+                    <a:p>
+                      <a:pPr algn="l">
+                        <a:lnSpc>
+                          <a:spcPct val="115000"/>
+                        </a:lnSpc>
+                        <a:spcAft>
+                          <a:spcPts val="0"/>
+                        </a:spcAft>
+                      </a:pPr>
+                      <a:r>
+                        <a:rPr lang="en-GB" sz="1400" dirty="0">
+                          <a:effectLst/>
+                        </a:rPr>
+                        <a:t>I1T1</a:t>
+                      </a:r>
+                      <a:endParaRPr lang="fr-FR" sz="1600" dirty="0">
+                        <a:solidFill>
+                          <a:srgbClr val="000000"/>
+                        </a:solidFill>
+                        <a:effectLst/>
+                        <a:latin typeface="Calibri" panose="020F0502020204030204" pitchFamily="34" charset="0"/>
+                        <a:ea typeface="Calibri" panose="020F0502020204030204" pitchFamily="34" charset="0"/>
+                        <a:cs typeface="Times New Roman" panose="02020603050405020304" pitchFamily="18" charset="0"/>
+                      </a:endParaRPr>
+                    </a:p>
+                  </a:txBody>
+                  <a:tcPr marL="68580" marR="68580" marT="0" marB="0" anchor="ctr"/>
+                </a:tc>
+                <a:extLst>
+                  <a:ext uri="{0D108BD9-81ED-4DB2-BD59-A6C34878D82A}">
+                    <a16:rowId xmlns:a16="http://schemas.microsoft.com/office/drawing/2014/main" val="3799784201"/>
+                  </a:ext>
+                </a:extLst>
+              </a:tr>
+            </a:tbl>
+          </a:graphicData>
+        </a:graphic>
+      </p:graphicFrame>
+      <p:graphicFrame>
+        <p:nvGraphicFramePr>
+          <p:cNvPr id="4" name="Tableau 3"/>
+          <p:cNvGraphicFramePr>
+            <a:graphicFrameLocks noGrp="1"/>
+          </p:cNvGraphicFramePr>
+          <p:nvPr>
+            <p:extLst>
+              <p:ext uri="{D42A27DB-BD31-4B8C-83A1-F6EECF244321}">
+                <p14:modId xmlns:p14="http://schemas.microsoft.com/office/powerpoint/2010/main" val="3266950758"/>
+              </p:ext>
+            </p:extLst>
+          </p:nvPr>
+        </p:nvGraphicFramePr>
+        <p:xfrm>
+          <a:off x="628650" y="3991125"/>
+          <a:ext cx="7886700" cy="1992080"/>
+        </p:xfrm>
+        <a:graphic>
+          <a:graphicData uri="http://schemas.openxmlformats.org/drawingml/2006/table">
+            <a:tbl>
+              <a:tblPr firstRow="1" firstCol="1" bandRow="1">
+                <a:tableStyleId>{B301B821-A1FF-4177-AEE7-76D212191A09}</a:tableStyleId>
+              </a:tblPr>
+              <a:tblGrid>
+                <a:gridCol w="1963548">
+                  <a:extLst>
+                    <a:ext uri="{9D8B030D-6E8A-4147-A177-3AD203B41FA5}">
+                      <a16:colId xmlns:a16="http://schemas.microsoft.com/office/drawing/2014/main" val="2765281"/>
+                    </a:ext>
+                  </a:extLst>
+                </a:gridCol>
+                <a:gridCol w="5923152">
+                  <a:extLst>
+                    <a:ext uri="{9D8B030D-6E8A-4147-A177-3AD203B41FA5}">
+                      <a16:colId xmlns:a16="http://schemas.microsoft.com/office/drawing/2014/main" val="893357130"/>
+                    </a:ext>
+                  </a:extLst>
+                </a:gridCol>
+              </a:tblGrid>
+              <a:tr h="249010">
+                <a:tc>
+                  <a:txBody>
+                    <a:bodyPr/>
+                    <a:lstStyle/>
+                    <a:p>
+                      <a:pPr algn="l">
+                        <a:lnSpc>
+                          <a:spcPct val="115000"/>
+                        </a:lnSpc>
+                        <a:spcAft>
+                          <a:spcPts val="0"/>
+                        </a:spcAft>
+                      </a:pPr>
+                      <a:r>
+                        <a:rPr lang="en-GB" sz="1400" dirty="0">
+                          <a:effectLst/>
+                        </a:rPr>
+                        <a:t>Test Procedure identifier</a:t>
+                      </a:r>
+                      <a:endParaRPr lang="fr-FR" sz="1600" dirty="0">
+                        <a:solidFill>
+                          <a:srgbClr val="000000"/>
+                        </a:solidFill>
+                        <a:effectLst/>
+                        <a:latin typeface="Calibri" panose="020F0502020204030204" pitchFamily="34" charset="0"/>
+                        <a:ea typeface="Calibri" panose="020F0502020204030204" pitchFamily="34" charset="0"/>
+                        <a:cs typeface="Times New Roman" panose="02020603050405020304" pitchFamily="18" charset="0"/>
+                      </a:endParaRPr>
+                    </a:p>
+                  </a:txBody>
+                  <a:tcPr marL="68580" marR="68580" marT="0" marB="0" anchor="ctr"/>
+                </a:tc>
+                <a:tc>
+                  <a:txBody>
+                    <a:bodyPr/>
+                    <a:lstStyle/>
+                    <a:p>
+                      <a:pPr algn="l">
+                        <a:lnSpc>
+                          <a:spcPct val="115000"/>
+                        </a:lnSpc>
+                        <a:spcAft>
+                          <a:spcPts val="0"/>
+                        </a:spcAft>
+                      </a:pPr>
+                      <a:r>
+                        <a:rPr lang="en-GB" sz="1400" dirty="0">
+                          <a:effectLst/>
+                        </a:rPr>
+                        <a:t>TP3</a:t>
+                      </a:r>
+                      <a:endParaRPr lang="fr-FR" sz="1600" dirty="0">
+                        <a:solidFill>
+                          <a:srgbClr val="000000"/>
+                        </a:solidFill>
+                        <a:effectLst/>
+                        <a:latin typeface="Calibri" panose="020F0502020204030204" pitchFamily="34" charset="0"/>
+                        <a:ea typeface="Calibri" panose="020F0502020204030204" pitchFamily="34" charset="0"/>
+                        <a:cs typeface="Times New Roman" panose="02020603050405020304" pitchFamily="18" charset="0"/>
+                      </a:endParaRPr>
+                    </a:p>
+                  </a:txBody>
+                  <a:tcPr marL="68580" marR="68580" marT="0" marB="0" anchor="ctr"/>
+                </a:tc>
+                <a:extLst>
+                  <a:ext uri="{0D108BD9-81ED-4DB2-BD59-A6C34878D82A}">
+                    <a16:rowId xmlns:a16="http://schemas.microsoft.com/office/drawing/2014/main" val="574207624"/>
+                  </a:ext>
+                </a:extLst>
+              </a:tr>
+              <a:tr h="249010">
+                <a:tc>
+                  <a:txBody>
+                    <a:bodyPr/>
+                    <a:lstStyle/>
+                    <a:p>
+                      <a:pPr algn="l">
+                        <a:lnSpc>
+                          <a:spcPct val="115000"/>
+                        </a:lnSpc>
+                        <a:spcAft>
+                          <a:spcPts val="0"/>
+                        </a:spcAft>
+                      </a:pPr>
+                      <a:r>
+                        <a:rPr lang="en-GB" sz="1400" dirty="0">
+                          <a:effectLst/>
+                        </a:rPr>
+                        <a:t>Item to test</a:t>
+                      </a:r>
+                      <a:endParaRPr lang="fr-FR" sz="1600" dirty="0">
+                        <a:solidFill>
+                          <a:srgbClr val="000000"/>
+                        </a:solidFill>
+                        <a:effectLst/>
+                        <a:latin typeface="Calibri" panose="020F0502020204030204" pitchFamily="34" charset="0"/>
+                        <a:ea typeface="Calibri" panose="020F0502020204030204" pitchFamily="34" charset="0"/>
+                        <a:cs typeface="Times New Roman" panose="02020603050405020304" pitchFamily="18" charset="0"/>
+                      </a:endParaRPr>
+                    </a:p>
+                  </a:txBody>
+                  <a:tcPr marL="68580" marR="68580" marT="0" marB="0" anchor="ctr"/>
+                </a:tc>
+                <a:tc>
+                  <a:txBody>
+                    <a:bodyPr/>
+                    <a:lstStyle/>
+                    <a:p>
+                      <a:pPr algn="l">
+                        <a:lnSpc>
+                          <a:spcPct val="115000"/>
+                        </a:lnSpc>
+                        <a:spcAft>
+                          <a:spcPts val="0"/>
+                        </a:spcAft>
+                      </a:pPr>
+                      <a:r>
+                        <a:rPr lang="en-GB" sz="1400" dirty="0">
+                          <a:effectLst/>
+                        </a:rPr>
+                        <a:t>Car Management System</a:t>
+                      </a:r>
+                      <a:endParaRPr lang="fr-FR" sz="1600" dirty="0">
+                        <a:solidFill>
+                          <a:srgbClr val="000000"/>
+                        </a:solidFill>
+                        <a:effectLst/>
+                        <a:latin typeface="Calibri" panose="020F0502020204030204" pitchFamily="34" charset="0"/>
+                        <a:ea typeface="Calibri" panose="020F0502020204030204" pitchFamily="34" charset="0"/>
+                        <a:cs typeface="Times New Roman" panose="02020603050405020304" pitchFamily="18" charset="0"/>
+                      </a:endParaRPr>
+                    </a:p>
+                  </a:txBody>
+                  <a:tcPr marL="68580" marR="68580" marT="0" marB="0" anchor="ctr"/>
+                </a:tc>
+                <a:extLst>
+                  <a:ext uri="{0D108BD9-81ED-4DB2-BD59-A6C34878D82A}">
+                    <a16:rowId xmlns:a16="http://schemas.microsoft.com/office/drawing/2014/main" val="1606267238"/>
+                  </a:ext>
+                </a:extLst>
+              </a:tr>
+              <a:tr h="249010">
+                <a:tc>
+                  <a:txBody>
+                    <a:bodyPr/>
+                    <a:lstStyle/>
+                    <a:p>
+                      <a:pPr algn="l">
+                        <a:lnSpc>
+                          <a:spcPct val="115000"/>
+                        </a:lnSpc>
+                        <a:spcAft>
+                          <a:spcPts val="0"/>
+                        </a:spcAft>
+                      </a:pPr>
+                      <a:r>
+                        <a:rPr lang="en-GB" sz="1400" dirty="0">
+                          <a:effectLst/>
+                        </a:rPr>
+                        <a:t>Purpose</a:t>
+                      </a:r>
+                      <a:endParaRPr lang="fr-FR" sz="1600" dirty="0">
+                        <a:solidFill>
+                          <a:srgbClr val="000000"/>
+                        </a:solidFill>
+                        <a:effectLst/>
+                        <a:latin typeface="Calibri" panose="020F0502020204030204" pitchFamily="34" charset="0"/>
+                        <a:ea typeface="Calibri" panose="020F0502020204030204" pitchFamily="34" charset="0"/>
+                        <a:cs typeface="Times New Roman" panose="02020603050405020304" pitchFamily="18" charset="0"/>
+                      </a:endParaRPr>
+                    </a:p>
+                  </a:txBody>
+                  <a:tcPr marL="68580" marR="68580" marT="0" marB="0" anchor="ctr"/>
+                </a:tc>
+                <a:tc>
+                  <a:txBody>
+                    <a:bodyPr/>
+                    <a:lstStyle/>
+                    <a:p>
+                      <a:pPr algn="l">
+                        <a:lnSpc>
+                          <a:spcPct val="115000"/>
+                        </a:lnSpc>
+                        <a:spcAft>
+                          <a:spcPts val="0"/>
+                        </a:spcAft>
+                      </a:pPr>
+                      <a:r>
+                        <a:rPr lang="en-GB" sz="1400" dirty="0">
+                          <a:effectLst/>
+                        </a:rPr>
+                        <a:t>This test will check if the Car Management System :</a:t>
+                      </a:r>
+                      <a:endParaRPr lang="fr-FR" sz="1600" dirty="0">
+                        <a:solidFill>
+                          <a:srgbClr val="000000"/>
+                        </a:solidFill>
+                        <a:effectLst/>
+                        <a:latin typeface="Calibri" panose="020F0502020204030204" pitchFamily="34" charset="0"/>
+                        <a:ea typeface="Calibri" panose="020F0502020204030204" pitchFamily="34" charset="0"/>
+                        <a:cs typeface="Times New Roman" panose="02020603050405020304" pitchFamily="18" charset="0"/>
+                      </a:endParaRPr>
+                    </a:p>
+                  </a:txBody>
+                  <a:tcPr marL="68580" marR="68580" marT="0" marB="0" anchor="ctr"/>
+                </a:tc>
+                <a:extLst>
+                  <a:ext uri="{0D108BD9-81ED-4DB2-BD59-A6C34878D82A}">
+                    <a16:rowId xmlns:a16="http://schemas.microsoft.com/office/drawing/2014/main" val="813634162"/>
+                  </a:ext>
+                </a:extLst>
+              </a:tr>
+              <a:tr h="249010">
+                <a:tc>
+                  <a:txBody>
+                    <a:bodyPr/>
+                    <a:lstStyle/>
+                    <a:p>
+                      <a:endParaRPr lang="fr-FR" sz="1400">
+                        <a:solidFill>
+                          <a:srgbClr val="000000"/>
+                        </a:solidFill>
+                        <a:effectLst/>
+                        <a:latin typeface="Cambria" panose="02040503050406030204" pitchFamily="18" charset="0"/>
+                        <a:ea typeface="Times New Roman" panose="02020603050405020304" pitchFamily="18" charset="0"/>
+                        <a:cs typeface="Times New Roman" panose="02020603050405020304" pitchFamily="18" charset="0"/>
+                      </a:endParaRPr>
+                    </a:p>
+                  </a:txBody>
+                  <a:tcPr marL="68580" marR="68580" marT="0" marB="0" anchor="ctr"/>
+                </a:tc>
+                <a:tc>
+                  <a:txBody>
+                    <a:bodyPr/>
+                    <a:lstStyle/>
+                    <a:p>
+                      <a:pPr algn="l">
+                        <a:lnSpc>
+                          <a:spcPct val="115000"/>
+                        </a:lnSpc>
+                        <a:spcAft>
+                          <a:spcPts val="0"/>
+                        </a:spcAft>
+                      </a:pPr>
+                      <a:r>
+                        <a:rPr lang="en-GB" sz="1400" dirty="0">
+                          <a:effectLst/>
+                        </a:rPr>
+                        <a:t>- Know the information about rides and reservations</a:t>
+                      </a:r>
+                      <a:endParaRPr lang="fr-FR" sz="1600" dirty="0">
+                        <a:solidFill>
+                          <a:srgbClr val="000000"/>
+                        </a:solidFill>
+                        <a:effectLst/>
+                        <a:latin typeface="Calibri" panose="020F0502020204030204" pitchFamily="34" charset="0"/>
+                        <a:ea typeface="Calibri" panose="020F0502020204030204" pitchFamily="34" charset="0"/>
+                        <a:cs typeface="Times New Roman" panose="02020603050405020304" pitchFamily="18" charset="0"/>
+                      </a:endParaRPr>
+                    </a:p>
+                  </a:txBody>
+                  <a:tcPr marL="68580" marR="68580" marT="0" marB="0" anchor="ctr"/>
+                </a:tc>
+                <a:extLst>
+                  <a:ext uri="{0D108BD9-81ED-4DB2-BD59-A6C34878D82A}">
+                    <a16:rowId xmlns:a16="http://schemas.microsoft.com/office/drawing/2014/main" val="3502185067"/>
+                  </a:ext>
+                </a:extLst>
+              </a:tr>
+              <a:tr h="249010">
+                <a:tc>
+                  <a:txBody>
+                    <a:bodyPr/>
+                    <a:lstStyle/>
+                    <a:p>
+                      <a:endParaRPr lang="fr-FR" sz="1400">
+                        <a:solidFill>
+                          <a:srgbClr val="000000"/>
+                        </a:solidFill>
+                        <a:effectLst/>
+                        <a:latin typeface="Cambria" panose="02040503050406030204" pitchFamily="18" charset="0"/>
+                        <a:ea typeface="Times New Roman" panose="02020603050405020304" pitchFamily="18" charset="0"/>
+                        <a:cs typeface="Times New Roman" panose="02020603050405020304" pitchFamily="18" charset="0"/>
+                      </a:endParaRPr>
+                    </a:p>
+                  </a:txBody>
+                  <a:tcPr marL="68580" marR="68580" marT="0" marB="0" anchor="ctr"/>
+                </a:tc>
+                <a:tc>
+                  <a:txBody>
+                    <a:bodyPr/>
+                    <a:lstStyle/>
+                    <a:p>
+                      <a:pPr algn="l">
+                        <a:lnSpc>
+                          <a:spcPct val="115000"/>
+                        </a:lnSpc>
+                        <a:spcAft>
+                          <a:spcPts val="0"/>
+                        </a:spcAft>
+                      </a:pPr>
+                      <a:r>
+                        <a:rPr lang="en-GB" sz="1400" dirty="0">
+                          <a:effectLst/>
+                        </a:rPr>
+                        <a:t>- Know the current information about every single car</a:t>
+                      </a:r>
+                      <a:endParaRPr lang="fr-FR" sz="1600" dirty="0">
+                        <a:solidFill>
+                          <a:srgbClr val="000000"/>
+                        </a:solidFill>
+                        <a:effectLst/>
+                        <a:latin typeface="Calibri" panose="020F0502020204030204" pitchFamily="34" charset="0"/>
+                        <a:ea typeface="Calibri" panose="020F0502020204030204" pitchFamily="34" charset="0"/>
+                        <a:cs typeface="Times New Roman" panose="02020603050405020304" pitchFamily="18" charset="0"/>
+                      </a:endParaRPr>
+                    </a:p>
+                  </a:txBody>
+                  <a:tcPr marL="68580" marR="68580" marT="0" marB="0" anchor="ctr"/>
+                </a:tc>
+                <a:extLst>
+                  <a:ext uri="{0D108BD9-81ED-4DB2-BD59-A6C34878D82A}">
+                    <a16:rowId xmlns:a16="http://schemas.microsoft.com/office/drawing/2014/main" val="3074687672"/>
+                  </a:ext>
+                </a:extLst>
+              </a:tr>
+              <a:tr h="249010">
+                <a:tc>
+                  <a:txBody>
+                    <a:bodyPr/>
+                    <a:lstStyle/>
+                    <a:p>
+                      <a:endParaRPr lang="fr-FR" sz="1400">
+                        <a:solidFill>
+                          <a:srgbClr val="000000"/>
+                        </a:solidFill>
+                        <a:effectLst/>
+                        <a:latin typeface="Cambria" panose="02040503050406030204" pitchFamily="18" charset="0"/>
+                        <a:ea typeface="Times New Roman" panose="02020603050405020304" pitchFamily="18" charset="0"/>
+                        <a:cs typeface="Times New Roman" panose="02020603050405020304" pitchFamily="18" charset="0"/>
+                      </a:endParaRPr>
+                    </a:p>
+                  </a:txBody>
+                  <a:tcPr marL="68580" marR="68580" marT="0" marB="0" anchor="ctr"/>
+                </a:tc>
+                <a:tc>
+                  <a:txBody>
+                    <a:bodyPr/>
+                    <a:lstStyle/>
+                    <a:p>
+                      <a:pPr algn="l">
+                        <a:lnSpc>
+                          <a:spcPct val="115000"/>
+                        </a:lnSpc>
+                        <a:spcAft>
+                          <a:spcPts val="0"/>
+                        </a:spcAft>
+                      </a:pPr>
+                      <a:r>
+                        <a:rPr lang="en-GB" sz="1400" dirty="0">
+                          <a:effectLst/>
+                        </a:rPr>
+                        <a:t>- Can use those information to signal problems</a:t>
+                      </a:r>
+                      <a:endParaRPr lang="fr-FR" sz="1600" dirty="0">
+                        <a:solidFill>
+                          <a:srgbClr val="000000"/>
+                        </a:solidFill>
+                        <a:effectLst/>
+                        <a:latin typeface="Calibri" panose="020F0502020204030204" pitchFamily="34" charset="0"/>
+                        <a:ea typeface="Calibri" panose="020F0502020204030204" pitchFamily="34" charset="0"/>
+                        <a:cs typeface="Times New Roman" panose="02020603050405020304" pitchFamily="18" charset="0"/>
+                      </a:endParaRPr>
+                    </a:p>
+                  </a:txBody>
+                  <a:tcPr marL="68580" marR="68580" marT="0" marB="0" anchor="ctr"/>
+                </a:tc>
+                <a:extLst>
+                  <a:ext uri="{0D108BD9-81ED-4DB2-BD59-A6C34878D82A}">
+                    <a16:rowId xmlns:a16="http://schemas.microsoft.com/office/drawing/2014/main" val="4134667510"/>
+                  </a:ext>
+                </a:extLst>
+              </a:tr>
+              <a:tr h="249010">
+                <a:tc>
+                  <a:txBody>
+                    <a:bodyPr/>
+                    <a:lstStyle/>
+                    <a:p>
+                      <a:endParaRPr lang="fr-FR" sz="1400">
+                        <a:solidFill>
+                          <a:srgbClr val="000000"/>
+                        </a:solidFill>
+                        <a:effectLst/>
+                        <a:latin typeface="Cambria" panose="02040503050406030204" pitchFamily="18" charset="0"/>
+                        <a:ea typeface="Times New Roman" panose="02020603050405020304" pitchFamily="18" charset="0"/>
+                        <a:cs typeface="Times New Roman" panose="02020603050405020304" pitchFamily="18" charset="0"/>
+                      </a:endParaRPr>
+                    </a:p>
+                  </a:txBody>
+                  <a:tcPr marL="68580" marR="68580" marT="0" marB="0" anchor="ctr"/>
+                </a:tc>
+                <a:tc>
+                  <a:txBody>
+                    <a:bodyPr/>
+                    <a:lstStyle/>
+                    <a:p>
+                      <a:pPr algn="l">
+                        <a:lnSpc>
+                          <a:spcPct val="115000"/>
+                        </a:lnSpc>
+                        <a:spcAft>
+                          <a:spcPts val="0"/>
+                        </a:spcAft>
+                      </a:pPr>
+                      <a:r>
+                        <a:rPr lang="en-GB" sz="1400" dirty="0">
+                          <a:effectLst/>
+                        </a:rPr>
+                        <a:t>- Can share those information with the persons in charge of the cars</a:t>
+                      </a:r>
+                      <a:endParaRPr lang="fr-FR" sz="1600" dirty="0">
+                        <a:solidFill>
+                          <a:srgbClr val="000000"/>
+                        </a:solidFill>
+                        <a:effectLst/>
+                        <a:latin typeface="Calibri" panose="020F0502020204030204" pitchFamily="34" charset="0"/>
+                        <a:ea typeface="Calibri" panose="020F0502020204030204" pitchFamily="34" charset="0"/>
+                        <a:cs typeface="Times New Roman" panose="02020603050405020304" pitchFamily="18" charset="0"/>
+                      </a:endParaRPr>
+                    </a:p>
+                  </a:txBody>
+                  <a:tcPr marL="68580" marR="68580" marT="0" marB="0" anchor="ctr"/>
+                </a:tc>
+                <a:extLst>
+                  <a:ext uri="{0D108BD9-81ED-4DB2-BD59-A6C34878D82A}">
+                    <a16:rowId xmlns:a16="http://schemas.microsoft.com/office/drawing/2014/main" val="577927315"/>
+                  </a:ext>
+                </a:extLst>
+              </a:tr>
+              <a:tr h="249010">
+                <a:tc>
+                  <a:txBody>
+                    <a:bodyPr/>
+                    <a:lstStyle/>
+                    <a:p>
+                      <a:pPr algn="l">
+                        <a:lnSpc>
+                          <a:spcPct val="115000"/>
+                        </a:lnSpc>
+                        <a:spcAft>
+                          <a:spcPts val="0"/>
+                        </a:spcAft>
+                      </a:pPr>
+                      <a:r>
+                        <a:rPr lang="en-GB" sz="1400">
+                          <a:effectLst/>
+                        </a:rPr>
+                        <a:t>Steps</a:t>
+                      </a:r>
+                      <a:endParaRPr lang="fr-FR" sz="1600">
+                        <a:solidFill>
+                          <a:srgbClr val="000000"/>
+                        </a:solidFill>
+                        <a:effectLst/>
+                        <a:latin typeface="Calibri" panose="020F0502020204030204" pitchFamily="34" charset="0"/>
+                        <a:ea typeface="Calibri" panose="020F0502020204030204" pitchFamily="34" charset="0"/>
+                        <a:cs typeface="Times New Roman" panose="02020603050405020304" pitchFamily="18" charset="0"/>
+                      </a:endParaRPr>
+                    </a:p>
+                  </a:txBody>
+                  <a:tcPr marL="68580" marR="68580" marT="0" marB="0" anchor="ctr"/>
+                </a:tc>
+                <a:tc>
+                  <a:txBody>
+                    <a:bodyPr/>
+                    <a:lstStyle/>
+                    <a:p>
+                      <a:pPr algn="l">
+                        <a:lnSpc>
+                          <a:spcPct val="115000"/>
+                        </a:lnSpc>
+                        <a:spcAft>
+                          <a:spcPts val="0"/>
+                        </a:spcAft>
+                      </a:pPr>
+                      <a:r>
+                        <a:rPr lang="en-GB" sz="1400" dirty="0">
+                          <a:effectLst/>
+                        </a:rPr>
+                        <a:t>I1 → I3, I1-I2 → I6, I1-I3 → I4, I1-I4→ I5</a:t>
+                      </a:r>
+                      <a:endParaRPr lang="fr-FR" sz="1600" dirty="0">
+                        <a:solidFill>
+                          <a:srgbClr val="000000"/>
+                        </a:solidFill>
+                        <a:effectLst/>
+                        <a:latin typeface="Calibri" panose="020F0502020204030204" pitchFamily="34" charset="0"/>
+                        <a:ea typeface="Calibri" panose="020F0502020204030204" pitchFamily="34" charset="0"/>
+                        <a:cs typeface="Times New Roman" panose="02020603050405020304" pitchFamily="18" charset="0"/>
+                      </a:endParaRPr>
+                    </a:p>
+                  </a:txBody>
+                  <a:tcPr marL="68580" marR="68580" marT="0" marB="0" anchor="ctr"/>
+                </a:tc>
+                <a:extLst>
+                  <a:ext uri="{0D108BD9-81ED-4DB2-BD59-A6C34878D82A}">
+                    <a16:rowId xmlns:a16="http://schemas.microsoft.com/office/drawing/2014/main" val="2088665602"/>
+                  </a:ext>
+                </a:extLst>
+              </a:tr>
+            </a:tbl>
+          </a:graphicData>
+        </a:graphic>
+      </p:graphicFrame>
+      <p:sp>
+        <p:nvSpPr>
+          <p:cNvPr id="7" name="Espace réservé de la date 6"/>
+          <p:cNvSpPr>
+            <a:spLocks noGrp="1"/>
+          </p:cNvSpPr>
+          <p:nvPr>
+            <p:ph type="dt" sz="half" idx="10"/>
+          </p:nvPr>
+        </p:nvSpPr>
+        <p:spPr/>
+        <p:txBody>
+          <a:bodyPr/>
+          <a:lstStyle/>
+          <a:p>
+            <a:r>
+              <a:rPr lang="fr-FR"/>
+              <a:t>09/02/2017</a:t>
+            </a:r>
+          </a:p>
+        </p:txBody>
+      </p:sp>
+      <p:sp>
+        <p:nvSpPr>
+          <p:cNvPr id="8" name="Espace réservé du pied de page 7"/>
+          <p:cNvSpPr>
+            <a:spLocks noGrp="1"/>
+          </p:cNvSpPr>
+          <p:nvPr>
+            <p:ph type="ftr" sz="quarter" idx="11"/>
+          </p:nvPr>
+        </p:nvSpPr>
+        <p:spPr/>
+        <p:txBody>
+          <a:bodyPr/>
+          <a:lstStyle/>
+          <a:p>
+            <a:r>
+              <a:rPr lang="fr-FR" dirty="0"/>
+              <a:t>Ramuzat Noëlie - Payelle Vianney - Rigal Rémi</a:t>
+            </a:r>
+          </a:p>
+        </p:txBody>
+      </p:sp>
+      <p:sp>
+        <p:nvSpPr>
+          <p:cNvPr id="9" name="Espace réservé du numéro de diapositive 8"/>
+          <p:cNvSpPr>
+            <a:spLocks noGrp="1"/>
+          </p:cNvSpPr>
+          <p:nvPr>
+            <p:ph type="sldNum" sz="quarter" idx="12"/>
+          </p:nvPr>
+        </p:nvSpPr>
+        <p:spPr/>
+        <p:txBody>
+          <a:bodyPr/>
+          <a:lstStyle/>
+          <a:p>
+            <a:fld id="{0F4F2D8A-7981-4BEB-984F-D56F9068943B}" type="slidenum">
+              <a:rPr lang="fr-FR" smtClean="0"/>
+              <a:t>10</a:t>
+            </a:fld>
+            <a:endParaRPr lang="fr-FR"/>
+          </a:p>
+        </p:txBody>
+      </p:sp>
     </p:spTree>
     <p:extLst>
       <p:ext uri="{BB962C8B-B14F-4D97-AF65-F5344CB8AC3E}">
-        <p14:creationId xmlns:p14="http://schemas.microsoft.com/office/powerpoint/2010/main" val="602294690"/>
+        <p14:creationId xmlns:p14="http://schemas.microsoft.com/office/powerpoint/2010/main" val="831320283"/>
       </p:ext>
     </p:extLst>
   </p:cSld>
@@ -4996,1252 +6661,9 @@
         </p:nvSpPr>
         <p:spPr/>
         <p:txBody>
-          <a:bodyPr/>
-          <a:lstStyle/>
-          <a:p>
-            <a:r>
-              <a:rPr lang="fr-FR" dirty="0"/>
-              <a:t>Test Case/</a:t>
-            </a:r>
-            <a:r>
-              <a:rPr lang="fr-FR" dirty="0" err="1"/>
-              <a:t>Procedure</a:t>
-            </a:r>
-            <a:r>
-              <a:rPr lang="fr-FR" dirty="0"/>
-              <a:t> </a:t>
-            </a:r>
-            <a:r>
-              <a:rPr lang="fr-FR" dirty="0" err="1"/>
-              <a:t>Examples</a:t>
-            </a:r>
-            <a:endParaRPr lang="fr-FR" dirty="0"/>
-          </a:p>
-        </p:txBody>
-      </p:sp>
-      <p:graphicFrame>
-        <p:nvGraphicFramePr>
-          <p:cNvPr id="3" name="Tableau 2"/>
-          <p:cNvGraphicFramePr>
-            <a:graphicFrameLocks noGrp="1"/>
-          </p:cNvGraphicFramePr>
-          <p:nvPr>
-            <p:extLst>
-              <p:ext uri="{D42A27DB-BD31-4B8C-83A1-F6EECF244321}">
-                <p14:modId xmlns:p14="http://schemas.microsoft.com/office/powerpoint/2010/main" val="2672114991"/>
-              </p:ext>
-            </p:extLst>
-          </p:nvPr>
-        </p:nvGraphicFramePr>
-        <p:xfrm>
-          <a:off x="628650" y="1614488"/>
-          <a:ext cx="7886700" cy="2219384"/>
-        </p:xfrm>
-        <a:graphic>
-          <a:graphicData uri="http://schemas.openxmlformats.org/drawingml/2006/table">
-            <a:tbl>
-              <a:tblPr firstRow="1" firstCol="1" bandRow="1">
-                <a:tableStyleId>{B301B821-A1FF-4177-AEE7-76D212191A09}</a:tableStyleId>
-              </a:tblPr>
-              <a:tblGrid>
-                <a:gridCol w="1963548">
-                  <a:extLst>
-                    <a:ext uri="{9D8B030D-6E8A-4147-A177-3AD203B41FA5}">
-                      <a16:colId xmlns:a16="http://schemas.microsoft.com/office/drawing/2014/main" val="2188645712"/>
-                    </a:ext>
-                  </a:extLst>
-                </a:gridCol>
-                <a:gridCol w="5923152">
-                  <a:extLst>
-                    <a:ext uri="{9D8B030D-6E8A-4147-A177-3AD203B41FA5}">
-                      <a16:colId xmlns:a16="http://schemas.microsoft.com/office/drawing/2014/main" val="3498948020"/>
-                    </a:ext>
-                  </a:extLst>
-                </a:gridCol>
-              </a:tblGrid>
-              <a:tr h="249010">
-                <a:tc>
-                  <a:txBody>
-                    <a:bodyPr/>
-                    <a:lstStyle/>
-                    <a:p>
-                      <a:pPr algn="l">
-                        <a:lnSpc>
-                          <a:spcPct val="115000"/>
-                        </a:lnSpc>
-                        <a:spcAft>
-                          <a:spcPts val="0"/>
-                        </a:spcAft>
-                      </a:pPr>
-                      <a:r>
-                        <a:rPr lang="en-GB" sz="1400" dirty="0">
-                          <a:effectLst/>
-                        </a:rPr>
-                        <a:t>Test Case identifier</a:t>
-                      </a:r>
-                      <a:endParaRPr lang="fr-FR" sz="1600" dirty="0">
-                        <a:solidFill>
-                          <a:srgbClr val="000000"/>
-                        </a:solidFill>
-                        <a:effectLst/>
-                        <a:latin typeface="Calibri" panose="020F0502020204030204" pitchFamily="34" charset="0"/>
-                        <a:ea typeface="Calibri" panose="020F0502020204030204" pitchFamily="34" charset="0"/>
-                        <a:cs typeface="Times New Roman" panose="02020603050405020304" pitchFamily="18" charset="0"/>
-                      </a:endParaRPr>
-                    </a:p>
-                  </a:txBody>
-                  <a:tcPr marL="68580" marR="68580" marT="0" marB="0" anchor="ctr"/>
-                </a:tc>
-                <a:tc>
-                  <a:txBody>
-                    <a:bodyPr/>
-                    <a:lstStyle/>
-                    <a:p>
-                      <a:pPr algn="l">
-                        <a:lnSpc>
-                          <a:spcPct val="115000"/>
-                        </a:lnSpc>
-                        <a:spcAft>
-                          <a:spcPts val="0"/>
-                        </a:spcAft>
-                      </a:pPr>
-                      <a:r>
-                        <a:rPr lang="en-GB" sz="1400">
-                          <a:effectLst/>
-                        </a:rPr>
-                        <a:t>I1T1</a:t>
-                      </a:r>
-                      <a:endParaRPr lang="fr-FR" sz="1600">
-                        <a:solidFill>
-                          <a:srgbClr val="000000"/>
-                        </a:solidFill>
-                        <a:effectLst/>
-                        <a:latin typeface="Calibri" panose="020F0502020204030204" pitchFamily="34" charset="0"/>
-                        <a:ea typeface="Calibri" panose="020F0502020204030204" pitchFamily="34" charset="0"/>
-                        <a:cs typeface="Times New Roman" panose="02020603050405020304" pitchFamily="18" charset="0"/>
-                      </a:endParaRPr>
-                    </a:p>
-                  </a:txBody>
-                  <a:tcPr marL="68580" marR="68580" marT="0" marB="0" anchor="ctr"/>
-                </a:tc>
-                <a:extLst>
-                  <a:ext uri="{0D108BD9-81ED-4DB2-BD59-A6C34878D82A}">
-                    <a16:rowId xmlns:a16="http://schemas.microsoft.com/office/drawing/2014/main" val="744492573"/>
-                  </a:ext>
-                </a:extLst>
-              </a:tr>
-              <a:tr h="249010">
-                <a:tc>
-                  <a:txBody>
-                    <a:bodyPr/>
-                    <a:lstStyle/>
-                    <a:p>
-                      <a:pPr algn="l">
-                        <a:lnSpc>
-                          <a:spcPct val="115000"/>
-                        </a:lnSpc>
-                        <a:spcAft>
-                          <a:spcPts val="0"/>
-                        </a:spcAft>
-                      </a:pPr>
-                      <a:r>
-                        <a:rPr lang="en-GB" sz="1400" dirty="0">
-                          <a:effectLst/>
-                        </a:rPr>
-                        <a:t>Items tested</a:t>
-                      </a:r>
-                      <a:endParaRPr lang="fr-FR" sz="1600" dirty="0">
-                        <a:solidFill>
-                          <a:srgbClr val="000000"/>
-                        </a:solidFill>
-                        <a:effectLst/>
-                        <a:latin typeface="Calibri" panose="020F0502020204030204" pitchFamily="34" charset="0"/>
-                        <a:ea typeface="Calibri" panose="020F0502020204030204" pitchFamily="34" charset="0"/>
-                        <a:cs typeface="Times New Roman" panose="02020603050405020304" pitchFamily="18" charset="0"/>
-                      </a:endParaRPr>
-                    </a:p>
-                  </a:txBody>
-                  <a:tcPr marL="68580" marR="68580" marT="0" marB="0" anchor="ctr"/>
-                </a:tc>
-                <a:tc>
-                  <a:txBody>
-                    <a:bodyPr/>
-                    <a:lstStyle/>
-                    <a:p>
-                      <a:pPr algn="l">
-                        <a:lnSpc>
-                          <a:spcPct val="115000"/>
-                        </a:lnSpc>
-                        <a:spcAft>
-                          <a:spcPts val="0"/>
-                        </a:spcAft>
-                      </a:pPr>
-                      <a:r>
-                        <a:rPr lang="en-GB" sz="1400">
-                          <a:effectLst/>
-                        </a:rPr>
-                        <a:t>DBMS → DataAccess Manager</a:t>
-                      </a:r>
-                      <a:endParaRPr lang="fr-FR" sz="1600">
-                        <a:solidFill>
-                          <a:srgbClr val="000000"/>
-                        </a:solidFill>
-                        <a:effectLst/>
-                        <a:latin typeface="Calibri" panose="020F0502020204030204" pitchFamily="34" charset="0"/>
-                        <a:ea typeface="Calibri" panose="020F0502020204030204" pitchFamily="34" charset="0"/>
-                        <a:cs typeface="Times New Roman" panose="02020603050405020304" pitchFamily="18" charset="0"/>
-                      </a:endParaRPr>
-                    </a:p>
-                  </a:txBody>
-                  <a:tcPr marL="68580" marR="68580" marT="0" marB="0" anchor="ctr"/>
-                </a:tc>
-                <a:extLst>
-                  <a:ext uri="{0D108BD9-81ED-4DB2-BD59-A6C34878D82A}">
-                    <a16:rowId xmlns:a16="http://schemas.microsoft.com/office/drawing/2014/main" val="1152691130"/>
-                  </a:ext>
-                </a:extLst>
-              </a:tr>
-              <a:tr h="249010">
-                <a:tc>
-                  <a:txBody>
-                    <a:bodyPr/>
-                    <a:lstStyle/>
-                    <a:p>
-                      <a:pPr algn="l">
-                        <a:lnSpc>
-                          <a:spcPct val="115000"/>
-                        </a:lnSpc>
-                        <a:spcAft>
-                          <a:spcPts val="0"/>
-                        </a:spcAft>
-                      </a:pPr>
-                      <a:r>
-                        <a:rPr lang="en-GB" sz="1400" dirty="0">
-                          <a:effectLst/>
-                        </a:rPr>
-                        <a:t>Input specifications</a:t>
-                      </a:r>
-                      <a:endParaRPr lang="fr-FR" sz="1600" dirty="0">
-                        <a:solidFill>
-                          <a:srgbClr val="000000"/>
-                        </a:solidFill>
-                        <a:effectLst/>
-                        <a:latin typeface="Calibri" panose="020F0502020204030204" pitchFamily="34" charset="0"/>
-                        <a:ea typeface="Calibri" panose="020F0502020204030204" pitchFamily="34" charset="0"/>
-                        <a:cs typeface="Times New Roman" panose="02020603050405020304" pitchFamily="18" charset="0"/>
-                      </a:endParaRPr>
-                    </a:p>
-                  </a:txBody>
-                  <a:tcPr marL="68580" marR="68580" marT="0" marB="0" anchor="ctr"/>
-                </a:tc>
-                <a:tc>
-                  <a:txBody>
-                    <a:bodyPr/>
-                    <a:lstStyle/>
-                    <a:p>
-                      <a:pPr algn="l">
-                        <a:lnSpc>
-                          <a:spcPct val="115000"/>
-                        </a:lnSpc>
-                        <a:spcAft>
-                          <a:spcPts val="0"/>
-                        </a:spcAft>
-                      </a:pPr>
-                      <a:r>
-                        <a:rPr lang="en-GB" sz="1400" dirty="0">
-                          <a:effectLst/>
-                        </a:rPr>
-                        <a:t>DBMS output</a:t>
-                      </a:r>
-                      <a:endParaRPr lang="fr-FR" sz="1600" dirty="0">
-                        <a:solidFill>
-                          <a:srgbClr val="000000"/>
-                        </a:solidFill>
-                        <a:effectLst/>
-                        <a:latin typeface="Calibri" panose="020F0502020204030204" pitchFamily="34" charset="0"/>
-                        <a:ea typeface="Calibri" panose="020F0502020204030204" pitchFamily="34" charset="0"/>
-                        <a:cs typeface="Times New Roman" panose="02020603050405020304" pitchFamily="18" charset="0"/>
-                      </a:endParaRPr>
-                    </a:p>
-                  </a:txBody>
-                  <a:tcPr marL="68580" marR="68580" marT="0" marB="0" anchor="ctr"/>
-                </a:tc>
-                <a:extLst>
-                  <a:ext uri="{0D108BD9-81ED-4DB2-BD59-A6C34878D82A}">
-                    <a16:rowId xmlns:a16="http://schemas.microsoft.com/office/drawing/2014/main" val="3447366171"/>
-                  </a:ext>
-                </a:extLst>
-              </a:tr>
-              <a:tr h="249010">
-                <a:tc>
-                  <a:txBody>
-                    <a:bodyPr/>
-                    <a:lstStyle/>
-                    <a:p>
-                      <a:pPr algn="l">
-                        <a:lnSpc>
-                          <a:spcPct val="115000"/>
-                        </a:lnSpc>
-                        <a:spcAft>
-                          <a:spcPts val="0"/>
-                        </a:spcAft>
-                      </a:pPr>
-                      <a:r>
-                        <a:rPr lang="en-GB" sz="1400" dirty="0">
-                          <a:effectLst/>
-                        </a:rPr>
-                        <a:t>Pass criteria</a:t>
-                      </a:r>
-                      <a:endParaRPr lang="fr-FR" sz="1600" dirty="0">
-                        <a:solidFill>
-                          <a:srgbClr val="000000"/>
-                        </a:solidFill>
-                        <a:effectLst/>
-                        <a:latin typeface="Calibri" panose="020F0502020204030204" pitchFamily="34" charset="0"/>
-                        <a:ea typeface="Calibri" panose="020F0502020204030204" pitchFamily="34" charset="0"/>
-                        <a:cs typeface="Times New Roman" panose="02020603050405020304" pitchFamily="18" charset="0"/>
-                      </a:endParaRPr>
-                    </a:p>
-                  </a:txBody>
-                  <a:tcPr marL="68580" marR="68580" marT="0" marB="0" anchor="ctr"/>
-                </a:tc>
-                <a:tc>
-                  <a:txBody>
-                    <a:bodyPr/>
-                    <a:lstStyle/>
-                    <a:p>
-                      <a:pPr algn="l">
-                        <a:lnSpc>
-                          <a:spcPct val="115000"/>
-                        </a:lnSpc>
-                        <a:spcAft>
-                          <a:spcPts val="0"/>
-                        </a:spcAft>
-                      </a:pPr>
-                      <a:r>
-                        <a:rPr lang="en-GB" sz="1400" dirty="0">
-                          <a:effectLst/>
-                        </a:rPr>
-                        <a:t>- The </a:t>
-                      </a:r>
-                      <a:r>
-                        <a:rPr lang="en-GB" sz="1400" dirty="0" err="1">
-                          <a:effectLst/>
-                        </a:rPr>
-                        <a:t>DataAccess</a:t>
-                      </a:r>
-                      <a:r>
-                        <a:rPr lang="en-GB" sz="1400" dirty="0">
-                          <a:effectLst/>
-                        </a:rPr>
-                        <a:t> Manager check that the data coming in and out are valid</a:t>
-                      </a:r>
-                      <a:endParaRPr lang="fr-FR" sz="1600" dirty="0">
-                        <a:solidFill>
-                          <a:srgbClr val="000000"/>
-                        </a:solidFill>
-                        <a:effectLst/>
-                        <a:latin typeface="Calibri" panose="020F0502020204030204" pitchFamily="34" charset="0"/>
-                        <a:ea typeface="Calibri" panose="020F0502020204030204" pitchFamily="34" charset="0"/>
-                        <a:cs typeface="Times New Roman" panose="02020603050405020304" pitchFamily="18" charset="0"/>
-                      </a:endParaRPr>
-                    </a:p>
-                  </a:txBody>
-                  <a:tcPr marL="68580" marR="68580" marT="0" marB="0" anchor="ctr"/>
-                </a:tc>
-                <a:extLst>
-                  <a:ext uri="{0D108BD9-81ED-4DB2-BD59-A6C34878D82A}">
-                    <a16:rowId xmlns:a16="http://schemas.microsoft.com/office/drawing/2014/main" val="1469429736"/>
-                  </a:ext>
-                </a:extLst>
-              </a:tr>
-              <a:tr h="249010">
-                <a:tc>
-                  <a:txBody>
-                    <a:bodyPr/>
-                    <a:lstStyle/>
-                    <a:p>
-                      <a:pPr algn="l">
-                        <a:lnSpc>
-                          <a:spcPct val="115000"/>
-                        </a:lnSpc>
-                        <a:spcAft>
-                          <a:spcPts val="0"/>
-                        </a:spcAft>
-                      </a:pPr>
-                      <a:r>
-                        <a:rPr lang="en-GB" sz="1400">
-                          <a:effectLst/>
-                        </a:rPr>
-                        <a:t> </a:t>
-                      </a:r>
-                      <a:endParaRPr lang="fr-FR" sz="1600">
-                        <a:solidFill>
-                          <a:srgbClr val="000000"/>
-                        </a:solidFill>
-                        <a:effectLst/>
-                        <a:latin typeface="Calibri" panose="020F0502020204030204" pitchFamily="34" charset="0"/>
-                        <a:ea typeface="Calibri" panose="020F0502020204030204" pitchFamily="34" charset="0"/>
-                        <a:cs typeface="Times New Roman" panose="02020603050405020304" pitchFamily="18" charset="0"/>
-                      </a:endParaRPr>
-                    </a:p>
-                  </a:txBody>
-                  <a:tcPr marL="68580" marR="68580" marT="0" marB="0" anchor="ctr"/>
-                </a:tc>
-                <a:tc>
-                  <a:txBody>
-                    <a:bodyPr/>
-                    <a:lstStyle/>
-                    <a:p>
-                      <a:pPr algn="l">
-                        <a:lnSpc>
-                          <a:spcPct val="115000"/>
-                        </a:lnSpc>
-                        <a:spcAft>
-                          <a:spcPts val="0"/>
-                        </a:spcAft>
-                      </a:pPr>
-                      <a:r>
-                        <a:rPr lang="en-GB" sz="1400" dirty="0">
-                          <a:effectLst/>
-                        </a:rPr>
-                        <a:t>- If the data coming in are valid, check that it calls the right methods</a:t>
-                      </a:r>
-                      <a:endParaRPr lang="fr-FR" sz="1600" dirty="0">
-                        <a:solidFill>
-                          <a:srgbClr val="000000"/>
-                        </a:solidFill>
-                        <a:effectLst/>
-                        <a:latin typeface="Calibri" panose="020F0502020204030204" pitchFamily="34" charset="0"/>
-                        <a:ea typeface="Calibri" panose="020F0502020204030204" pitchFamily="34" charset="0"/>
-                        <a:cs typeface="Times New Roman" panose="02020603050405020304" pitchFamily="18" charset="0"/>
-                      </a:endParaRPr>
-                    </a:p>
-                  </a:txBody>
-                  <a:tcPr marL="68580" marR="68580" marT="0" marB="0" anchor="ctr"/>
-                </a:tc>
-                <a:extLst>
-                  <a:ext uri="{0D108BD9-81ED-4DB2-BD59-A6C34878D82A}">
-                    <a16:rowId xmlns:a16="http://schemas.microsoft.com/office/drawing/2014/main" val="230526802"/>
-                  </a:ext>
-                </a:extLst>
-              </a:tr>
-              <a:tr h="249010">
-                <a:tc>
-                  <a:txBody>
-                    <a:bodyPr/>
-                    <a:lstStyle/>
-                    <a:p>
-                      <a:pPr algn="l">
-                        <a:lnSpc>
-                          <a:spcPct val="115000"/>
-                        </a:lnSpc>
-                        <a:spcAft>
-                          <a:spcPts val="0"/>
-                        </a:spcAft>
-                      </a:pPr>
-                      <a:r>
-                        <a:rPr lang="en-GB" sz="1400">
-                          <a:effectLst/>
-                        </a:rPr>
-                        <a:t> </a:t>
-                      </a:r>
-                      <a:endParaRPr lang="fr-FR" sz="1600">
-                        <a:solidFill>
-                          <a:srgbClr val="000000"/>
-                        </a:solidFill>
-                        <a:effectLst/>
-                        <a:latin typeface="Calibri" panose="020F0502020204030204" pitchFamily="34" charset="0"/>
-                        <a:ea typeface="Calibri" panose="020F0502020204030204" pitchFamily="34" charset="0"/>
-                        <a:cs typeface="Times New Roman" panose="02020603050405020304" pitchFamily="18" charset="0"/>
-                      </a:endParaRPr>
-                    </a:p>
-                  </a:txBody>
-                  <a:tcPr marL="68580" marR="68580" marT="0" marB="0" anchor="ctr"/>
-                </a:tc>
-                <a:tc>
-                  <a:txBody>
-                    <a:bodyPr/>
-                    <a:lstStyle/>
-                    <a:p>
-                      <a:pPr algn="l">
-                        <a:lnSpc>
-                          <a:spcPct val="115000"/>
-                        </a:lnSpc>
-                        <a:spcAft>
-                          <a:spcPts val="0"/>
-                        </a:spcAft>
-                      </a:pPr>
-                      <a:r>
-                        <a:rPr lang="en-GB" sz="1400" dirty="0">
-                          <a:effectLst/>
-                        </a:rPr>
-                        <a:t>- If the data are not valid, signal an error in the process and check that the error has been caught</a:t>
-                      </a:r>
-                      <a:endParaRPr lang="fr-FR" sz="1600" dirty="0">
-                        <a:solidFill>
-                          <a:srgbClr val="000000"/>
-                        </a:solidFill>
-                        <a:effectLst/>
-                        <a:latin typeface="Calibri" panose="020F0502020204030204" pitchFamily="34" charset="0"/>
-                        <a:ea typeface="Calibri" panose="020F0502020204030204" pitchFamily="34" charset="0"/>
-                        <a:cs typeface="Times New Roman" panose="02020603050405020304" pitchFamily="18" charset="0"/>
-                      </a:endParaRPr>
-                    </a:p>
-                  </a:txBody>
-                  <a:tcPr marL="68580" marR="68580" marT="0" marB="0" anchor="ctr"/>
-                </a:tc>
-                <a:extLst>
-                  <a:ext uri="{0D108BD9-81ED-4DB2-BD59-A6C34878D82A}">
-                    <a16:rowId xmlns:a16="http://schemas.microsoft.com/office/drawing/2014/main" val="3083836444"/>
-                  </a:ext>
-                </a:extLst>
-              </a:tr>
-              <a:tr h="249010">
-                <a:tc>
-                  <a:txBody>
-                    <a:bodyPr/>
-                    <a:lstStyle/>
-                    <a:p>
-                      <a:pPr algn="l">
-                        <a:lnSpc>
-                          <a:spcPct val="115000"/>
-                        </a:lnSpc>
-                        <a:spcAft>
-                          <a:spcPts val="0"/>
-                        </a:spcAft>
-                      </a:pPr>
-                      <a:r>
-                        <a:rPr lang="en-GB" sz="1400">
-                          <a:effectLst/>
-                        </a:rPr>
-                        <a:t>Environmental needs</a:t>
-                      </a:r>
-                      <a:endParaRPr lang="fr-FR" sz="1600">
-                        <a:solidFill>
-                          <a:srgbClr val="000000"/>
-                        </a:solidFill>
-                        <a:effectLst/>
-                        <a:latin typeface="Calibri" panose="020F0502020204030204" pitchFamily="34" charset="0"/>
-                        <a:ea typeface="Calibri" panose="020F0502020204030204" pitchFamily="34" charset="0"/>
-                        <a:cs typeface="Times New Roman" panose="02020603050405020304" pitchFamily="18" charset="0"/>
-                      </a:endParaRPr>
-                    </a:p>
-                  </a:txBody>
-                  <a:tcPr marL="68580" marR="68580" marT="0" marB="0" anchor="ctr"/>
-                </a:tc>
-                <a:tc>
-                  <a:txBody>
-                    <a:bodyPr/>
-                    <a:lstStyle/>
-                    <a:p>
-                      <a:pPr algn="l">
-                        <a:lnSpc>
-                          <a:spcPct val="115000"/>
-                        </a:lnSpc>
-                        <a:spcAft>
-                          <a:spcPts val="0"/>
-                        </a:spcAft>
-                      </a:pPr>
-                      <a:r>
-                        <a:rPr lang="en-GB" sz="1400" dirty="0">
-                          <a:effectLst/>
-                        </a:rPr>
-                        <a:t>DBMS driver</a:t>
-                      </a:r>
-                      <a:endParaRPr lang="fr-FR" sz="1600" dirty="0">
-                        <a:solidFill>
-                          <a:srgbClr val="000000"/>
-                        </a:solidFill>
-                        <a:effectLst/>
-                        <a:latin typeface="Calibri" panose="020F0502020204030204" pitchFamily="34" charset="0"/>
-                        <a:ea typeface="Calibri" panose="020F0502020204030204" pitchFamily="34" charset="0"/>
-                        <a:cs typeface="Times New Roman" panose="02020603050405020304" pitchFamily="18" charset="0"/>
-                      </a:endParaRPr>
-                    </a:p>
-                  </a:txBody>
-                  <a:tcPr marL="68580" marR="68580" marT="0" marB="0" anchor="ctr"/>
-                </a:tc>
-                <a:extLst>
-                  <a:ext uri="{0D108BD9-81ED-4DB2-BD59-A6C34878D82A}">
-                    <a16:rowId xmlns:a16="http://schemas.microsoft.com/office/drawing/2014/main" val="2015915334"/>
-                  </a:ext>
-                </a:extLst>
-              </a:tr>
-              <a:tr h="249010">
-                <a:tc>
-                  <a:txBody>
-                    <a:bodyPr/>
-                    <a:lstStyle/>
-                    <a:p>
-                      <a:pPr algn="l">
-                        <a:lnSpc>
-                          <a:spcPct val="115000"/>
-                        </a:lnSpc>
-                        <a:spcAft>
-                          <a:spcPts val="0"/>
-                        </a:spcAft>
-                      </a:pPr>
-                      <a:r>
-                        <a:rPr lang="en-GB" sz="1400">
-                          <a:effectLst/>
-                        </a:rPr>
-                        <a:t>Test Case identifier</a:t>
-                      </a:r>
-                      <a:endParaRPr lang="fr-FR" sz="1600">
-                        <a:solidFill>
-                          <a:srgbClr val="000000"/>
-                        </a:solidFill>
-                        <a:effectLst/>
-                        <a:latin typeface="Calibri" panose="020F0502020204030204" pitchFamily="34" charset="0"/>
-                        <a:ea typeface="Calibri" panose="020F0502020204030204" pitchFamily="34" charset="0"/>
-                        <a:cs typeface="Times New Roman" panose="02020603050405020304" pitchFamily="18" charset="0"/>
-                      </a:endParaRPr>
-                    </a:p>
-                  </a:txBody>
-                  <a:tcPr marL="68580" marR="68580" marT="0" marB="0" anchor="ctr"/>
-                </a:tc>
-                <a:tc>
-                  <a:txBody>
-                    <a:bodyPr/>
-                    <a:lstStyle/>
-                    <a:p>
-                      <a:pPr algn="l">
-                        <a:lnSpc>
-                          <a:spcPct val="115000"/>
-                        </a:lnSpc>
-                        <a:spcAft>
-                          <a:spcPts val="0"/>
-                        </a:spcAft>
-                      </a:pPr>
-                      <a:r>
-                        <a:rPr lang="en-GB" sz="1400" dirty="0">
-                          <a:effectLst/>
-                        </a:rPr>
-                        <a:t>I1T1</a:t>
-                      </a:r>
-                      <a:endParaRPr lang="fr-FR" sz="1600" dirty="0">
-                        <a:solidFill>
-                          <a:srgbClr val="000000"/>
-                        </a:solidFill>
-                        <a:effectLst/>
-                        <a:latin typeface="Calibri" panose="020F0502020204030204" pitchFamily="34" charset="0"/>
-                        <a:ea typeface="Calibri" panose="020F0502020204030204" pitchFamily="34" charset="0"/>
-                        <a:cs typeface="Times New Roman" panose="02020603050405020304" pitchFamily="18" charset="0"/>
-                      </a:endParaRPr>
-                    </a:p>
-                  </a:txBody>
-                  <a:tcPr marL="68580" marR="68580" marT="0" marB="0" anchor="ctr"/>
-                </a:tc>
-                <a:extLst>
-                  <a:ext uri="{0D108BD9-81ED-4DB2-BD59-A6C34878D82A}">
-                    <a16:rowId xmlns:a16="http://schemas.microsoft.com/office/drawing/2014/main" val="3799784201"/>
-                  </a:ext>
-                </a:extLst>
-              </a:tr>
-            </a:tbl>
-          </a:graphicData>
-        </a:graphic>
-      </p:graphicFrame>
-      <p:graphicFrame>
-        <p:nvGraphicFramePr>
-          <p:cNvPr id="4" name="Tableau 3"/>
-          <p:cNvGraphicFramePr>
-            <a:graphicFrameLocks noGrp="1"/>
-          </p:cNvGraphicFramePr>
-          <p:nvPr>
-            <p:extLst>
-              <p:ext uri="{D42A27DB-BD31-4B8C-83A1-F6EECF244321}">
-                <p14:modId xmlns:p14="http://schemas.microsoft.com/office/powerpoint/2010/main" val="179491151"/>
-              </p:ext>
-            </p:extLst>
-          </p:nvPr>
-        </p:nvGraphicFramePr>
-        <p:xfrm>
-          <a:off x="628650" y="4183009"/>
-          <a:ext cx="7886700" cy="1992080"/>
-        </p:xfrm>
-        <a:graphic>
-          <a:graphicData uri="http://schemas.openxmlformats.org/drawingml/2006/table">
-            <a:tbl>
-              <a:tblPr firstRow="1" firstCol="1" bandRow="1">
-                <a:tableStyleId>{B301B821-A1FF-4177-AEE7-76D212191A09}</a:tableStyleId>
-              </a:tblPr>
-              <a:tblGrid>
-                <a:gridCol w="1963548">
-                  <a:extLst>
-                    <a:ext uri="{9D8B030D-6E8A-4147-A177-3AD203B41FA5}">
-                      <a16:colId xmlns:a16="http://schemas.microsoft.com/office/drawing/2014/main" val="2765281"/>
-                    </a:ext>
-                  </a:extLst>
-                </a:gridCol>
-                <a:gridCol w="5923152">
-                  <a:extLst>
-                    <a:ext uri="{9D8B030D-6E8A-4147-A177-3AD203B41FA5}">
-                      <a16:colId xmlns:a16="http://schemas.microsoft.com/office/drawing/2014/main" val="893357130"/>
-                    </a:ext>
-                  </a:extLst>
-                </a:gridCol>
-              </a:tblGrid>
-              <a:tr h="249010">
-                <a:tc>
-                  <a:txBody>
-                    <a:bodyPr/>
-                    <a:lstStyle/>
-                    <a:p>
-                      <a:pPr algn="l">
-                        <a:lnSpc>
-                          <a:spcPct val="115000"/>
-                        </a:lnSpc>
-                        <a:spcAft>
-                          <a:spcPts val="0"/>
-                        </a:spcAft>
-                      </a:pPr>
-                      <a:r>
-                        <a:rPr lang="en-GB" sz="1400" dirty="0">
-                          <a:effectLst/>
-                        </a:rPr>
-                        <a:t>Test Procedure identifier</a:t>
-                      </a:r>
-                      <a:endParaRPr lang="fr-FR" sz="1600" dirty="0">
-                        <a:solidFill>
-                          <a:srgbClr val="000000"/>
-                        </a:solidFill>
-                        <a:effectLst/>
-                        <a:latin typeface="Calibri" panose="020F0502020204030204" pitchFamily="34" charset="0"/>
-                        <a:ea typeface="Calibri" panose="020F0502020204030204" pitchFamily="34" charset="0"/>
-                        <a:cs typeface="Times New Roman" panose="02020603050405020304" pitchFamily="18" charset="0"/>
-                      </a:endParaRPr>
-                    </a:p>
-                  </a:txBody>
-                  <a:tcPr marL="68580" marR="68580" marT="0" marB="0" anchor="ctr"/>
-                </a:tc>
-                <a:tc>
-                  <a:txBody>
-                    <a:bodyPr/>
-                    <a:lstStyle/>
-                    <a:p>
-                      <a:pPr algn="l">
-                        <a:lnSpc>
-                          <a:spcPct val="115000"/>
-                        </a:lnSpc>
-                        <a:spcAft>
-                          <a:spcPts val="0"/>
-                        </a:spcAft>
-                      </a:pPr>
-                      <a:r>
-                        <a:rPr lang="en-GB" sz="1400" dirty="0">
-                          <a:effectLst/>
-                        </a:rPr>
-                        <a:t>TP3</a:t>
-                      </a:r>
-                      <a:endParaRPr lang="fr-FR" sz="1600" dirty="0">
-                        <a:solidFill>
-                          <a:srgbClr val="000000"/>
-                        </a:solidFill>
-                        <a:effectLst/>
-                        <a:latin typeface="Calibri" panose="020F0502020204030204" pitchFamily="34" charset="0"/>
-                        <a:ea typeface="Calibri" panose="020F0502020204030204" pitchFamily="34" charset="0"/>
-                        <a:cs typeface="Times New Roman" panose="02020603050405020304" pitchFamily="18" charset="0"/>
-                      </a:endParaRPr>
-                    </a:p>
-                  </a:txBody>
-                  <a:tcPr marL="68580" marR="68580" marT="0" marB="0" anchor="ctr"/>
-                </a:tc>
-                <a:extLst>
-                  <a:ext uri="{0D108BD9-81ED-4DB2-BD59-A6C34878D82A}">
-                    <a16:rowId xmlns:a16="http://schemas.microsoft.com/office/drawing/2014/main" val="574207624"/>
-                  </a:ext>
-                </a:extLst>
-              </a:tr>
-              <a:tr h="249010">
-                <a:tc>
-                  <a:txBody>
-                    <a:bodyPr/>
-                    <a:lstStyle/>
-                    <a:p>
-                      <a:pPr algn="l">
-                        <a:lnSpc>
-                          <a:spcPct val="115000"/>
-                        </a:lnSpc>
-                        <a:spcAft>
-                          <a:spcPts val="0"/>
-                        </a:spcAft>
-                      </a:pPr>
-                      <a:r>
-                        <a:rPr lang="en-GB" sz="1400" dirty="0">
-                          <a:effectLst/>
-                        </a:rPr>
-                        <a:t>Item to test</a:t>
-                      </a:r>
-                      <a:endParaRPr lang="fr-FR" sz="1600" dirty="0">
-                        <a:solidFill>
-                          <a:srgbClr val="000000"/>
-                        </a:solidFill>
-                        <a:effectLst/>
-                        <a:latin typeface="Calibri" panose="020F0502020204030204" pitchFamily="34" charset="0"/>
-                        <a:ea typeface="Calibri" panose="020F0502020204030204" pitchFamily="34" charset="0"/>
-                        <a:cs typeface="Times New Roman" panose="02020603050405020304" pitchFamily="18" charset="0"/>
-                      </a:endParaRPr>
-                    </a:p>
-                  </a:txBody>
-                  <a:tcPr marL="68580" marR="68580" marT="0" marB="0" anchor="ctr"/>
-                </a:tc>
-                <a:tc>
-                  <a:txBody>
-                    <a:bodyPr/>
-                    <a:lstStyle/>
-                    <a:p>
-                      <a:pPr algn="l">
-                        <a:lnSpc>
-                          <a:spcPct val="115000"/>
-                        </a:lnSpc>
-                        <a:spcAft>
-                          <a:spcPts val="0"/>
-                        </a:spcAft>
-                      </a:pPr>
-                      <a:r>
-                        <a:rPr lang="en-GB" sz="1400" dirty="0">
-                          <a:effectLst/>
-                        </a:rPr>
-                        <a:t>Car Management System</a:t>
-                      </a:r>
-                      <a:endParaRPr lang="fr-FR" sz="1600" dirty="0">
-                        <a:solidFill>
-                          <a:srgbClr val="000000"/>
-                        </a:solidFill>
-                        <a:effectLst/>
-                        <a:latin typeface="Calibri" panose="020F0502020204030204" pitchFamily="34" charset="0"/>
-                        <a:ea typeface="Calibri" panose="020F0502020204030204" pitchFamily="34" charset="0"/>
-                        <a:cs typeface="Times New Roman" panose="02020603050405020304" pitchFamily="18" charset="0"/>
-                      </a:endParaRPr>
-                    </a:p>
-                  </a:txBody>
-                  <a:tcPr marL="68580" marR="68580" marT="0" marB="0" anchor="ctr"/>
-                </a:tc>
-                <a:extLst>
-                  <a:ext uri="{0D108BD9-81ED-4DB2-BD59-A6C34878D82A}">
-                    <a16:rowId xmlns:a16="http://schemas.microsoft.com/office/drawing/2014/main" val="1606267238"/>
-                  </a:ext>
-                </a:extLst>
-              </a:tr>
-              <a:tr h="249010">
-                <a:tc>
-                  <a:txBody>
-                    <a:bodyPr/>
-                    <a:lstStyle/>
-                    <a:p>
-                      <a:pPr algn="l">
-                        <a:lnSpc>
-                          <a:spcPct val="115000"/>
-                        </a:lnSpc>
-                        <a:spcAft>
-                          <a:spcPts val="0"/>
-                        </a:spcAft>
-                      </a:pPr>
-                      <a:r>
-                        <a:rPr lang="en-GB" sz="1400" dirty="0">
-                          <a:effectLst/>
-                        </a:rPr>
-                        <a:t>Purpose</a:t>
-                      </a:r>
-                      <a:endParaRPr lang="fr-FR" sz="1600" dirty="0">
-                        <a:solidFill>
-                          <a:srgbClr val="000000"/>
-                        </a:solidFill>
-                        <a:effectLst/>
-                        <a:latin typeface="Calibri" panose="020F0502020204030204" pitchFamily="34" charset="0"/>
-                        <a:ea typeface="Calibri" panose="020F0502020204030204" pitchFamily="34" charset="0"/>
-                        <a:cs typeface="Times New Roman" panose="02020603050405020304" pitchFamily="18" charset="0"/>
-                      </a:endParaRPr>
-                    </a:p>
-                  </a:txBody>
-                  <a:tcPr marL="68580" marR="68580" marT="0" marB="0" anchor="ctr"/>
-                </a:tc>
-                <a:tc>
-                  <a:txBody>
-                    <a:bodyPr/>
-                    <a:lstStyle/>
-                    <a:p>
-                      <a:pPr algn="l">
-                        <a:lnSpc>
-                          <a:spcPct val="115000"/>
-                        </a:lnSpc>
-                        <a:spcAft>
-                          <a:spcPts val="0"/>
-                        </a:spcAft>
-                      </a:pPr>
-                      <a:r>
-                        <a:rPr lang="en-GB" sz="1400" dirty="0">
-                          <a:effectLst/>
-                        </a:rPr>
-                        <a:t>This test will check if the Car Management System :</a:t>
-                      </a:r>
-                      <a:endParaRPr lang="fr-FR" sz="1600" dirty="0">
-                        <a:solidFill>
-                          <a:srgbClr val="000000"/>
-                        </a:solidFill>
-                        <a:effectLst/>
-                        <a:latin typeface="Calibri" panose="020F0502020204030204" pitchFamily="34" charset="0"/>
-                        <a:ea typeface="Calibri" panose="020F0502020204030204" pitchFamily="34" charset="0"/>
-                        <a:cs typeface="Times New Roman" panose="02020603050405020304" pitchFamily="18" charset="0"/>
-                      </a:endParaRPr>
-                    </a:p>
-                  </a:txBody>
-                  <a:tcPr marL="68580" marR="68580" marT="0" marB="0" anchor="ctr"/>
-                </a:tc>
-                <a:extLst>
-                  <a:ext uri="{0D108BD9-81ED-4DB2-BD59-A6C34878D82A}">
-                    <a16:rowId xmlns:a16="http://schemas.microsoft.com/office/drawing/2014/main" val="813634162"/>
-                  </a:ext>
-                </a:extLst>
-              </a:tr>
-              <a:tr h="249010">
-                <a:tc>
-                  <a:txBody>
-                    <a:bodyPr/>
-                    <a:lstStyle/>
-                    <a:p>
-                      <a:endParaRPr lang="fr-FR" sz="1400">
-                        <a:solidFill>
-                          <a:srgbClr val="000000"/>
-                        </a:solidFill>
-                        <a:effectLst/>
-                        <a:latin typeface="Cambria" panose="02040503050406030204" pitchFamily="18" charset="0"/>
-                        <a:ea typeface="Times New Roman" panose="02020603050405020304" pitchFamily="18" charset="0"/>
-                        <a:cs typeface="Times New Roman" panose="02020603050405020304" pitchFamily="18" charset="0"/>
-                      </a:endParaRPr>
-                    </a:p>
-                  </a:txBody>
-                  <a:tcPr marL="68580" marR="68580" marT="0" marB="0" anchor="ctr"/>
-                </a:tc>
-                <a:tc>
-                  <a:txBody>
-                    <a:bodyPr/>
-                    <a:lstStyle/>
-                    <a:p>
-                      <a:pPr algn="l">
-                        <a:lnSpc>
-                          <a:spcPct val="115000"/>
-                        </a:lnSpc>
-                        <a:spcAft>
-                          <a:spcPts val="0"/>
-                        </a:spcAft>
-                      </a:pPr>
-                      <a:r>
-                        <a:rPr lang="en-GB" sz="1400" dirty="0">
-                          <a:effectLst/>
-                        </a:rPr>
-                        <a:t>- Know the information about rides and reservations</a:t>
-                      </a:r>
-                      <a:endParaRPr lang="fr-FR" sz="1600" dirty="0">
-                        <a:solidFill>
-                          <a:srgbClr val="000000"/>
-                        </a:solidFill>
-                        <a:effectLst/>
-                        <a:latin typeface="Calibri" panose="020F0502020204030204" pitchFamily="34" charset="0"/>
-                        <a:ea typeface="Calibri" panose="020F0502020204030204" pitchFamily="34" charset="0"/>
-                        <a:cs typeface="Times New Roman" panose="02020603050405020304" pitchFamily="18" charset="0"/>
-                      </a:endParaRPr>
-                    </a:p>
-                  </a:txBody>
-                  <a:tcPr marL="68580" marR="68580" marT="0" marB="0" anchor="ctr"/>
-                </a:tc>
-                <a:extLst>
-                  <a:ext uri="{0D108BD9-81ED-4DB2-BD59-A6C34878D82A}">
-                    <a16:rowId xmlns:a16="http://schemas.microsoft.com/office/drawing/2014/main" val="3502185067"/>
-                  </a:ext>
-                </a:extLst>
-              </a:tr>
-              <a:tr h="249010">
-                <a:tc>
-                  <a:txBody>
-                    <a:bodyPr/>
-                    <a:lstStyle/>
-                    <a:p>
-                      <a:endParaRPr lang="fr-FR" sz="1400">
-                        <a:solidFill>
-                          <a:srgbClr val="000000"/>
-                        </a:solidFill>
-                        <a:effectLst/>
-                        <a:latin typeface="Cambria" panose="02040503050406030204" pitchFamily="18" charset="0"/>
-                        <a:ea typeface="Times New Roman" panose="02020603050405020304" pitchFamily="18" charset="0"/>
-                        <a:cs typeface="Times New Roman" panose="02020603050405020304" pitchFamily="18" charset="0"/>
-                      </a:endParaRPr>
-                    </a:p>
-                  </a:txBody>
-                  <a:tcPr marL="68580" marR="68580" marT="0" marB="0" anchor="ctr"/>
-                </a:tc>
-                <a:tc>
-                  <a:txBody>
-                    <a:bodyPr/>
-                    <a:lstStyle/>
-                    <a:p>
-                      <a:pPr algn="l">
-                        <a:lnSpc>
-                          <a:spcPct val="115000"/>
-                        </a:lnSpc>
-                        <a:spcAft>
-                          <a:spcPts val="0"/>
-                        </a:spcAft>
-                      </a:pPr>
-                      <a:r>
-                        <a:rPr lang="en-GB" sz="1400" dirty="0">
-                          <a:effectLst/>
-                        </a:rPr>
-                        <a:t>- Know the current information about every single car</a:t>
-                      </a:r>
-                      <a:endParaRPr lang="fr-FR" sz="1600" dirty="0">
-                        <a:solidFill>
-                          <a:srgbClr val="000000"/>
-                        </a:solidFill>
-                        <a:effectLst/>
-                        <a:latin typeface="Calibri" panose="020F0502020204030204" pitchFamily="34" charset="0"/>
-                        <a:ea typeface="Calibri" panose="020F0502020204030204" pitchFamily="34" charset="0"/>
-                        <a:cs typeface="Times New Roman" panose="02020603050405020304" pitchFamily="18" charset="0"/>
-                      </a:endParaRPr>
-                    </a:p>
-                  </a:txBody>
-                  <a:tcPr marL="68580" marR="68580" marT="0" marB="0" anchor="ctr"/>
-                </a:tc>
-                <a:extLst>
-                  <a:ext uri="{0D108BD9-81ED-4DB2-BD59-A6C34878D82A}">
-                    <a16:rowId xmlns:a16="http://schemas.microsoft.com/office/drawing/2014/main" val="3074687672"/>
-                  </a:ext>
-                </a:extLst>
-              </a:tr>
-              <a:tr h="249010">
-                <a:tc>
-                  <a:txBody>
-                    <a:bodyPr/>
-                    <a:lstStyle/>
-                    <a:p>
-                      <a:endParaRPr lang="fr-FR" sz="1400">
-                        <a:solidFill>
-                          <a:srgbClr val="000000"/>
-                        </a:solidFill>
-                        <a:effectLst/>
-                        <a:latin typeface="Cambria" panose="02040503050406030204" pitchFamily="18" charset="0"/>
-                        <a:ea typeface="Times New Roman" panose="02020603050405020304" pitchFamily="18" charset="0"/>
-                        <a:cs typeface="Times New Roman" panose="02020603050405020304" pitchFamily="18" charset="0"/>
-                      </a:endParaRPr>
-                    </a:p>
-                  </a:txBody>
-                  <a:tcPr marL="68580" marR="68580" marT="0" marB="0" anchor="ctr"/>
-                </a:tc>
-                <a:tc>
-                  <a:txBody>
-                    <a:bodyPr/>
-                    <a:lstStyle/>
-                    <a:p>
-                      <a:pPr algn="l">
-                        <a:lnSpc>
-                          <a:spcPct val="115000"/>
-                        </a:lnSpc>
-                        <a:spcAft>
-                          <a:spcPts val="0"/>
-                        </a:spcAft>
-                      </a:pPr>
-                      <a:r>
-                        <a:rPr lang="en-GB" sz="1400" dirty="0">
-                          <a:effectLst/>
-                        </a:rPr>
-                        <a:t>- Can use those information to signal problems</a:t>
-                      </a:r>
-                      <a:endParaRPr lang="fr-FR" sz="1600" dirty="0">
-                        <a:solidFill>
-                          <a:srgbClr val="000000"/>
-                        </a:solidFill>
-                        <a:effectLst/>
-                        <a:latin typeface="Calibri" panose="020F0502020204030204" pitchFamily="34" charset="0"/>
-                        <a:ea typeface="Calibri" panose="020F0502020204030204" pitchFamily="34" charset="0"/>
-                        <a:cs typeface="Times New Roman" panose="02020603050405020304" pitchFamily="18" charset="0"/>
-                      </a:endParaRPr>
-                    </a:p>
-                  </a:txBody>
-                  <a:tcPr marL="68580" marR="68580" marT="0" marB="0" anchor="ctr"/>
-                </a:tc>
-                <a:extLst>
-                  <a:ext uri="{0D108BD9-81ED-4DB2-BD59-A6C34878D82A}">
-                    <a16:rowId xmlns:a16="http://schemas.microsoft.com/office/drawing/2014/main" val="4134667510"/>
-                  </a:ext>
-                </a:extLst>
-              </a:tr>
-              <a:tr h="249010">
-                <a:tc>
-                  <a:txBody>
-                    <a:bodyPr/>
-                    <a:lstStyle/>
-                    <a:p>
-                      <a:endParaRPr lang="fr-FR" sz="1400">
-                        <a:solidFill>
-                          <a:srgbClr val="000000"/>
-                        </a:solidFill>
-                        <a:effectLst/>
-                        <a:latin typeface="Cambria" panose="02040503050406030204" pitchFamily="18" charset="0"/>
-                        <a:ea typeface="Times New Roman" panose="02020603050405020304" pitchFamily="18" charset="0"/>
-                        <a:cs typeface="Times New Roman" panose="02020603050405020304" pitchFamily="18" charset="0"/>
-                      </a:endParaRPr>
-                    </a:p>
-                  </a:txBody>
-                  <a:tcPr marL="68580" marR="68580" marT="0" marB="0" anchor="ctr"/>
-                </a:tc>
-                <a:tc>
-                  <a:txBody>
-                    <a:bodyPr/>
-                    <a:lstStyle/>
-                    <a:p>
-                      <a:pPr algn="l">
-                        <a:lnSpc>
-                          <a:spcPct val="115000"/>
-                        </a:lnSpc>
-                        <a:spcAft>
-                          <a:spcPts val="0"/>
-                        </a:spcAft>
-                      </a:pPr>
-                      <a:r>
-                        <a:rPr lang="en-GB" sz="1400" dirty="0">
-                          <a:effectLst/>
-                        </a:rPr>
-                        <a:t>- Can share those information with the persons in charge of the cars</a:t>
-                      </a:r>
-                      <a:endParaRPr lang="fr-FR" sz="1600" dirty="0">
-                        <a:solidFill>
-                          <a:srgbClr val="000000"/>
-                        </a:solidFill>
-                        <a:effectLst/>
-                        <a:latin typeface="Calibri" panose="020F0502020204030204" pitchFamily="34" charset="0"/>
-                        <a:ea typeface="Calibri" panose="020F0502020204030204" pitchFamily="34" charset="0"/>
-                        <a:cs typeface="Times New Roman" panose="02020603050405020304" pitchFamily="18" charset="0"/>
-                      </a:endParaRPr>
-                    </a:p>
-                  </a:txBody>
-                  <a:tcPr marL="68580" marR="68580" marT="0" marB="0" anchor="ctr"/>
-                </a:tc>
-                <a:extLst>
-                  <a:ext uri="{0D108BD9-81ED-4DB2-BD59-A6C34878D82A}">
-                    <a16:rowId xmlns:a16="http://schemas.microsoft.com/office/drawing/2014/main" val="577927315"/>
-                  </a:ext>
-                </a:extLst>
-              </a:tr>
-              <a:tr h="249010">
-                <a:tc>
-                  <a:txBody>
-                    <a:bodyPr/>
-                    <a:lstStyle/>
-                    <a:p>
-                      <a:pPr algn="l">
-                        <a:lnSpc>
-                          <a:spcPct val="115000"/>
-                        </a:lnSpc>
-                        <a:spcAft>
-                          <a:spcPts val="0"/>
-                        </a:spcAft>
-                      </a:pPr>
-                      <a:r>
-                        <a:rPr lang="en-GB" sz="1400">
-                          <a:effectLst/>
-                        </a:rPr>
-                        <a:t>Steps</a:t>
-                      </a:r>
-                      <a:endParaRPr lang="fr-FR" sz="1600">
-                        <a:solidFill>
-                          <a:srgbClr val="000000"/>
-                        </a:solidFill>
-                        <a:effectLst/>
-                        <a:latin typeface="Calibri" panose="020F0502020204030204" pitchFamily="34" charset="0"/>
-                        <a:ea typeface="Calibri" panose="020F0502020204030204" pitchFamily="34" charset="0"/>
-                        <a:cs typeface="Times New Roman" panose="02020603050405020304" pitchFamily="18" charset="0"/>
-                      </a:endParaRPr>
-                    </a:p>
-                  </a:txBody>
-                  <a:tcPr marL="68580" marR="68580" marT="0" marB="0" anchor="ctr"/>
-                </a:tc>
-                <a:tc>
-                  <a:txBody>
-                    <a:bodyPr/>
-                    <a:lstStyle/>
-                    <a:p>
-                      <a:pPr algn="l">
-                        <a:lnSpc>
-                          <a:spcPct val="115000"/>
-                        </a:lnSpc>
-                        <a:spcAft>
-                          <a:spcPts val="0"/>
-                        </a:spcAft>
-                      </a:pPr>
-                      <a:r>
-                        <a:rPr lang="en-GB" sz="1400" dirty="0">
-                          <a:effectLst/>
-                        </a:rPr>
-                        <a:t>I1 → I3, I1-I2 → I6, I1-I3 → I4, I1-I4→ I5</a:t>
-                      </a:r>
-                      <a:endParaRPr lang="fr-FR" sz="1600" dirty="0">
-                        <a:solidFill>
-                          <a:srgbClr val="000000"/>
-                        </a:solidFill>
-                        <a:effectLst/>
-                        <a:latin typeface="Calibri" panose="020F0502020204030204" pitchFamily="34" charset="0"/>
-                        <a:ea typeface="Calibri" panose="020F0502020204030204" pitchFamily="34" charset="0"/>
-                        <a:cs typeface="Times New Roman" panose="02020603050405020304" pitchFamily="18" charset="0"/>
-                      </a:endParaRPr>
-                    </a:p>
-                  </a:txBody>
-                  <a:tcPr marL="68580" marR="68580" marT="0" marB="0" anchor="ctr"/>
-                </a:tc>
-                <a:extLst>
-                  <a:ext uri="{0D108BD9-81ED-4DB2-BD59-A6C34878D82A}">
-                    <a16:rowId xmlns:a16="http://schemas.microsoft.com/office/drawing/2014/main" val="2088665602"/>
-                  </a:ext>
-                </a:extLst>
-              </a:tr>
-            </a:tbl>
-          </a:graphicData>
-        </a:graphic>
-      </p:graphicFrame>
-    </p:spTree>
-    <p:extLst>
-      <p:ext uri="{BB962C8B-B14F-4D97-AF65-F5344CB8AC3E}">
-        <p14:creationId xmlns:p14="http://schemas.microsoft.com/office/powerpoint/2010/main" val="831320283"/>
-      </p:ext>
-    </p:extLst>
-  </p:cSld>
-  <p:clrMapOvr>
-    <a:masterClrMapping/>
-  </p:clrMapOvr>
-</p:sld>
-</file>
-
-<file path=ppt/slides/slide12.xml><?xml version="1.0" encoding="utf-8"?>
-<p:sld xmlns:a="http://schemas.openxmlformats.org/drawingml/2006/main" xmlns:r="http://schemas.openxmlformats.org/officeDocument/2006/relationships" xmlns:p="http://schemas.openxmlformats.org/presentationml/2006/main">
-  <p:cSld>
-    <p:spTree>
-      <p:nvGrpSpPr>
-        <p:cNvPr id="1" name=""/>
-        <p:cNvGrpSpPr/>
-        <p:nvPr/>
-      </p:nvGrpSpPr>
-      <p:grpSpPr>
-        <a:xfrm>
-          <a:off x="0" y="0"/>
-          <a:ext cx="0" cy="0"/>
-          <a:chOff x="0" y="0"/>
-          <a:chExt cx="0" cy="0"/>
-        </a:xfrm>
-      </p:grpSpPr>
-      <p:sp>
-        <p:nvSpPr>
-          <p:cNvPr id="2" name="Titre 1"/>
-          <p:cNvSpPr>
-            <a:spLocks noGrp="1"/>
-          </p:cNvSpPr>
-          <p:nvPr>
-            <p:ph type="title"/>
-          </p:nvPr>
-        </p:nvSpPr>
-        <p:spPr/>
-        <p:txBody>
-          <a:bodyPr/>
+          <a:bodyPr>
+            <a:normAutofit fontScale="90000"/>
+          </a:bodyPr>
           <a:lstStyle/>
           <a:p>
             <a:r>
@@ -6250,7 +6672,7 @@
             </a:r>
             <a:r>
               <a:rPr lang="fr-FR" dirty="0"/>
-              <a:t> – </a:t>
+              <a:t> II – </a:t>
             </a:r>
             <a:r>
               <a:rPr lang="fr-FR" dirty="0" err="1"/>
@@ -6272,14 +6694,14 @@
           <p:nvPr>
             <p:extLst>
               <p:ext uri="{D42A27DB-BD31-4B8C-83A1-F6EECF244321}">
-                <p14:modId xmlns:p14="http://schemas.microsoft.com/office/powerpoint/2010/main" val="727519315"/>
+                <p14:modId xmlns:p14="http://schemas.microsoft.com/office/powerpoint/2010/main" val="2790434589"/>
               </p:ext>
             </p:extLst>
           </p:nvPr>
         </p:nvGraphicFramePr>
         <p:xfrm>
-          <a:off x="628650" y="1948543"/>
-          <a:ext cx="7886700" cy="2311931"/>
+          <a:off x="628650" y="1682315"/>
+          <a:ext cx="7886700" cy="2320434"/>
         </p:xfrm>
         <a:graphic>
           <a:graphicData uri="http://schemas.openxmlformats.org/drawingml/2006/table">
@@ -7398,13 +7820,13 @@
           <p:nvPr>
             <p:extLst>
               <p:ext uri="{D42A27DB-BD31-4B8C-83A1-F6EECF244321}">
-                <p14:modId xmlns:p14="http://schemas.microsoft.com/office/powerpoint/2010/main" val="1020315719"/>
+                <p14:modId xmlns:p14="http://schemas.microsoft.com/office/powerpoint/2010/main" val="3480050383"/>
               </p:ext>
             </p:extLst>
           </p:nvPr>
         </p:nvGraphicFramePr>
         <p:xfrm>
-          <a:off x="628650" y="4865914"/>
+          <a:off x="628650" y="4587240"/>
           <a:ext cx="7886700" cy="698932"/>
         </p:xfrm>
         <a:graphic>
@@ -7575,6 +7997,73 @@
           </a:graphicData>
         </a:graphic>
       </p:graphicFrame>
+      <p:sp>
+        <p:nvSpPr>
+          <p:cNvPr id="7" name="Espace réservé de la date 6"/>
+          <p:cNvSpPr>
+            <a:spLocks noGrp="1"/>
+          </p:cNvSpPr>
+          <p:nvPr>
+            <p:ph type="dt" sz="half" idx="10"/>
+          </p:nvPr>
+        </p:nvSpPr>
+        <p:spPr/>
+        <p:txBody>
+          <a:bodyPr/>
+          <a:lstStyle/>
+          <a:p>
+            <a:r>
+              <a:rPr lang="fr-FR"/>
+              <a:t>09/02/2017</a:t>
+            </a:r>
+          </a:p>
+        </p:txBody>
+      </p:sp>
+      <p:sp>
+        <p:nvSpPr>
+          <p:cNvPr id="8" name="Espace réservé du pied de page 7"/>
+          <p:cNvSpPr>
+            <a:spLocks noGrp="1"/>
+          </p:cNvSpPr>
+          <p:nvPr>
+            <p:ph type="ftr" sz="quarter" idx="11"/>
+          </p:nvPr>
+        </p:nvSpPr>
+        <p:spPr/>
+        <p:txBody>
+          <a:bodyPr/>
+          <a:lstStyle/>
+          <a:p>
+            <a:r>
+              <a:rPr lang="fr-FR" dirty="0"/>
+              <a:t>Ramuzat Noëlie - Payelle Vianney - Rigal Rémi</a:t>
+            </a:r>
+          </a:p>
+        </p:txBody>
+      </p:sp>
+      <p:sp>
+        <p:nvSpPr>
+          <p:cNvPr id="9" name="Espace réservé du numéro de diapositive 8"/>
+          <p:cNvSpPr>
+            <a:spLocks noGrp="1"/>
+          </p:cNvSpPr>
+          <p:nvPr>
+            <p:ph type="sldNum" sz="quarter" idx="12"/>
+          </p:nvPr>
+        </p:nvSpPr>
+        <p:spPr/>
+        <p:txBody>
+          <a:bodyPr/>
+          <a:lstStyle/>
+          <a:p>
+            <a:fld id="{0F4F2D8A-7981-4BEB-984F-D56F9068943B}" type="slidenum">
+              <a:rPr lang="fr-FR" smtClean="0"/>
+              <a:t>11</a:t>
+            </a:fld>
+            <a:endParaRPr lang="fr-FR"/>
+          </a:p>
+        </p:txBody>
+      </p:sp>
     </p:spTree>
     <p:extLst>
       <p:ext uri="{BB962C8B-B14F-4D97-AF65-F5344CB8AC3E}">
@@ -7588,7 +8077,7 @@
 </p:sld>
 </file>
 
-<file path=ppt/slides/slide13.xml><?xml version="1.0" encoding="utf-8"?>
+<file path=ppt/slides/slide12.xml><?xml version="1.0" encoding="utf-8"?>
 <p:sld xmlns:a="http://schemas.openxmlformats.org/drawingml/2006/main" xmlns:r="http://schemas.openxmlformats.org/officeDocument/2006/relationships" xmlns:p="http://schemas.openxmlformats.org/presentationml/2006/main">
   <p:cSld>
     <p:spTree>
@@ -7617,7 +8106,9 @@
         </p:nvSpPr>
         <p:spPr/>
         <p:txBody>
-          <a:bodyPr/>
+          <a:bodyPr>
+            <a:normAutofit fontScale="90000"/>
+          </a:bodyPr>
           <a:lstStyle/>
           <a:p>
             <a:r>
@@ -7626,7 +8117,7 @@
             </a:r>
             <a:r>
               <a:rPr lang="fr-FR" dirty="0"/>
-              <a:t> – </a:t>
+              <a:t> II – </a:t>
             </a:r>
             <a:r>
               <a:rPr lang="fr-FR" dirty="0" err="1"/>
@@ -7634,7 +8125,7 @@
             </a:r>
             <a:r>
               <a:rPr lang="fr-FR" dirty="0"/>
-              <a:t>/Effort Estimation</a:t>
+              <a:t> Estimation</a:t>
             </a:r>
           </a:p>
         </p:txBody>
@@ -7648,14 +8139,14 @@
           <p:nvPr>
             <p:extLst>
               <p:ext uri="{D42A27DB-BD31-4B8C-83A1-F6EECF244321}">
-                <p14:modId xmlns:p14="http://schemas.microsoft.com/office/powerpoint/2010/main" val="3444092830"/>
+                <p14:modId xmlns:p14="http://schemas.microsoft.com/office/powerpoint/2010/main" val="85909272"/>
               </p:ext>
             </p:extLst>
           </p:nvPr>
         </p:nvGraphicFramePr>
         <p:xfrm>
-          <a:off x="628650" y="1690689"/>
-          <a:ext cx="7886700" cy="3331692"/>
+          <a:off x="628650" y="1413197"/>
+          <a:ext cx="7886700" cy="3334467"/>
         </p:xfrm>
         <a:graphic>
           <a:graphicData uri="http://schemas.openxmlformats.org/drawingml/2006/table">
@@ -10722,13 +11213,13 @@
           <p:nvPr>
             <p:extLst>
               <p:ext uri="{D42A27DB-BD31-4B8C-83A1-F6EECF244321}">
-                <p14:modId xmlns:p14="http://schemas.microsoft.com/office/powerpoint/2010/main" val="3476305238"/>
+                <p14:modId xmlns:p14="http://schemas.microsoft.com/office/powerpoint/2010/main" val="4153714949"/>
               </p:ext>
             </p:extLst>
           </p:nvPr>
         </p:nvGraphicFramePr>
         <p:xfrm>
-          <a:off x="628650" y="5341710"/>
+          <a:off x="628650" y="5031164"/>
           <a:ext cx="7886700" cy="1048398"/>
         </p:xfrm>
         <a:graphic>
@@ -11109,10 +11600,231 @@
           </a:graphicData>
         </a:graphic>
       </p:graphicFrame>
+      <p:sp>
+        <p:nvSpPr>
+          <p:cNvPr id="7" name="Espace réservé de la date 6"/>
+          <p:cNvSpPr>
+            <a:spLocks noGrp="1"/>
+          </p:cNvSpPr>
+          <p:nvPr>
+            <p:ph type="dt" sz="half" idx="10"/>
+          </p:nvPr>
+        </p:nvSpPr>
+        <p:spPr/>
+        <p:txBody>
+          <a:bodyPr/>
+          <a:lstStyle/>
+          <a:p>
+            <a:r>
+              <a:rPr lang="fr-FR"/>
+              <a:t>09/02/2017</a:t>
+            </a:r>
+          </a:p>
+        </p:txBody>
+      </p:sp>
+      <p:sp>
+        <p:nvSpPr>
+          <p:cNvPr id="8" name="Espace réservé du pied de page 7"/>
+          <p:cNvSpPr>
+            <a:spLocks noGrp="1"/>
+          </p:cNvSpPr>
+          <p:nvPr>
+            <p:ph type="ftr" sz="quarter" idx="11"/>
+          </p:nvPr>
+        </p:nvSpPr>
+        <p:spPr/>
+        <p:txBody>
+          <a:bodyPr/>
+          <a:lstStyle/>
+          <a:p>
+            <a:r>
+              <a:rPr lang="fr-FR" dirty="0"/>
+              <a:t>Ramuzat Noëlie - Payelle Vianney - Rigal Rémi</a:t>
+            </a:r>
+          </a:p>
+        </p:txBody>
+      </p:sp>
+      <p:sp>
+        <p:nvSpPr>
+          <p:cNvPr id="9" name="Espace réservé du numéro de diapositive 8"/>
+          <p:cNvSpPr>
+            <a:spLocks noGrp="1"/>
+          </p:cNvSpPr>
+          <p:nvPr>
+            <p:ph type="sldNum" sz="quarter" idx="12"/>
+          </p:nvPr>
+        </p:nvSpPr>
+        <p:spPr/>
+        <p:txBody>
+          <a:bodyPr/>
+          <a:lstStyle/>
+          <a:p>
+            <a:fld id="{0F4F2D8A-7981-4BEB-984F-D56F9068943B}" type="slidenum">
+              <a:rPr lang="fr-FR" smtClean="0"/>
+              <a:t>12</a:t>
+            </a:fld>
+            <a:endParaRPr lang="fr-FR"/>
+          </a:p>
+        </p:txBody>
+      </p:sp>
     </p:spTree>
     <p:extLst>
       <p:ext uri="{BB962C8B-B14F-4D97-AF65-F5344CB8AC3E}">
         <p14:creationId xmlns:p14="http://schemas.microsoft.com/office/powerpoint/2010/main" val="2320576718"/>
+      </p:ext>
+    </p:extLst>
+  </p:cSld>
+  <p:clrMapOvr>
+    <a:masterClrMapping/>
+  </p:clrMapOvr>
+</p:sld>
+</file>
+
+<file path=ppt/slides/slide13.xml><?xml version="1.0" encoding="utf-8"?>
+<p:sld xmlns:a="http://schemas.openxmlformats.org/drawingml/2006/main" xmlns:r="http://schemas.openxmlformats.org/officeDocument/2006/relationships" xmlns:p="http://schemas.openxmlformats.org/presentationml/2006/main">
+  <p:cSld>
+    <p:spTree>
+      <p:nvGrpSpPr>
+        <p:cNvPr id="1" name=""/>
+        <p:cNvGrpSpPr/>
+        <p:nvPr/>
+      </p:nvGrpSpPr>
+      <p:grpSpPr>
+        <a:xfrm>
+          <a:off x="0" y="0"/>
+          <a:ext cx="0" cy="0"/>
+          <a:chOff x="0" y="0"/>
+          <a:chExt cx="0" cy="0"/>
+        </a:xfrm>
+      </p:grpSpPr>
+      <p:sp>
+        <p:nvSpPr>
+          <p:cNvPr id="2" name="Titre 1"/>
+          <p:cNvSpPr>
+            <a:spLocks noGrp="1"/>
+          </p:cNvSpPr>
+          <p:nvPr>
+            <p:ph type="title"/>
+          </p:nvPr>
+        </p:nvSpPr>
+        <p:spPr/>
+        <p:txBody>
+          <a:bodyPr>
+            <a:normAutofit fontScale="90000"/>
+          </a:bodyPr>
+          <a:lstStyle/>
+          <a:p>
+            <a:r>
+              <a:rPr lang="fr-FR" dirty="0" err="1"/>
+              <a:t>Gantt’s</a:t>
+            </a:r>
+            <a:r>
+              <a:rPr lang="fr-FR" dirty="0"/>
+              <a:t> </a:t>
+            </a:r>
+            <a:r>
+              <a:rPr lang="fr-FR" dirty="0" err="1"/>
+              <a:t>Diagram</a:t>
+            </a:r>
+            <a:endParaRPr lang="fr-FR" dirty="0"/>
+          </a:p>
+        </p:txBody>
+      </p:sp>
+      <p:pic>
+        <p:nvPicPr>
+          <p:cNvPr id="7" name="Image 6"/>
+          <p:cNvPicPr>
+            <a:picLocks noChangeAspect="1"/>
+          </p:cNvPicPr>
+          <p:nvPr/>
+        </p:nvPicPr>
+        <p:blipFill>
+          <a:blip r:embed="rId3"/>
+          <a:stretch>
+            <a:fillRect/>
+          </a:stretch>
+        </p:blipFill>
+        <p:spPr>
+          <a:xfrm>
+            <a:off x="94356" y="1296317"/>
+            <a:ext cx="8955289" cy="4399089"/>
+          </a:xfrm>
+          <a:prstGeom prst="rect">
+            <a:avLst/>
+          </a:prstGeom>
+        </p:spPr>
+      </p:pic>
+      <p:sp>
+        <p:nvSpPr>
+          <p:cNvPr id="8" name="Espace réservé de la date 7"/>
+          <p:cNvSpPr>
+            <a:spLocks noGrp="1"/>
+          </p:cNvSpPr>
+          <p:nvPr>
+            <p:ph type="dt" sz="half" idx="10"/>
+          </p:nvPr>
+        </p:nvSpPr>
+        <p:spPr/>
+        <p:txBody>
+          <a:bodyPr/>
+          <a:lstStyle/>
+          <a:p>
+            <a:r>
+              <a:rPr lang="fr-FR"/>
+              <a:t>09/02/2017</a:t>
+            </a:r>
+          </a:p>
+        </p:txBody>
+      </p:sp>
+      <p:sp>
+        <p:nvSpPr>
+          <p:cNvPr id="9" name="Espace réservé du pied de page 8"/>
+          <p:cNvSpPr>
+            <a:spLocks noGrp="1"/>
+          </p:cNvSpPr>
+          <p:nvPr>
+            <p:ph type="ftr" sz="quarter" idx="11"/>
+          </p:nvPr>
+        </p:nvSpPr>
+        <p:spPr/>
+        <p:txBody>
+          <a:bodyPr/>
+          <a:lstStyle/>
+          <a:p>
+            <a:r>
+              <a:rPr lang="fr-FR" dirty="0"/>
+              <a:t>Ramuzat Noëlie - Payelle Vianney - Rigal Rémi</a:t>
+            </a:r>
+          </a:p>
+        </p:txBody>
+      </p:sp>
+      <p:sp>
+        <p:nvSpPr>
+          <p:cNvPr id="10" name="Espace réservé du numéro de diapositive 9"/>
+          <p:cNvSpPr>
+            <a:spLocks noGrp="1"/>
+          </p:cNvSpPr>
+          <p:nvPr>
+            <p:ph type="sldNum" sz="quarter" idx="12"/>
+          </p:nvPr>
+        </p:nvSpPr>
+        <p:spPr/>
+        <p:txBody>
+          <a:bodyPr/>
+          <a:lstStyle/>
+          <a:p>
+            <a:fld id="{0F4F2D8A-7981-4BEB-984F-D56F9068943B}" type="slidenum">
+              <a:rPr lang="fr-FR" smtClean="0"/>
+              <a:t>13</a:t>
+            </a:fld>
+            <a:endParaRPr lang="fr-FR"/>
+          </a:p>
+        </p:txBody>
+      </p:sp>
+    </p:spTree>
+    <p:extLst>
+      <p:ext uri="{BB962C8B-B14F-4D97-AF65-F5344CB8AC3E}">
+        <p14:creationId xmlns:p14="http://schemas.microsoft.com/office/powerpoint/2010/main" val="1327430992"/>
       </p:ext>
     </p:extLst>
   </p:cSld>
@@ -11151,30 +11863,15 @@
         </p:nvSpPr>
         <p:spPr/>
         <p:txBody>
-          <a:bodyPr/>
-          <a:lstStyle/>
-          <a:p>
-            <a:r>
-              <a:rPr lang="fr-FR" dirty="0" err="1"/>
-              <a:t>Task</a:t>
-            </a:r>
+          <a:bodyPr>
+            <a:normAutofit fontScale="90000"/>
+          </a:bodyPr>
+          <a:lstStyle/>
+          <a:p>
             <a:r>
               <a:rPr lang="fr-FR" dirty="0"/>
-              <a:t> Schedule – </a:t>
-            </a:r>
-            <a:r>
-              <a:rPr lang="fr-FR" dirty="0" err="1"/>
-              <a:t>Gantt’s</a:t>
-            </a:r>
-            <a:r>
-              <a:rPr lang="fr-FR" dirty="0"/>
-              <a:t> </a:t>
-            </a:r>
-            <a:r>
-              <a:rPr lang="fr-FR" dirty="0" err="1"/>
-              <a:t>Diagram</a:t>
-            </a:r>
-            <a:endParaRPr lang="fr-FR" dirty="0"/>
+              <a:t>Resource Allocation</a:t>
+            </a:r>
           </a:p>
         </p:txBody>
       </p:sp>
@@ -11194,8 +11891,8 @@
         </p:blipFill>
         <p:spPr>
           <a:xfrm>
-            <a:off x="1891492" y="1577129"/>
-            <a:ext cx="5361016" cy="5087923"/>
+            <a:off x="951905" y="1038531"/>
+            <a:ext cx="7240190" cy="5418875"/>
           </a:xfrm>
           <a:prstGeom prst="rect">
             <a:avLst/>
@@ -11204,42 +11901,75 @@
       </p:pic>
       <p:sp>
         <p:nvSpPr>
-          <p:cNvPr id="5" name="ZoneTexte 4"/>
-          <p:cNvSpPr txBox="1"/>
-          <p:nvPr/>
-        </p:nvSpPr>
-        <p:spPr>
-          <a:xfrm rot="20001906">
-            <a:off x="1266738" y="3123459"/>
-            <a:ext cx="6610524" cy="923330"/>
-          </a:xfrm>
-          <a:prstGeom prst="rect">
-            <a:avLst/>
-          </a:prstGeom>
-          <a:noFill/>
-        </p:spPr>
-        <p:txBody>
-          <a:bodyPr wrap="square" rtlCol="0">
-            <a:spAutoFit/>
-          </a:bodyPr>
-          <a:lstStyle/>
-          <a:p>
-            <a:pPr algn="ctr"/>
-            <a:r>
-              <a:rPr lang="fr-FR" sz="5400" dirty="0">
-                <a:solidFill>
-                  <a:srgbClr val="FF0000"/>
-                </a:solidFill>
-              </a:rPr>
-              <a:t>A CHANGER</a:t>
-            </a:r>
+          <p:cNvPr id="6" name="Espace réservé de la date 5"/>
+          <p:cNvSpPr>
+            <a:spLocks noGrp="1"/>
+          </p:cNvSpPr>
+          <p:nvPr>
+            <p:ph type="dt" sz="half" idx="10"/>
+          </p:nvPr>
+        </p:nvSpPr>
+        <p:spPr/>
+        <p:txBody>
+          <a:bodyPr/>
+          <a:lstStyle/>
+          <a:p>
+            <a:r>
+              <a:rPr lang="fr-FR"/>
+              <a:t>09/02/2017</a:t>
+            </a:r>
+          </a:p>
+        </p:txBody>
+      </p:sp>
+      <p:sp>
+        <p:nvSpPr>
+          <p:cNvPr id="7" name="Espace réservé du pied de page 6"/>
+          <p:cNvSpPr>
+            <a:spLocks noGrp="1"/>
+          </p:cNvSpPr>
+          <p:nvPr>
+            <p:ph type="ftr" sz="quarter" idx="11"/>
+          </p:nvPr>
+        </p:nvSpPr>
+        <p:spPr/>
+        <p:txBody>
+          <a:bodyPr/>
+          <a:lstStyle/>
+          <a:p>
+            <a:r>
+              <a:rPr lang="fr-FR" dirty="0"/>
+              <a:t>Ramuzat Noëlie - Payelle Vianney - Rigal Rémi</a:t>
+            </a:r>
+          </a:p>
+        </p:txBody>
+      </p:sp>
+      <p:sp>
+        <p:nvSpPr>
+          <p:cNvPr id="8" name="Espace réservé du numéro de diapositive 7"/>
+          <p:cNvSpPr>
+            <a:spLocks noGrp="1"/>
+          </p:cNvSpPr>
+          <p:nvPr>
+            <p:ph type="sldNum" sz="quarter" idx="12"/>
+          </p:nvPr>
+        </p:nvSpPr>
+        <p:spPr/>
+        <p:txBody>
+          <a:bodyPr/>
+          <a:lstStyle/>
+          <a:p>
+            <a:fld id="{0F4F2D8A-7981-4BEB-984F-D56F9068943B}" type="slidenum">
+              <a:rPr lang="fr-FR" smtClean="0"/>
+              <a:t>14</a:t>
+            </a:fld>
+            <a:endParaRPr lang="fr-FR"/>
           </a:p>
         </p:txBody>
       </p:sp>
     </p:spTree>
     <p:extLst>
       <p:ext uri="{BB962C8B-B14F-4D97-AF65-F5344CB8AC3E}">
-        <p14:creationId xmlns:p14="http://schemas.microsoft.com/office/powerpoint/2010/main" val="1327430992"/>
+        <p14:creationId xmlns:p14="http://schemas.microsoft.com/office/powerpoint/2010/main" val="1020467765"/>
       </p:ext>
     </p:extLst>
   </p:cSld>
@@ -11268,94 +11998,18 @@
       </p:grpSpPr>
       <p:sp>
         <p:nvSpPr>
-          <p:cNvPr id="2" name="Titre 1"/>
-          <p:cNvSpPr>
-            <a:spLocks noGrp="1"/>
-          </p:cNvSpPr>
-          <p:nvPr>
-            <p:ph type="title"/>
-          </p:nvPr>
-        </p:nvSpPr>
-        <p:spPr/>
-        <p:txBody>
-          <a:bodyPr/>
-          <a:lstStyle/>
-          <a:p>
-            <a:r>
-              <a:rPr lang="fr-FR" dirty="0"/>
-              <a:t>Resource Allocation</a:t>
-            </a:r>
-          </a:p>
-        </p:txBody>
-      </p:sp>
-      <p:pic>
-        <p:nvPicPr>
-          <p:cNvPr id="4" name="Image 3"/>
-          <p:cNvPicPr>
-            <a:picLocks noChangeAspect="1"/>
-          </p:cNvPicPr>
-          <p:nvPr/>
-        </p:nvPicPr>
-        <p:blipFill>
-          <a:blip r:embed="rId3"/>
-          <a:stretch>
-            <a:fillRect/>
-          </a:stretch>
-        </p:blipFill>
+          <p:cNvPr id="3" name="Espace réservé du contenu 2"/>
+          <p:cNvSpPr>
+            <a:spLocks noGrp="1"/>
+          </p:cNvSpPr>
+          <p:nvPr>
+            <p:ph type="body" idx="1"/>
+          </p:nvPr>
+        </p:nvSpPr>
         <p:spPr>
           <a:xfrm>
-            <a:off x="951905" y="1439125"/>
-            <a:ext cx="7240190" cy="5418875"/>
-          </a:xfrm>
-          <a:prstGeom prst="rect">
-            <a:avLst/>
-          </a:prstGeom>
-        </p:spPr>
-      </p:pic>
-    </p:spTree>
-    <p:extLst>
-      <p:ext uri="{BB962C8B-B14F-4D97-AF65-F5344CB8AC3E}">
-        <p14:creationId xmlns:p14="http://schemas.microsoft.com/office/powerpoint/2010/main" val="1020467765"/>
-      </p:ext>
-    </p:extLst>
-  </p:cSld>
-  <p:clrMapOvr>
-    <a:masterClrMapping/>
-  </p:clrMapOvr>
-</p:sld>
-</file>
-
-<file path=ppt/slides/slide16.xml><?xml version="1.0" encoding="utf-8"?>
-<p:sld xmlns:a="http://schemas.openxmlformats.org/drawingml/2006/main" xmlns:r="http://schemas.openxmlformats.org/officeDocument/2006/relationships" xmlns:p="http://schemas.openxmlformats.org/presentationml/2006/main">
-  <p:cSld>
-    <p:spTree>
-      <p:nvGrpSpPr>
-        <p:cNvPr id="1" name=""/>
-        <p:cNvGrpSpPr/>
-        <p:nvPr/>
-      </p:nvGrpSpPr>
-      <p:grpSpPr>
-        <a:xfrm>
-          <a:off x="0" y="0"/>
-          <a:ext cx="0" cy="0"/>
-          <a:chOff x="0" y="0"/>
-          <a:chExt cx="0" cy="0"/>
-        </a:xfrm>
-      </p:grpSpPr>
-      <p:sp>
-        <p:nvSpPr>
-          <p:cNvPr id="3" name="Espace réservé du contenu 2"/>
-          <p:cNvSpPr>
-            <a:spLocks noGrp="1"/>
-          </p:cNvSpPr>
-          <p:nvPr>
-            <p:ph idx="1"/>
-          </p:nvPr>
-        </p:nvSpPr>
-        <p:spPr>
-          <a:xfrm>
-            <a:off x="628650" y="1556120"/>
-            <a:ext cx="7886700" cy="917575"/>
+            <a:off x="628650" y="1504044"/>
+            <a:ext cx="7886700" cy="1500187"/>
           </a:xfrm>
         </p:spPr>
         <p:txBody>
@@ -11368,18 +12022,34 @@
               <a:buNone/>
             </a:pPr>
             <a:r>
-              <a:rPr lang="fr-FR" sz="4400" b="1" dirty="0" err="1"/>
+              <a:rPr lang="fr-FR" sz="4400" b="1" dirty="0" err="1">
+                <a:solidFill>
+                  <a:srgbClr val="C00000"/>
+                </a:solidFill>
+              </a:rPr>
               <a:t>Thank</a:t>
             </a:r>
             <a:r>
-              <a:rPr lang="fr-FR" sz="4400" b="1" dirty="0"/>
+              <a:rPr lang="fr-FR" sz="4400" b="1" dirty="0">
+                <a:solidFill>
+                  <a:srgbClr val="C00000"/>
+                </a:solidFill>
+              </a:rPr>
               <a:t> </a:t>
             </a:r>
             <a:r>
-              <a:rPr lang="fr-FR" sz="4400" b="1" dirty="0" err="1"/>
+              <a:rPr lang="fr-FR" sz="4400" b="1" dirty="0" err="1">
+                <a:solidFill>
+                  <a:srgbClr val="C00000"/>
+                </a:solidFill>
+              </a:rPr>
               <a:t>you</a:t>
             </a:r>
-            <a:endParaRPr lang="fr-FR" sz="4400" b="1" dirty="0"/>
+            <a:endParaRPr lang="fr-FR" sz="4400" b="1" dirty="0">
+              <a:solidFill>
+                <a:srgbClr val="C00000"/>
+              </a:solidFill>
+            </a:endParaRPr>
           </a:p>
         </p:txBody>
       </p:sp>
@@ -11406,7 +12076,7 @@
         </p:blipFill>
         <p:spPr bwMode="auto">
           <a:xfrm>
-            <a:off x="1366757" y="2473695"/>
+            <a:off x="1366757" y="2395378"/>
             <a:ext cx="6410486" cy="3375112"/>
           </a:xfrm>
           <a:prstGeom prst="rect">
@@ -11437,6 +12107,73 @@
           </a:extLst>
         </p:spPr>
       </p:pic>
+      <p:sp>
+        <p:nvSpPr>
+          <p:cNvPr id="7" name="Espace réservé de la date 6"/>
+          <p:cNvSpPr>
+            <a:spLocks noGrp="1"/>
+          </p:cNvSpPr>
+          <p:nvPr>
+            <p:ph type="dt" sz="half" idx="10"/>
+          </p:nvPr>
+        </p:nvSpPr>
+        <p:spPr/>
+        <p:txBody>
+          <a:bodyPr/>
+          <a:lstStyle/>
+          <a:p>
+            <a:r>
+              <a:rPr lang="fr-FR"/>
+              <a:t>09/02/2017</a:t>
+            </a:r>
+          </a:p>
+        </p:txBody>
+      </p:sp>
+      <p:sp>
+        <p:nvSpPr>
+          <p:cNvPr id="8" name="Espace réservé du pied de page 7"/>
+          <p:cNvSpPr>
+            <a:spLocks noGrp="1"/>
+          </p:cNvSpPr>
+          <p:nvPr>
+            <p:ph type="ftr" sz="quarter" idx="11"/>
+          </p:nvPr>
+        </p:nvSpPr>
+        <p:spPr/>
+        <p:txBody>
+          <a:bodyPr/>
+          <a:lstStyle/>
+          <a:p>
+            <a:r>
+              <a:rPr lang="fr-FR" dirty="0"/>
+              <a:t>Ramuzat Noëlie - Payelle Vianney - Rigal Rémi</a:t>
+            </a:r>
+          </a:p>
+        </p:txBody>
+      </p:sp>
+      <p:sp>
+        <p:nvSpPr>
+          <p:cNvPr id="9" name="Espace réservé du numéro de diapositive 8"/>
+          <p:cNvSpPr>
+            <a:spLocks noGrp="1"/>
+          </p:cNvSpPr>
+          <p:nvPr>
+            <p:ph type="sldNum" sz="quarter" idx="12"/>
+          </p:nvPr>
+        </p:nvSpPr>
+        <p:spPr/>
+        <p:txBody>
+          <a:bodyPr/>
+          <a:lstStyle/>
+          <a:p>
+            <a:fld id="{0F4F2D8A-7981-4BEB-984F-D56F9068943B}" type="slidenum">
+              <a:rPr lang="fr-FR" smtClean="0"/>
+              <a:t>15</a:t>
+            </a:fld>
+            <a:endParaRPr lang="fr-FR"/>
+          </a:p>
+        </p:txBody>
+      </p:sp>
     </p:spTree>
     <p:extLst>
       <p:ext uri="{BB962C8B-B14F-4D97-AF65-F5344CB8AC3E}">
@@ -11479,24 +12216,144 @@
         </p:nvSpPr>
         <p:spPr/>
         <p:txBody>
+          <a:bodyPr>
+            <a:normAutofit fontScale="90000"/>
+          </a:bodyPr>
+          <a:lstStyle/>
+          <a:p>
+            <a:r>
+              <a:rPr lang="fr-FR" dirty="0"/>
+              <a:t>Plan</a:t>
+            </a:r>
+          </a:p>
+        </p:txBody>
+      </p:sp>
+      <p:sp>
+        <p:nvSpPr>
+          <p:cNvPr id="3" name="Espace réservé du contenu 2"/>
+          <p:cNvSpPr>
+            <a:spLocks noGrp="1"/>
+          </p:cNvSpPr>
+          <p:nvPr>
+            <p:ph idx="1"/>
+          </p:nvPr>
+        </p:nvSpPr>
+        <p:spPr/>
+        <p:txBody>
           <a:bodyPr/>
           <a:lstStyle/>
           <a:p>
+            <a:pPr>
+              <a:lnSpc>
+                <a:spcPct val="150000"/>
+              </a:lnSpc>
+            </a:pPr>
+            <a:r>
+              <a:rPr lang="en-US" dirty="0"/>
+              <a:t>Project Initiatives</a:t>
+            </a:r>
+          </a:p>
+          <a:p>
+            <a:pPr>
+              <a:lnSpc>
+                <a:spcPct val="150000"/>
+              </a:lnSpc>
+            </a:pPr>
+            <a:r>
+              <a:rPr lang="en-US" dirty="0"/>
+              <a:t>Implementation Diagrams</a:t>
+            </a:r>
+          </a:p>
+          <a:p>
+            <a:pPr>
+              <a:lnSpc>
+                <a:spcPct val="150000"/>
+              </a:lnSpc>
+            </a:pPr>
+            <a:r>
+              <a:rPr lang="en-US" dirty="0"/>
+              <a:t>Integration</a:t>
+            </a:r>
+          </a:p>
+          <a:p>
+            <a:pPr>
+              <a:lnSpc>
+                <a:spcPct val="150000"/>
+              </a:lnSpc>
+            </a:pPr>
+            <a:r>
+              <a:rPr lang="en-US" dirty="0"/>
+              <a:t>Testing</a:t>
+            </a:r>
+          </a:p>
+          <a:p>
+            <a:pPr>
+              <a:lnSpc>
+                <a:spcPct val="150000"/>
+              </a:lnSpc>
+            </a:pPr>
+            <a:r>
+              <a:rPr lang="en-US" dirty="0"/>
+              <a:t>Project Management</a:t>
+            </a:r>
+          </a:p>
+          <a:p>
+            <a:endParaRPr lang="en-US" dirty="0"/>
+          </a:p>
+        </p:txBody>
+      </p:sp>
+      <p:sp>
+        <p:nvSpPr>
+          <p:cNvPr id="6" name="Espace réservé de la date 5"/>
+          <p:cNvSpPr>
+            <a:spLocks noGrp="1"/>
+          </p:cNvSpPr>
+          <p:nvPr>
+            <p:ph type="dt" sz="half" idx="10"/>
+          </p:nvPr>
+        </p:nvSpPr>
+        <p:spPr/>
+        <p:txBody>
+          <a:bodyPr/>
+          <a:lstStyle/>
+          <a:p>
+            <a:r>
+              <a:rPr lang="fr-FR"/>
+              <a:t>09/02/2017</a:t>
+            </a:r>
+          </a:p>
+        </p:txBody>
+      </p:sp>
+      <p:sp>
+        <p:nvSpPr>
+          <p:cNvPr id="7" name="Espace réservé du pied de page 6"/>
+          <p:cNvSpPr>
+            <a:spLocks noGrp="1"/>
+          </p:cNvSpPr>
+          <p:nvPr>
+            <p:ph type="ftr" sz="quarter" idx="11"/>
+          </p:nvPr>
+        </p:nvSpPr>
+        <p:spPr/>
+        <p:txBody>
+          <a:bodyPr/>
+          <a:lstStyle/>
+          <a:p>
             <a:r>
               <a:rPr lang="fr-FR" dirty="0"/>
-              <a:t>Intro</a:t>
-            </a:r>
-          </a:p>
-        </p:txBody>
-      </p:sp>
-      <p:sp>
-        <p:nvSpPr>
-          <p:cNvPr id="3" name="Espace réservé du contenu 2"/>
-          <p:cNvSpPr>
-            <a:spLocks noGrp="1"/>
-          </p:cNvSpPr>
-          <p:nvPr>
-            <p:ph idx="1"/>
+              <a:t>Ramuzat Noëlie - Payelle Vianney - Rigal Rémi</a:t>
+            </a:r>
+          </a:p>
+        </p:txBody>
+      </p:sp>
+      <p:sp>
+        <p:nvSpPr>
+          <p:cNvPr id="8" name="Espace réservé du numéro de diapositive 7"/>
+          <p:cNvSpPr>
+            <a:spLocks noGrp="1"/>
+          </p:cNvSpPr>
+          <p:nvPr>
+            <p:ph type="sldNum" sz="quarter" idx="12"/>
           </p:nvPr>
         </p:nvSpPr>
         <p:spPr/>
@@ -11504,67 +12361,18 @@
           <a:bodyPr/>
           <a:lstStyle/>
           <a:p>
-            <a:r>
-              <a:rPr lang="fr-FR" dirty="0"/>
-              <a:t>Scope</a:t>
-            </a:r>
-          </a:p>
-          <a:p>
-            <a:r>
-              <a:rPr lang="fr-FR" dirty="0" err="1"/>
-              <a:t>We</a:t>
-            </a:r>
-            <a:r>
-              <a:rPr lang="fr-FR" dirty="0"/>
-              <a:t> assume </a:t>
-            </a:r>
-            <a:r>
-              <a:rPr lang="fr-FR" dirty="0" err="1"/>
-              <a:t>that</a:t>
-            </a:r>
-            <a:r>
-              <a:rPr lang="fr-FR" dirty="0"/>
-              <a:t> the </a:t>
-            </a:r>
-            <a:r>
-              <a:rPr lang="fr-FR" dirty="0" err="1"/>
-              <a:t>listener</a:t>
-            </a:r>
-            <a:r>
-              <a:rPr lang="fr-FR" dirty="0"/>
-              <a:t> </a:t>
-            </a:r>
-            <a:r>
-              <a:rPr lang="fr-FR" dirty="0" err="1"/>
-              <a:t>is</a:t>
-            </a:r>
-            <a:r>
-              <a:rPr lang="fr-FR" dirty="0"/>
-              <a:t> </a:t>
-            </a:r>
-            <a:r>
-              <a:rPr lang="fr-FR" dirty="0" err="1"/>
-              <a:t>aware</a:t>
-            </a:r>
-            <a:r>
-              <a:rPr lang="fr-FR" dirty="0"/>
-              <a:t> of the </a:t>
-            </a:r>
-            <a:r>
-              <a:rPr lang="fr-FR" dirty="0" err="1"/>
-              <a:t>project</a:t>
-            </a:r>
-            <a:endParaRPr lang="fr-FR" dirty="0"/>
-          </a:p>
-          <a:p>
-            <a:endParaRPr lang="fr-FR" dirty="0"/>
+            <a:fld id="{0F4F2D8A-7981-4BEB-984F-D56F9068943B}" type="slidenum">
+              <a:rPr lang="fr-FR" smtClean="0"/>
+              <a:t>2</a:t>
+            </a:fld>
+            <a:endParaRPr lang="fr-FR"/>
           </a:p>
         </p:txBody>
       </p:sp>
     </p:spTree>
     <p:extLst>
       <p:ext uri="{BB962C8B-B14F-4D97-AF65-F5344CB8AC3E}">
-        <p14:creationId xmlns:p14="http://schemas.microsoft.com/office/powerpoint/2010/main" val="3145194417"/>
+        <p14:creationId xmlns:p14="http://schemas.microsoft.com/office/powerpoint/2010/main" val="406305123"/>
       </p:ext>
     </p:extLst>
   </p:cSld>
@@ -11603,29 +12411,9 @@
         </p:nvSpPr>
         <p:spPr/>
         <p:txBody>
-          <a:bodyPr/>
-          <a:lstStyle/>
-          <a:p>
-            <a:r>
-              <a:rPr lang="fr-FR" dirty="0"/>
-              <a:t>Plan</a:t>
-            </a:r>
-          </a:p>
-        </p:txBody>
-      </p:sp>
-      <p:sp>
-        <p:nvSpPr>
-          <p:cNvPr id="3" name="Espace réservé du contenu 2"/>
-          <p:cNvSpPr>
-            <a:spLocks noGrp="1"/>
-          </p:cNvSpPr>
-          <p:nvPr>
-            <p:ph idx="1"/>
-          </p:nvPr>
-        </p:nvSpPr>
-        <p:spPr/>
-        <p:txBody>
-          <a:bodyPr/>
+          <a:bodyPr>
+            <a:normAutofit fontScale="90000"/>
+          </a:bodyPr>
           <a:lstStyle/>
           <a:p>
             <a:r>
@@ -11634,7 +12422,146 @@
             </a:r>
             <a:endParaRPr lang="fr-FR" dirty="0"/>
           </a:p>
-          <a:p>
+        </p:txBody>
+      </p:sp>
+      <p:sp>
+        <p:nvSpPr>
+          <p:cNvPr id="3" name="Espace réservé du contenu 2"/>
+          <p:cNvSpPr>
+            <a:spLocks noGrp="1"/>
+          </p:cNvSpPr>
+          <p:nvPr>
+            <p:ph idx="1"/>
+          </p:nvPr>
+        </p:nvSpPr>
+        <p:spPr/>
+        <p:txBody>
+          <a:bodyPr/>
+          <a:lstStyle/>
+          <a:p>
+            <a:r>
+              <a:rPr lang="en-US" dirty="0"/>
+              <a:t>Possibility of cancelling a reservation</a:t>
+            </a:r>
+          </a:p>
+          <a:p>
+            <a:pPr lvl="1">
+              <a:buFontTx/>
+              <a:buChar char="-"/>
+            </a:pPr>
+            <a:r>
+              <a:rPr lang="en-US" dirty="0"/>
+              <a:t>1€ fee</a:t>
+            </a:r>
+          </a:p>
+          <a:p>
+            <a:pPr lvl="1">
+              <a:buFontTx/>
+              <a:buChar char="-"/>
+            </a:pPr>
+            <a:r>
+              <a:rPr lang="en-US" dirty="0"/>
+              <a:t>Unable to book a car within the next 2 hours</a:t>
+            </a:r>
+          </a:p>
+          <a:p>
+            <a:pPr lvl="1">
+              <a:buFontTx/>
+              <a:buChar char="-"/>
+            </a:pPr>
+            <a:endParaRPr lang="en-US" dirty="0"/>
+          </a:p>
+          <a:p>
+            <a:r>
+              <a:rPr lang="en-US" dirty="0"/>
+              <a:t>Time limitation for not picking a booked car</a:t>
+            </a:r>
+          </a:p>
+          <a:p>
+            <a:pPr lvl="1">
+              <a:buFontTx/>
+              <a:buChar char="-"/>
+            </a:pPr>
+            <a:r>
+              <a:rPr lang="en-US" dirty="0"/>
+              <a:t>1€ fee</a:t>
+            </a:r>
+          </a:p>
+          <a:p>
+            <a:pPr lvl="1">
+              <a:buFontTx/>
+              <a:buChar char="-"/>
+            </a:pPr>
+            <a:r>
+              <a:rPr lang="en-US" dirty="0"/>
+              <a:t>Unable to book within the next 3 hours</a:t>
+            </a:r>
+          </a:p>
+        </p:txBody>
+      </p:sp>
+      <p:sp>
+        <p:nvSpPr>
+          <p:cNvPr id="6" name="Espace réservé de la date 5"/>
+          <p:cNvSpPr>
+            <a:spLocks noGrp="1"/>
+          </p:cNvSpPr>
+          <p:nvPr>
+            <p:ph type="dt" sz="half" idx="10"/>
+          </p:nvPr>
+        </p:nvSpPr>
+        <p:spPr/>
+        <p:txBody>
+          <a:bodyPr/>
+          <a:lstStyle/>
+          <a:p>
+            <a:r>
+              <a:rPr lang="fr-FR" dirty="0"/>
+              <a:t>09/02/2017</a:t>
+            </a:r>
+          </a:p>
+        </p:txBody>
+      </p:sp>
+      <p:sp>
+        <p:nvSpPr>
+          <p:cNvPr id="7" name="Espace réservé du pied de page 6"/>
+          <p:cNvSpPr>
+            <a:spLocks noGrp="1"/>
+          </p:cNvSpPr>
+          <p:nvPr>
+            <p:ph type="ftr" sz="quarter" idx="11"/>
+          </p:nvPr>
+        </p:nvSpPr>
+        <p:spPr/>
+        <p:txBody>
+          <a:bodyPr/>
+          <a:lstStyle/>
+          <a:p>
+            <a:r>
+              <a:rPr lang="fr-FR" dirty="0"/>
+              <a:t>Ramuzat Noëlie - Payelle Vianney - Rigal Rémi</a:t>
+            </a:r>
+          </a:p>
+        </p:txBody>
+      </p:sp>
+      <p:sp>
+        <p:nvSpPr>
+          <p:cNvPr id="8" name="Espace réservé du numéro de diapositive 7"/>
+          <p:cNvSpPr>
+            <a:spLocks noGrp="1"/>
+          </p:cNvSpPr>
+          <p:nvPr>
+            <p:ph type="sldNum" sz="quarter" idx="12"/>
+          </p:nvPr>
+        </p:nvSpPr>
+        <p:spPr/>
+        <p:txBody>
+          <a:bodyPr/>
+          <a:lstStyle/>
+          <a:p>
+            <a:fld id="{0F4F2D8A-7981-4BEB-984F-D56F9068943B}" type="slidenum">
+              <a:rPr lang="fr-FR" smtClean="0"/>
+              <a:t>3</a:t>
+            </a:fld>
             <a:endParaRPr lang="fr-FR" dirty="0"/>
           </a:p>
         </p:txBody>
@@ -11642,7 +12569,7 @@
     </p:spTree>
     <p:extLst>
       <p:ext uri="{BB962C8B-B14F-4D97-AF65-F5344CB8AC3E}">
-        <p14:creationId xmlns:p14="http://schemas.microsoft.com/office/powerpoint/2010/main" val="406305123"/>
+        <p14:creationId xmlns:p14="http://schemas.microsoft.com/office/powerpoint/2010/main" val="3255023203"/>
       </p:ext>
     </p:extLst>
   </p:cSld>
@@ -11681,33 +12608,117 @@
         </p:nvSpPr>
         <p:spPr/>
         <p:txBody>
+          <a:bodyPr>
+            <a:normAutofit fontScale="90000"/>
+          </a:bodyPr>
+          <a:lstStyle/>
+          <a:p>
+            <a:r>
+              <a:rPr lang="fr-FR" dirty="0" err="1"/>
+              <a:t>Assumptions</a:t>
+            </a:r>
+            <a:endParaRPr lang="fr-FR" dirty="0"/>
+          </a:p>
+        </p:txBody>
+      </p:sp>
+      <p:sp>
+        <p:nvSpPr>
+          <p:cNvPr id="3" name="Espace réservé du contenu 2"/>
+          <p:cNvSpPr>
+            <a:spLocks noGrp="1"/>
+          </p:cNvSpPr>
+          <p:nvPr>
+            <p:ph idx="1"/>
+          </p:nvPr>
+        </p:nvSpPr>
+        <p:spPr/>
+        <p:txBody>
           <a:bodyPr/>
           <a:lstStyle/>
           <a:p>
             <a:r>
-              <a:rPr lang="fr-FR" dirty="0" err="1"/>
-              <a:t>Specific</a:t>
-            </a:r>
+              <a:rPr lang="en-US" dirty="0"/>
+              <a:t>A driver who unlocks a car will ignite the engine </a:t>
+            </a:r>
+          </a:p>
+          <a:p>
+            <a:endParaRPr lang="fr-FR" dirty="0"/>
+          </a:p>
+          <a:p>
+            <a:r>
+              <a:rPr lang="en-US" dirty="0"/>
+              <a:t>You can only use the smartphone application to access the system </a:t>
+            </a:r>
+          </a:p>
+          <a:p>
+            <a:endParaRPr lang="fr-FR" dirty="0"/>
+          </a:p>
+          <a:p>
+            <a:r>
+              <a:rPr lang="en-US" dirty="0"/>
+              <a:t>The society has a maintenance and insurance service for cars </a:t>
+            </a:r>
+          </a:p>
+          <a:p>
+            <a:pPr marL="0" indent="0">
+              <a:buNone/>
+            </a:pPr>
+            <a:endParaRPr lang="fr-FR" dirty="0"/>
+          </a:p>
+        </p:txBody>
+      </p:sp>
+      <p:sp>
+        <p:nvSpPr>
+          <p:cNvPr id="6" name="Espace réservé de la date 5"/>
+          <p:cNvSpPr>
+            <a:spLocks noGrp="1"/>
+          </p:cNvSpPr>
+          <p:nvPr>
+            <p:ph type="dt" sz="half" idx="10"/>
+          </p:nvPr>
+        </p:nvSpPr>
+        <p:spPr/>
+        <p:txBody>
+          <a:bodyPr/>
+          <a:lstStyle/>
+          <a:p>
+            <a:r>
+              <a:rPr lang="fr-FR"/>
+              <a:t>09/02/2017</a:t>
+            </a:r>
+          </a:p>
+        </p:txBody>
+      </p:sp>
+      <p:sp>
+        <p:nvSpPr>
+          <p:cNvPr id="7" name="Espace réservé du pied de page 6"/>
+          <p:cNvSpPr>
+            <a:spLocks noGrp="1"/>
+          </p:cNvSpPr>
+          <p:nvPr>
+            <p:ph type="ftr" sz="quarter" idx="11"/>
+          </p:nvPr>
+        </p:nvSpPr>
+        <p:spPr/>
+        <p:txBody>
+          <a:bodyPr/>
+          <a:lstStyle/>
+          <a:p>
             <a:r>
               <a:rPr lang="fr-FR" dirty="0"/>
-              <a:t> </a:t>
-            </a:r>
-            <a:r>
-              <a:rPr lang="fr-FR" dirty="0" err="1"/>
-              <a:t>Requirements</a:t>
-            </a:r>
-            <a:endParaRPr lang="fr-FR" dirty="0"/>
-          </a:p>
-        </p:txBody>
-      </p:sp>
-      <p:sp>
-        <p:nvSpPr>
-          <p:cNvPr id="3" name="Espace réservé du contenu 2"/>
-          <p:cNvSpPr>
-            <a:spLocks noGrp="1"/>
-          </p:cNvSpPr>
-          <p:nvPr>
-            <p:ph idx="1"/>
+              <a:t>Ramuzat Noëlie - Payelle Vianney - Rigal Rémi</a:t>
+            </a:r>
+          </a:p>
+        </p:txBody>
+      </p:sp>
+      <p:sp>
+        <p:nvSpPr>
+          <p:cNvPr id="8" name="Espace réservé du numéro de diapositive 7"/>
+          <p:cNvSpPr>
+            <a:spLocks noGrp="1"/>
+          </p:cNvSpPr>
+          <p:nvPr>
+            <p:ph type="sldNum" sz="quarter" idx="12"/>
           </p:nvPr>
         </p:nvSpPr>
         <p:spPr/>
@@ -11715,164 +12726,18 @@
           <a:bodyPr/>
           <a:lstStyle/>
           <a:p>
-            <a:pPr>
-              <a:buFontTx/>
-              <a:buChar char="-"/>
-            </a:pPr>
-            <a:r>
-              <a:rPr lang="fr-FR" dirty="0"/>
-              <a:t>Cancel </a:t>
-            </a:r>
-            <a:r>
-              <a:rPr lang="fr-FR" dirty="0" err="1"/>
-              <a:t>Reservation</a:t>
-            </a:r>
-            <a:endParaRPr lang="fr-FR" dirty="0"/>
-          </a:p>
-          <a:p>
-            <a:pPr lvl="1">
-              <a:buFontTx/>
-              <a:buChar char="-"/>
-            </a:pPr>
-            <a:r>
-              <a:rPr lang="fr-FR" dirty="0"/>
-              <a:t>1€ </a:t>
-            </a:r>
-            <a:r>
-              <a:rPr lang="fr-FR" dirty="0" err="1"/>
-              <a:t>fee</a:t>
-            </a:r>
-            <a:endParaRPr lang="fr-FR" dirty="0"/>
-          </a:p>
-          <a:p>
-            <a:pPr lvl="1">
-              <a:buFontTx/>
-              <a:buChar char="-"/>
-            </a:pPr>
-            <a:r>
-              <a:rPr lang="fr-FR" dirty="0" err="1"/>
-              <a:t>Can’t</a:t>
-            </a:r>
-            <a:r>
-              <a:rPr lang="fr-FR" dirty="0"/>
-              <a:t> </a:t>
-            </a:r>
-            <a:r>
-              <a:rPr lang="fr-FR" dirty="0" err="1"/>
-              <a:t>reserve</a:t>
-            </a:r>
-            <a:r>
-              <a:rPr lang="fr-FR" dirty="0"/>
-              <a:t> </a:t>
-            </a:r>
-            <a:r>
-              <a:rPr lang="fr-FR" dirty="0" err="1"/>
-              <a:t>within</a:t>
-            </a:r>
-            <a:r>
-              <a:rPr lang="fr-FR" dirty="0"/>
-              <a:t> the </a:t>
-            </a:r>
-            <a:r>
-              <a:rPr lang="fr-FR" dirty="0" err="1"/>
-              <a:t>next</a:t>
-            </a:r>
-            <a:r>
-              <a:rPr lang="fr-FR" dirty="0"/>
-              <a:t> 2 </a:t>
-            </a:r>
-            <a:r>
-              <a:rPr lang="fr-FR" dirty="0" err="1"/>
-              <a:t>hours</a:t>
-            </a:r>
-            <a:endParaRPr lang="fr-FR" dirty="0"/>
-          </a:p>
-          <a:p>
-            <a:pPr>
-              <a:buFontTx/>
-              <a:buChar char="-"/>
-            </a:pPr>
-            <a:r>
-              <a:rPr lang="fr-FR" dirty="0" err="1"/>
-              <a:t>Doesn’t</a:t>
-            </a:r>
-            <a:r>
-              <a:rPr lang="fr-FR" dirty="0"/>
-              <a:t> </a:t>
-            </a:r>
-            <a:r>
-              <a:rPr lang="fr-FR" dirty="0" err="1"/>
-              <a:t>pick</a:t>
-            </a:r>
-            <a:r>
-              <a:rPr lang="fr-FR" dirty="0"/>
-              <a:t> up the car</a:t>
-            </a:r>
-          </a:p>
-          <a:p>
-            <a:pPr lvl="1">
-              <a:buFontTx/>
-              <a:buChar char="-"/>
-            </a:pPr>
-            <a:r>
-              <a:rPr lang="fr-FR" dirty="0"/>
-              <a:t>1€ </a:t>
-            </a:r>
-            <a:r>
-              <a:rPr lang="fr-FR" dirty="0" err="1"/>
-              <a:t>fee</a:t>
-            </a:r>
-            <a:endParaRPr lang="fr-FR" dirty="0"/>
-          </a:p>
-          <a:p>
-            <a:pPr lvl="1">
-              <a:buFontTx/>
-              <a:buChar char="-"/>
-            </a:pPr>
-            <a:r>
-              <a:rPr lang="fr-FR" dirty="0" err="1"/>
-              <a:t>Can’t</a:t>
-            </a:r>
-            <a:r>
-              <a:rPr lang="fr-FR" dirty="0"/>
-              <a:t> </a:t>
-            </a:r>
-            <a:r>
-              <a:rPr lang="fr-FR" dirty="0" err="1"/>
-              <a:t>reserve</a:t>
-            </a:r>
-            <a:r>
-              <a:rPr lang="fr-FR" dirty="0"/>
-              <a:t> </a:t>
-            </a:r>
-            <a:r>
-              <a:rPr lang="fr-FR" dirty="0" err="1"/>
-              <a:t>within</a:t>
-            </a:r>
-            <a:r>
-              <a:rPr lang="fr-FR" dirty="0"/>
-              <a:t> the </a:t>
-            </a:r>
-            <a:r>
-              <a:rPr lang="fr-FR" dirty="0" err="1"/>
-              <a:t>next</a:t>
-            </a:r>
-            <a:r>
-              <a:rPr lang="fr-FR" dirty="0"/>
-              <a:t> 3 </a:t>
-            </a:r>
-            <a:r>
-              <a:rPr lang="fr-FR" dirty="0" err="1"/>
-              <a:t>hours</a:t>
-            </a:r>
-            <a:endParaRPr lang="fr-FR" dirty="0"/>
+            <a:fld id="{0F4F2D8A-7981-4BEB-984F-D56F9068943B}" type="slidenum">
+              <a:rPr lang="fr-FR" smtClean="0"/>
+              <a:t>4</a:t>
+            </a:fld>
+            <a:endParaRPr lang="fr-FR"/>
           </a:p>
         </p:txBody>
       </p:sp>
     </p:spTree>
     <p:extLst>
       <p:ext uri="{BB962C8B-B14F-4D97-AF65-F5344CB8AC3E}">
-        <p14:creationId xmlns:p14="http://schemas.microsoft.com/office/powerpoint/2010/main" val="3255023203"/>
+        <p14:creationId xmlns:p14="http://schemas.microsoft.com/office/powerpoint/2010/main" val="3714413132"/>
       </p:ext>
     </p:extLst>
   </p:cSld>
@@ -11911,25 +12776,76 @@
         </p:nvSpPr>
         <p:spPr/>
         <p:txBody>
+          <a:bodyPr>
+            <a:normAutofit fontScale="90000"/>
+          </a:bodyPr>
+          <a:lstStyle/>
+          <a:p>
+            <a:r>
+              <a:rPr lang="fr-FR" dirty="0"/>
+              <a:t>Scenario </a:t>
+            </a:r>
+            <a:r>
+              <a:rPr lang="fr-FR" dirty="0" err="1"/>
+              <a:t>Example</a:t>
+            </a:r>
+            <a:endParaRPr lang="fr-FR" dirty="0"/>
+          </a:p>
+        </p:txBody>
+      </p:sp>
+      <p:pic>
+        <p:nvPicPr>
+          <p:cNvPr id="4" name="Image 3"/>
+          <p:cNvPicPr>
+            <a:picLocks noChangeAspect="1"/>
+          </p:cNvPicPr>
+          <p:nvPr/>
+        </p:nvPicPr>
+        <p:blipFill rotWithShape="1">
+          <a:blip r:embed="rId3"/>
+          <a:srcRect b="64281"/>
+          <a:stretch/>
+        </p:blipFill>
+        <p:spPr>
+          <a:xfrm>
+            <a:off x="166607" y="1524308"/>
+            <a:ext cx="8810785" cy="4316966"/>
+          </a:xfrm>
+          <a:prstGeom prst="rect">
+            <a:avLst/>
+          </a:prstGeom>
+        </p:spPr>
+      </p:pic>
+      <p:sp>
+        <p:nvSpPr>
+          <p:cNvPr id="6" name="Espace réservé de la date 5"/>
+          <p:cNvSpPr>
+            <a:spLocks noGrp="1"/>
+          </p:cNvSpPr>
+          <p:nvPr>
+            <p:ph type="dt" sz="half" idx="10"/>
+          </p:nvPr>
+        </p:nvSpPr>
+        <p:spPr/>
+        <p:txBody>
           <a:bodyPr/>
           <a:lstStyle/>
           <a:p>
             <a:r>
-              <a:rPr lang="fr-FR" dirty="0" err="1"/>
-              <a:t>Assumptions</a:t>
-            </a:r>
-            <a:endParaRPr lang="fr-FR" dirty="0"/>
-          </a:p>
-        </p:txBody>
-      </p:sp>
-      <p:sp>
-        <p:nvSpPr>
-          <p:cNvPr id="3" name="Espace réservé du contenu 2"/>
-          <p:cNvSpPr>
-            <a:spLocks noGrp="1"/>
-          </p:cNvSpPr>
-          <p:nvPr>
-            <p:ph idx="1"/>
+              <a:rPr lang="fr-FR"/>
+              <a:t>09/02/2017</a:t>
+            </a:r>
+          </a:p>
+        </p:txBody>
+      </p:sp>
+      <p:sp>
+        <p:nvSpPr>
+          <p:cNvPr id="7" name="Espace réservé du pied de page 6"/>
+          <p:cNvSpPr>
+            <a:spLocks noGrp="1"/>
+          </p:cNvSpPr>
+          <p:nvPr>
+            <p:ph type="ftr" sz="quarter" idx="11"/>
           </p:nvPr>
         </p:nvSpPr>
         <p:spPr/>
@@ -11938,40 +12854,39 @@
           <a:lstStyle/>
           <a:p>
             <a:r>
-              <a:rPr lang="en-US" dirty="0"/>
-              <a:t>A driver who unlocks a car will ignite the engine </a:t>
-            </a:r>
-          </a:p>
-          <a:p>
-            <a:endParaRPr lang="fr-FR" dirty="0"/>
-          </a:p>
-          <a:p>
-            <a:r>
-              <a:rPr lang="en-US" dirty="0"/>
-              <a:t>You can only use the smartphone application to access the system </a:t>
-            </a:r>
-          </a:p>
-          <a:p>
-            <a:endParaRPr lang="fr-FR" dirty="0"/>
-          </a:p>
-          <a:p>
-            <a:r>
-              <a:rPr lang="en-US" dirty="0"/>
-              <a:t>The society has a maintenance and insurance service for cars </a:t>
-            </a:r>
-          </a:p>
-          <a:p>
-            <a:pPr marL="0" indent="0">
-              <a:buNone/>
-            </a:pPr>
-            <a:endParaRPr lang="fr-FR" dirty="0"/>
+              <a:rPr lang="fr-FR" dirty="0"/>
+              <a:t>Ramuzat Noëlie - Payelle Vianney - Rigal Rémi</a:t>
+            </a:r>
+          </a:p>
+        </p:txBody>
+      </p:sp>
+      <p:sp>
+        <p:nvSpPr>
+          <p:cNvPr id="8" name="Espace réservé du numéro de diapositive 7"/>
+          <p:cNvSpPr>
+            <a:spLocks noGrp="1"/>
+          </p:cNvSpPr>
+          <p:nvPr>
+            <p:ph type="sldNum" sz="quarter" idx="12"/>
+          </p:nvPr>
+        </p:nvSpPr>
+        <p:spPr/>
+        <p:txBody>
+          <a:bodyPr/>
+          <a:lstStyle/>
+          <a:p>
+            <a:fld id="{0F4F2D8A-7981-4BEB-984F-D56F9068943B}" type="slidenum">
+              <a:rPr lang="fr-FR" smtClean="0"/>
+              <a:t>5</a:t>
+            </a:fld>
+            <a:endParaRPr lang="fr-FR"/>
           </a:p>
         </p:txBody>
       </p:sp>
     </p:spTree>
     <p:extLst>
       <p:ext uri="{BB962C8B-B14F-4D97-AF65-F5344CB8AC3E}">
-        <p14:creationId xmlns:p14="http://schemas.microsoft.com/office/powerpoint/2010/main" val="3714413132"/>
+        <p14:creationId xmlns:p14="http://schemas.microsoft.com/office/powerpoint/2010/main" val="428556355"/>
       </p:ext>
     </p:extLst>
   </p:cSld>
@@ -12010,16 +12925,18 @@
         </p:nvSpPr>
         <p:spPr/>
         <p:txBody>
-          <a:bodyPr/>
+          <a:bodyPr>
+            <a:normAutofit fontScale="90000"/>
+          </a:bodyPr>
           <a:lstStyle/>
           <a:p>
             <a:r>
               <a:rPr lang="fr-FR" dirty="0"/>
-              <a:t>Scenario </a:t>
+              <a:t>Component </a:t>
             </a:r>
             <a:r>
               <a:rPr lang="fr-FR" dirty="0" err="1"/>
-              <a:t>Example</a:t>
+              <a:t>Diagram</a:t>
             </a:r>
             <a:endParaRPr lang="fr-FR" dirty="0"/>
           </a:p>
@@ -12027,31 +12944,99 @@
       </p:sp>
       <p:pic>
         <p:nvPicPr>
-          <p:cNvPr id="4" name="Image 3"/>
+          <p:cNvPr id="7" name="Image 6"/>
           <p:cNvPicPr>
             <a:picLocks noChangeAspect="1"/>
           </p:cNvPicPr>
           <p:nvPr/>
         </p:nvPicPr>
-        <p:blipFill rotWithShape="1">
+        <p:blipFill>
           <a:blip r:embed="rId3"/>
-          <a:srcRect b="64281"/>
-          <a:stretch/>
+          <a:stretch>
+            <a:fillRect/>
+          </a:stretch>
         </p:blipFill>
         <p:spPr>
           <a:xfrm>
-            <a:off x="166607" y="1768148"/>
-            <a:ext cx="8810785" cy="4316966"/>
+            <a:off x="235131" y="1041151"/>
+            <a:ext cx="8673738" cy="5315200"/>
           </a:xfrm>
           <a:prstGeom prst="rect">
             <a:avLst/>
           </a:prstGeom>
         </p:spPr>
       </p:pic>
+      <p:sp>
+        <p:nvSpPr>
+          <p:cNvPr id="8" name="Espace réservé de la date 7"/>
+          <p:cNvSpPr>
+            <a:spLocks noGrp="1"/>
+          </p:cNvSpPr>
+          <p:nvPr>
+            <p:ph type="dt" sz="half" idx="10"/>
+          </p:nvPr>
+        </p:nvSpPr>
+        <p:spPr/>
+        <p:txBody>
+          <a:bodyPr/>
+          <a:lstStyle/>
+          <a:p>
+            <a:r>
+              <a:rPr lang="fr-FR"/>
+              <a:t>09/02/2017</a:t>
+            </a:r>
+          </a:p>
+        </p:txBody>
+      </p:sp>
+      <p:sp>
+        <p:nvSpPr>
+          <p:cNvPr id="9" name="Espace réservé du pied de page 8"/>
+          <p:cNvSpPr>
+            <a:spLocks noGrp="1"/>
+          </p:cNvSpPr>
+          <p:nvPr>
+            <p:ph type="ftr" sz="quarter" idx="11"/>
+          </p:nvPr>
+        </p:nvSpPr>
+        <p:spPr/>
+        <p:txBody>
+          <a:bodyPr/>
+          <a:lstStyle/>
+          <a:p>
+            <a:r>
+              <a:rPr lang="fr-FR" dirty="0"/>
+              <a:t>Ramuzat Noëlie - Payelle Vianney - Rigal Rémi</a:t>
+            </a:r>
+          </a:p>
+        </p:txBody>
+      </p:sp>
+      <p:sp>
+        <p:nvSpPr>
+          <p:cNvPr id="10" name="Espace réservé du numéro de diapositive 9"/>
+          <p:cNvSpPr>
+            <a:spLocks noGrp="1"/>
+          </p:cNvSpPr>
+          <p:nvPr>
+            <p:ph type="sldNum" sz="quarter" idx="12"/>
+          </p:nvPr>
+        </p:nvSpPr>
+        <p:spPr/>
+        <p:txBody>
+          <a:bodyPr/>
+          <a:lstStyle/>
+          <a:p>
+            <a:fld id="{0F4F2D8A-7981-4BEB-984F-D56F9068943B}" type="slidenum">
+              <a:rPr lang="fr-FR" smtClean="0"/>
+              <a:t>6</a:t>
+            </a:fld>
+            <a:endParaRPr lang="fr-FR"/>
+          </a:p>
+        </p:txBody>
+      </p:sp>
     </p:spTree>
     <p:extLst>
       <p:ext uri="{BB962C8B-B14F-4D97-AF65-F5344CB8AC3E}">
-        <p14:creationId xmlns:p14="http://schemas.microsoft.com/office/powerpoint/2010/main" val="428556355"/>
+        <p14:creationId xmlns:p14="http://schemas.microsoft.com/office/powerpoint/2010/main" val="2738340739"/>
       </p:ext>
     </p:extLst>
   </p:cSld>
@@ -12090,12 +13075,14 @@
         </p:nvSpPr>
         <p:spPr/>
         <p:txBody>
-          <a:bodyPr/>
+          <a:bodyPr>
+            <a:normAutofit fontScale="90000"/>
+          </a:bodyPr>
           <a:lstStyle/>
           <a:p>
             <a:r>
               <a:rPr lang="fr-FR" dirty="0"/>
-              <a:t>Component </a:t>
+              <a:t>BCE </a:t>
             </a:r>
             <a:r>
               <a:rPr lang="fr-FR" dirty="0" err="1"/>
@@ -12113,26 +13100,92 @@
           </p:cNvPicPr>
           <p:nvPr/>
         </p:nvPicPr>
-        <p:blipFill>
+        <p:blipFill rotWithShape="1">
           <a:blip r:embed="rId3"/>
-          <a:stretch>
-            <a:fillRect/>
-          </a:stretch>
+          <a:srcRect l="2935" t="3772" r="2822" b="3347"/>
+          <a:stretch/>
         </p:blipFill>
         <p:spPr>
           <a:xfrm>
-            <a:off x="138418" y="1351951"/>
-            <a:ext cx="8867163" cy="5431001"/>
+            <a:off x="767016" y="1070384"/>
+            <a:ext cx="7609968" cy="5285967"/>
           </a:xfrm>
           <a:prstGeom prst="rect">
             <a:avLst/>
           </a:prstGeom>
         </p:spPr>
       </p:pic>
+      <p:sp>
+        <p:nvSpPr>
+          <p:cNvPr id="6" name="Espace réservé de la date 5"/>
+          <p:cNvSpPr>
+            <a:spLocks noGrp="1"/>
+          </p:cNvSpPr>
+          <p:nvPr>
+            <p:ph type="dt" sz="half" idx="10"/>
+          </p:nvPr>
+        </p:nvSpPr>
+        <p:spPr/>
+        <p:txBody>
+          <a:bodyPr/>
+          <a:lstStyle/>
+          <a:p>
+            <a:r>
+              <a:rPr lang="fr-FR"/>
+              <a:t>09/02/2017</a:t>
+            </a:r>
+          </a:p>
+        </p:txBody>
+      </p:sp>
+      <p:sp>
+        <p:nvSpPr>
+          <p:cNvPr id="7" name="Espace réservé du pied de page 6"/>
+          <p:cNvSpPr>
+            <a:spLocks noGrp="1"/>
+          </p:cNvSpPr>
+          <p:nvPr>
+            <p:ph type="ftr" sz="quarter" idx="11"/>
+          </p:nvPr>
+        </p:nvSpPr>
+        <p:spPr/>
+        <p:txBody>
+          <a:bodyPr/>
+          <a:lstStyle/>
+          <a:p>
+            <a:r>
+              <a:rPr lang="fr-FR" dirty="0"/>
+              <a:t>Ramuzat Noëlie - Payelle Vianney - Rigal Rémi</a:t>
+            </a:r>
+          </a:p>
+        </p:txBody>
+      </p:sp>
+      <p:sp>
+        <p:nvSpPr>
+          <p:cNvPr id="8" name="Espace réservé du numéro de diapositive 7"/>
+          <p:cNvSpPr>
+            <a:spLocks noGrp="1"/>
+          </p:cNvSpPr>
+          <p:nvPr>
+            <p:ph type="sldNum" sz="quarter" idx="12"/>
+          </p:nvPr>
+        </p:nvSpPr>
+        <p:spPr/>
+        <p:txBody>
+          <a:bodyPr/>
+          <a:lstStyle/>
+          <a:p>
+            <a:fld id="{0F4F2D8A-7981-4BEB-984F-D56F9068943B}" type="slidenum">
+              <a:rPr lang="fr-FR" smtClean="0"/>
+              <a:t>7</a:t>
+            </a:fld>
+            <a:endParaRPr lang="fr-FR"/>
+          </a:p>
+        </p:txBody>
+      </p:sp>
     </p:spTree>
     <p:extLst>
       <p:ext uri="{BB962C8B-B14F-4D97-AF65-F5344CB8AC3E}">
-        <p14:creationId xmlns:p14="http://schemas.microsoft.com/office/powerpoint/2010/main" val="2738340739"/>
+        <p14:creationId xmlns:p14="http://schemas.microsoft.com/office/powerpoint/2010/main" val="954833636"/>
       </p:ext>
     </p:extLst>
   </p:cSld>
@@ -12171,12 +13224,18 @@
         </p:nvSpPr>
         <p:spPr/>
         <p:txBody>
-          <a:bodyPr/>
-          <a:lstStyle/>
-          <a:p>
+          <a:bodyPr>
+            <a:normAutofit fontScale="90000"/>
+          </a:bodyPr>
+          <a:lstStyle/>
+          <a:p>
+            <a:r>
+              <a:rPr lang="fr-FR" dirty="0" err="1"/>
+              <a:t>Deployment</a:t>
+            </a:r>
             <a:r>
               <a:rPr lang="fr-FR" dirty="0"/>
-              <a:t>BCE </a:t>
+              <a:t> </a:t>
             </a:r>
             <a:r>
               <a:rPr lang="fr-FR" dirty="0" err="1"/>
@@ -12194,26 +13253,92 @@
           </p:cNvPicPr>
           <p:nvPr/>
         </p:nvPicPr>
-        <p:blipFill>
+        <p:blipFill rotWithShape="1">
           <a:blip r:embed="rId3"/>
-          <a:stretch>
-            <a:fillRect/>
-          </a:stretch>
+          <a:srcRect l="4729" t="15307" r="1998" b="3685"/>
+          <a:stretch/>
         </p:blipFill>
         <p:spPr>
           <a:xfrm>
-            <a:off x="714164" y="1322365"/>
-            <a:ext cx="7715672" cy="5438086"/>
+            <a:off x="2290354" y="966652"/>
+            <a:ext cx="4403232" cy="5389699"/>
           </a:xfrm>
           <a:prstGeom prst="rect">
             <a:avLst/>
           </a:prstGeom>
         </p:spPr>
       </p:pic>
+      <p:sp>
+        <p:nvSpPr>
+          <p:cNvPr id="6" name="Espace réservé de la date 5"/>
+          <p:cNvSpPr>
+            <a:spLocks noGrp="1"/>
+          </p:cNvSpPr>
+          <p:nvPr>
+            <p:ph type="dt" sz="half" idx="10"/>
+          </p:nvPr>
+        </p:nvSpPr>
+        <p:spPr/>
+        <p:txBody>
+          <a:bodyPr/>
+          <a:lstStyle/>
+          <a:p>
+            <a:r>
+              <a:rPr lang="fr-FR"/>
+              <a:t>09/02/2017</a:t>
+            </a:r>
+          </a:p>
+        </p:txBody>
+      </p:sp>
+      <p:sp>
+        <p:nvSpPr>
+          <p:cNvPr id="7" name="Espace réservé du pied de page 6"/>
+          <p:cNvSpPr>
+            <a:spLocks noGrp="1"/>
+          </p:cNvSpPr>
+          <p:nvPr>
+            <p:ph type="ftr" sz="quarter" idx="11"/>
+          </p:nvPr>
+        </p:nvSpPr>
+        <p:spPr/>
+        <p:txBody>
+          <a:bodyPr/>
+          <a:lstStyle/>
+          <a:p>
+            <a:r>
+              <a:rPr lang="fr-FR" dirty="0"/>
+              <a:t>Ramuzat Noëlie - Payelle Vianney - Rigal Rémi</a:t>
+            </a:r>
+          </a:p>
+        </p:txBody>
+      </p:sp>
+      <p:sp>
+        <p:nvSpPr>
+          <p:cNvPr id="8" name="Espace réservé du numéro de diapositive 7"/>
+          <p:cNvSpPr>
+            <a:spLocks noGrp="1"/>
+          </p:cNvSpPr>
+          <p:nvPr>
+            <p:ph type="sldNum" sz="quarter" idx="12"/>
+          </p:nvPr>
+        </p:nvSpPr>
+        <p:spPr/>
+        <p:txBody>
+          <a:bodyPr/>
+          <a:lstStyle/>
+          <a:p>
+            <a:fld id="{0F4F2D8A-7981-4BEB-984F-D56F9068943B}" type="slidenum">
+              <a:rPr lang="fr-FR" smtClean="0"/>
+              <a:t>8</a:t>
+            </a:fld>
+            <a:endParaRPr lang="fr-FR"/>
+          </a:p>
+        </p:txBody>
+      </p:sp>
     </p:spTree>
     <p:extLst>
       <p:ext uri="{BB962C8B-B14F-4D97-AF65-F5344CB8AC3E}">
-        <p14:creationId xmlns:p14="http://schemas.microsoft.com/office/powerpoint/2010/main" val="954833636"/>
+        <p14:creationId xmlns:p14="http://schemas.microsoft.com/office/powerpoint/2010/main" val="4022633303"/>
       </p:ext>
     </p:extLst>
   </p:cSld>
@@ -12252,20 +13377,18 @@
         </p:nvSpPr>
         <p:spPr/>
         <p:txBody>
-          <a:bodyPr/>
-          <a:lstStyle/>
-          <a:p>
+          <a:bodyPr>
+            <a:normAutofit fontScale="90000"/>
+          </a:bodyPr>
+          <a:lstStyle/>
+          <a:p>
+            <a:r>
+              <a:rPr lang="fr-FR" dirty="0"/>
+              <a:t>Component </a:t>
+            </a:r>
             <a:r>
               <a:rPr lang="fr-FR" dirty="0" err="1"/>
-              <a:t>Deployment</a:t>
-            </a:r>
-            <a:r>
-              <a:rPr lang="fr-FR" dirty="0"/>
-              <a:t> </a:t>
-            </a:r>
-            <a:r>
-              <a:rPr lang="fr-FR" dirty="0" err="1"/>
-              <a:t>Diagram</a:t>
+              <a:t>Integration</a:t>
             </a:r>
             <a:endParaRPr lang="fr-FR" dirty="0"/>
           </a:p>
@@ -12273,31 +13396,105 @@
       </p:sp>
       <p:pic>
         <p:nvPicPr>
-          <p:cNvPr id="4" name="Image 3"/>
+          <p:cNvPr id="6" name="Image 5"/>
           <p:cNvPicPr>
             <a:picLocks noChangeAspect="1"/>
           </p:cNvPicPr>
           <p:nvPr/>
         </p:nvPicPr>
-        <p:blipFill rotWithShape="1">
-          <a:blip r:embed="rId3"/>
-          <a:srcRect t="13193" b="2486"/>
-          <a:stretch/>
+        <p:blipFill>
+          <a:blip r:embed="rId3">
+            <a:extLst>
+              <a:ext uri="{28A0092B-C50C-407E-A947-70E740481C1C}">
+                <a14:useLocalDpi xmlns:a14="http://schemas.microsoft.com/office/drawing/2010/main" val="0"/>
+              </a:ext>
+            </a:extLst>
+          </a:blip>
+          <a:stretch>
+            <a:fillRect/>
+          </a:stretch>
         </p:blipFill>
         <p:spPr>
           <a:xfrm>
-            <a:off x="2317417" y="1361675"/>
-            <a:ext cx="4509166" cy="5358664"/>
+            <a:off x="0" y="1111548"/>
+            <a:ext cx="9144000" cy="5244803"/>
           </a:xfrm>
           <a:prstGeom prst="rect">
             <a:avLst/>
           </a:prstGeom>
         </p:spPr>
       </p:pic>
+      <p:sp>
+        <p:nvSpPr>
+          <p:cNvPr id="5" name="Espace réservé de la date 4"/>
+          <p:cNvSpPr>
+            <a:spLocks noGrp="1"/>
+          </p:cNvSpPr>
+          <p:nvPr>
+            <p:ph type="dt" sz="half" idx="10"/>
+          </p:nvPr>
+        </p:nvSpPr>
+        <p:spPr/>
+        <p:txBody>
+          <a:bodyPr/>
+          <a:lstStyle/>
+          <a:p>
+            <a:r>
+              <a:rPr lang="fr-FR"/>
+              <a:t>09/02/2017</a:t>
+            </a:r>
+          </a:p>
+        </p:txBody>
+      </p:sp>
+      <p:sp>
+        <p:nvSpPr>
+          <p:cNvPr id="7" name="Espace réservé du pied de page 6"/>
+          <p:cNvSpPr>
+            <a:spLocks noGrp="1"/>
+          </p:cNvSpPr>
+          <p:nvPr>
+            <p:ph type="ftr" sz="quarter" idx="11"/>
+          </p:nvPr>
+        </p:nvSpPr>
+        <p:spPr/>
+        <p:txBody>
+          <a:bodyPr/>
+          <a:lstStyle/>
+          <a:p>
+            <a:r>
+              <a:rPr lang="fr-FR" dirty="0"/>
+              <a:t>Ramuzat Noëlie - Payelle Vianney - Rigal Rémi</a:t>
+            </a:r>
+          </a:p>
+        </p:txBody>
+      </p:sp>
+      <p:sp>
+        <p:nvSpPr>
+          <p:cNvPr id="8" name="Espace réservé du numéro de diapositive 7"/>
+          <p:cNvSpPr>
+            <a:spLocks noGrp="1"/>
+          </p:cNvSpPr>
+          <p:nvPr>
+            <p:ph type="sldNum" sz="quarter" idx="12"/>
+          </p:nvPr>
+        </p:nvSpPr>
+        <p:spPr/>
+        <p:txBody>
+          <a:bodyPr/>
+          <a:lstStyle/>
+          <a:p>
+            <a:fld id="{0F4F2D8A-7981-4BEB-984F-D56F9068943B}" type="slidenum">
+              <a:rPr lang="fr-FR" smtClean="0"/>
+              <a:t>9</a:t>
+            </a:fld>
+            <a:endParaRPr lang="fr-FR"/>
+          </a:p>
+        </p:txBody>
+      </p:sp>
     </p:spTree>
     <p:extLst>
       <p:ext uri="{BB962C8B-B14F-4D97-AF65-F5344CB8AC3E}">
-        <p14:creationId xmlns:p14="http://schemas.microsoft.com/office/powerpoint/2010/main" val="4022633303"/>
+        <p14:creationId xmlns:p14="http://schemas.microsoft.com/office/powerpoint/2010/main" val="602294690"/>
       </p:ext>
     </p:extLst>
   </p:cSld>

--- a/Oral Discussion/Software Engineering.pptx
+++ b/Oral Discussion/Software Engineering.pptx
@@ -125,6 +125,9 @@
     <p:ext uri="{EFAFB233-063F-42B5-8137-9DF3F51BA10A}">
       <p15:sldGuideLst xmlns:p15="http://schemas.microsoft.com/office/powerpoint/2012/main"/>
     </p:ext>
+    <p:ext uri="{2D200454-40CA-4A62-9FC3-DE9A4176ACB9}">
+      <p15:notesGuideLst xmlns:p15="http://schemas.microsoft.com/office/powerpoint/2012/main"/>
+    </p:ext>
   </p:extLst>
 </p:presentation>
 </file>
@@ -539,6 +542,18 @@
               <a:t>Rémi</a:t>
             </a:r>
           </a:p>
+          <a:p>
+            <a:r>
+              <a:rPr lang="fr-FR" dirty="0"/>
+              <a:t>Car sharing service</a:t>
+            </a:r>
+          </a:p>
+          <a:p>
+            <a:r>
+              <a:rPr lang="fr-FR" dirty="0"/>
+              <a:t>Electric Car</a:t>
+            </a:r>
+          </a:p>
         </p:txBody>
       </p:sp>
       <p:sp>
@@ -1434,6 +1449,81 @@
               <a:t>Rémi</a:t>
             </a:r>
           </a:p>
+          <a:p>
+            <a:r>
+              <a:rPr lang="fr-FR" dirty="0"/>
+              <a:t>Scenario </a:t>
+            </a:r>
+            <a:r>
+              <a:rPr lang="fr-FR" dirty="0" err="1"/>
+              <a:t>involving</a:t>
+            </a:r>
+            <a:r>
+              <a:rPr lang="fr-FR" dirty="0"/>
+              <a:t> the </a:t>
+            </a:r>
+            <a:r>
+              <a:rPr lang="fr-FR" dirty="0" err="1"/>
+              <a:t>previously</a:t>
+            </a:r>
+            <a:r>
+              <a:rPr lang="fr-FR" dirty="0"/>
+              <a:t> </a:t>
+            </a:r>
+            <a:r>
+              <a:rPr lang="fr-FR" dirty="0" err="1"/>
+              <a:t>explained</a:t>
+            </a:r>
+            <a:r>
+              <a:rPr lang="fr-FR" dirty="0"/>
+              <a:t> </a:t>
+            </a:r>
+            <a:r>
+              <a:rPr lang="fr-FR" dirty="0" err="1"/>
+              <a:t>requirements</a:t>
+            </a:r>
+            <a:endParaRPr lang="fr-FR" dirty="0"/>
+          </a:p>
+          <a:p>
+            <a:endParaRPr lang="fr-FR" dirty="0"/>
+          </a:p>
+          <a:p>
+            <a:r>
+              <a:rPr lang="fr-FR" dirty="0" err="1"/>
+              <a:t>Specifications</a:t>
+            </a:r>
+            <a:r>
+              <a:rPr lang="fr-FR" dirty="0"/>
+              <a:t> =&gt; </a:t>
+            </a:r>
+            <a:r>
+              <a:rPr lang="fr-FR" dirty="0" err="1"/>
+              <a:t>Implementation</a:t>
+            </a:r>
+            <a:endParaRPr lang="fr-FR" dirty="0"/>
+          </a:p>
+          <a:p>
+            <a:r>
+              <a:rPr lang="fr-FR" dirty="0"/>
+              <a:t>High </a:t>
+            </a:r>
+            <a:r>
+              <a:rPr lang="fr-FR" dirty="0" err="1"/>
+              <a:t>Level</a:t>
+            </a:r>
+            <a:endParaRPr lang="fr-FR" dirty="0"/>
+          </a:p>
+          <a:p>
+            <a:r>
+              <a:rPr lang="fr-FR" dirty="0"/>
+              <a:t>DB </a:t>
+            </a:r>
+            <a:r>
+              <a:rPr lang="fr-FR" dirty="0" err="1"/>
+              <a:t>models</a:t>
+            </a:r>
+            <a:endParaRPr lang="fr-FR" dirty="0"/>
+          </a:p>
         </p:txBody>
       </p:sp>
       <p:sp>
@@ -1521,6 +1611,90 @@
               <a:t>Rémi</a:t>
             </a:r>
           </a:p>
+          <a:p>
+            <a:r>
+              <a:rPr lang="fr-FR" dirty="0" err="1"/>
+              <a:t>Models</a:t>
+            </a:r>
+            <a:r>
+              <a:rPr lang="fr-FR" dirty="0"/>
+              <a:t> -&gt; </a:t>
+            </a:r>
+            <a:r>
+              <a:rPr lang="fr-FR" dirty="0" err="1"/>
+              <a:t>Controllers</a:t>
+            </a:r>
+            <a:endParaRPr lang="fr-FR" dirty="0"/>
+          </a:p>
+          <a:p>
+            <a:r>
+              <a:rPr lang="fr-FR" dirty="0"/>
+              <a:t>Driver</a:t>
+            </a:r>
+          </a:p>
+          <a:p>
+            <a:r>
+              <a:rPr lang="fr-FR" dirty="0"/>
+              <a:t>Notifications</a:t>
+            </a:r>
+          </a:p>
+          <a:p>
+            <a:pPr marL="0" marR="0" lvl="0" indent="0" algn="l" defTabSz="914400" rtl="0" eaLnBrk="1" fontAlgn="auto" latinLnBrk="0" hangingPunct="1">
+              <a:lnSpc>
+                <a:spcPct val="100000"/>
+              </a:lnSpc>
+              <a:spcBef>
+                <a:spcPts val="0"/>
+              </a:spcBef>
+              <a:spcAft>
+                <a:spcPts val="0"/>
+              </a:spcAft>
+              <a:buClrTx/>
+              <a:buSzTx/>
+              <a:buFontTx/>
+              <a:buNone/>
+              <a:tabLst/>
+              <a:defRPr/>
+            </a:pPr>
+            <a:r>
+              <a:rPr lang="fr-FR" dirty="0"/>
+              <a:t>-&gt; Use of </a:t>
+            </a:r>
+            <a:r>
+              <a:rPr lang="fr-FR" dirty="0" err="1"/>
+              <a:t>third</a:t>
+            </a:r>
+            <a:r>
+              <a:rPr lang="fr-FR" dirty="0"/>
+              <a:t> party components</a:t>
+            </a:r>
+            <a:endParaRPr lang="fr-FR" dirty="0"/>
+          </a:p>
+          <a:p>
+            <a:endParaRPr lang="fr-FR" dirty="0"/>
+          </a:p>
+          <a:p>
+            <a:r>
+              <a:rPr lang="fr-FR" dirty="0"/>
+              <a:t>-&gt; </a:t>
+            </a:r>
+            <a:r>
+              <a:rPr lang="fr-FR" dirty="0" err="1"/>
+              <a:t>Dependencies</a:t>
+            </a:r>
+            <a:endParaRPr lang="fr-FR" dirty="0"/>
+          </a:p>
+          <a:p>
+            <a:r>
+              <a:rPr lang="fr-FR" dirty="0"/>
+              <a:t>-&gt; Lead to </a:t>
+            </a:r>
+            <a:r>
+              <a:rPr lang="fr-FR" dirty="0" err="1"/>
+              <a:t>integration</a:t>
+            </a:r>
+            <a:endParaRPr lang="fr-FR" dirty="0"/>
+          </a:p>
         </p:txBody>
       </p:sp>
       <p:sp>
@@ -1789,9 +1963,73 @@
           <a:lstStyle/>
           <a:p>
             <a:r>
-              <a:rPr lang="fr-FR" dirty="0"/>
+              <a:rPr lang="en-US" noProof="0" dirty="0"/>
               <a:t>Rémi</a:t>
             </a:r>
+          </a:p>
+          <a:p>
+            <a:r>
+              <a:rPr lang="en-US" noProof="0" dirty="0"/>
+              <a:t>Bottom up approach</a:t>
+            </a:r>
+          </a:p>
+          <a:p>
+            <a:r>
+              <a:rPr lang="en-US" noProof="0" dirty="0"/>
+              <a:t>-&gt; speed up the development</a:t>
+            </a:r>
+          </a:p>
+          <a:p>
+            <a:r>
+              <a:rPr lang="en-US" noProof="0" dirty="0"/>
+              <a:t>-&gt; early tests</a:t>
+            </a:r>
+          </a:p>
+          <a:p>
+            <a:endParaRPr lang="en-US" noProof="0" dirty="0"/>
+          </a:p>
+          <a:p>
+            <a:r>
+              <a:rPr lang="en-US" noProof="0" dirty="0"/>
+              <a:t>Arrow -&gt; Integration order</a:t>
+            </a:r>
+          </a:p>
+          <a:p>
+            <a:r>
+              <a:rPr lang="en-US" noProof="0" dirty="0"/>
+              <a:t>Integration</a:t>
+            </a:r>
+          </a:p>
+          <a:p>
+            <a:pPr marL="171450" indent="-171450">
+              <a:buFontTx/>
+              <a:buChar char="-"/>
+            </a:pPr>
+            <a:r>
+              <a:rPr lang="en-US" noProof="0" dirty="0"/>
+              <a:t>DBMS</a:t>
+            </a:r>
+          </a:p>
+          <a:p>
+            <a:pPr marL="171450" indent="-171450">
+              <a:buFontTx/>
+              <a:buChar char="-"/>
+            </a:pPr>
+            <a:r>
+              <a:rPr lang="en-US" noProof="0" dirty="0"/>
+              <a:t>Third Party</a:t>
+            </a:r>
+          </a:p>
+          <a:p>
+            <a:pPr marL="171450" indent="-171450">
+              <a:buFontTx/>
+              <a:buChar char="-"/>
+            </a:pPr>
+            <a:r>
+              <a:rPr lang="en-US" noProof="0"/>
+              <a:t>Rest</a:t>
+            </a:r>
+            <a:endParaRPr lang="en-US" noProof="0" dirty="0"/>
           </a:p>
         </p:txBody>
       </p:sp>
